--- a/network_data_kg.pptx
+++ b/network_data_kg.pptx
@@ -107,6 +107,11 @@
       </a:defRPr>
     </a:lvl9pPr>
   </p:defaultTextStyle>
+  <p:extLst>
+    <p:ext uri="{EFAFB233-063F-42B5-8137-9DF3F51BA10A}">
+      <p15:sldGuideLst xmlns:p15="http://schemas.microsoft.com/office/powerpoint/2012/main"/>
+    </p:ext>
+  </p:extLst>
 </p:presentation>
 </file>
 
@@ -257,7 +262,7 @@
           <a:p>
             <a:fld id="{F3B435F0-777B-FF4C-9A48-D6CFD8D1D448}" type="datetimeFigureOut">
               <a:rPr lang="en-US" smtClean="0"/>
-              <a:t>2/19/23</a:t>
+              <a:t>2/20/23</a:t>
             </a:fld>
             <a:endParaRPr lang="en-US"/>
           </a:p>
@@ -455,7 +460,7 @@
           <a:p>
             <a:fld id="{F3B435F0-777B-FF4C-9A48-D6CFD8D1D448}" type="datetimeFigureOut">
               <a:rPr lang="en-US" smtClean="0"/>
-              <a:t>2/19/23</a:t>
+              <a:t>2/20/23</a:t>
             </a:fld>
             <a:endParaRPr lang="en-US"/>
           </a:p>
@@ -663,7 +668,7 @@
           <a:p>
             <a:fld id="{F3B435F0-777B-FF4C-9A48-D6CFD8D1D448}" type="datetimeFigureOut">
               <a:rPr lang="en-US" smtClean="0"/>
-              <a:t>2/19/23</a:t>
+              <a:t>2/20/23</a:t>
             </a:fld>
             <a:endParaRPr lang="en-US"/>
           </a:p>
@@ -861,7 +866,7 @@
           <a:p>
             <a:fld id="{F3B435F0-777B-FF4C-9A48-D6CFD8D1D448}" type="datetimeFigureOut">
               <a:rPr lang="en-US" smtClean="0"/>
-              <a:t>2/19/23</a:t>
+              <a:t>2/20/23</a:t>
             </a:fld>
             <a:endParaRPr lang="en-US"/>
           </a:p>
@@ -1136,7 +1141,7 @@
           <a:p>
             <a:fld id="{F3B435F0-777B-FF4C-9A48-D6CFD8D1D448}" type="datetimeFigureOut">
               <a:rPr lang="en-US" smtClean="0"/>
-              <a:t>2/19/23</a:t>
+              <a:t>2/20/23</a:t>
             </a:fld>
             <a:endParaRPr lang="en-US"/>
           </a:p>
@@ -1401,7 +1406,7 @@
           <a:p>
             <a:fld id="{F3B435F0-777B-FF4C-9A48-D6CFD8D1D448}" type="datetimeFigureOut">
               <a:rPr lang="en-US" smtClean="0"/>
-              <a:t>2/19/23</a:t>
+              <a:t>2/20/23</a:t>
             </a:fld>
             <a:endParaRPr lang="en-US"/>
           </a:p>
@@ -1813,7 +1818,7 @@
           <a:p>
             <a:fld id="{F3B435F0-777B-FF4C-9A48-D6CFD8D1D448}" type="datetimeFigureOut">
               <a:rPr lang="en-US" smtClean="0"/>
-              <a:t>2/19/23</a:t>
+              <a:t>2/20/23</a:t>
             </a:fld>
             <a:endParaRPr lang="en-US"/>
           </a:p>
@@ -1954,7 +1959,7 @@
           <a:p>
             <a:fld id="{F3B435F0-777B-FF4C-9A48-D6CFD8D1D448}" type="datetimeFigureOut">
               <a:rPr lang="en-US" smtClean="0"/>
-              <a:t>2/19/23</a:t>
+              <a:t>2/20/23</a:t>
             </a:fld>
             <a:endParaRPr lang="en-US"/>
           </a:p>
@@ -2067,7 +2072,7 @@
           <a:p>
             <a:fld id="{F3B435F0-777B-FF4C-9A48-D6CFD8D1D448}" type="datetimeFigureOut">
               <a:rPr lang="en-US" smtClean="0"/>
-              <a:t>2/19/23</a:t>
+              <a:t>2/20/23</a:t>
             </a:fld>
             <a:endParaRPr lang="en-US"/>
           </a:p>
@@ -2378,7 +2383,7 @@
           <a:p>
             <a:fld id="{F3B435F0-777B-FF4C-9A48-D6CFD8D1D448}" type="datetimeFigureOut">
               <a:rPr lang="en-US" smtClean="0"/>
-              <a:t>2/19/23</a:t>
+              <a:t>2/20/23</a:t>
             </a:fld>
             <a:endParaRPr lang="en-US"/>
           </a:p>
@@ -2666,7 +2671,7 @@
           <a:p>
             <a:fld id="{F3B435F0-777B-FF4C-9A48-D6CFD8D1D448}" type="datetimeFigureOut">
               <a:rPr lang="en-US" smtClean="0"/>
-              <a:t>2/19/23</a:t>
+              <a:t>2/20/23</a:t>
             </a:fld>
             <a:endParaRPr lang="en-US"/>
           </a:p>
@@ -2907,7 +2912,7 @@
           <a:p>
             <a:fld id="{F3B435F0-777B-FF4C-9A48-D6CFD8D1D448}" type="datetimeFigureOut">
               <a:rPr lang="en-US" smtClean="0"/>
-              <a:t>2/19/23</a:t>
+              <a:t>2/20/23</a:t>
             </a:fld>
             <a:endParaRPr lang="en-US"/>
           </a:p>
@@ -4198,7 +4203,7 @@
           <p:nvPr>
             <p:extLst>
               <p:ext uri="{D42A27DB-BD31-4B8C-83A1-F6EECF244321}">
-                <p14:modId xmlns:p14="http://schemas.microsoft.com/office/powerpoint/2010/main" val="1979684827"/>
+                <p14:modId xmlns:p14="http://schemas.microsoft.com/office/powerpoint/2010/main" val="4057633192"/>
               </p:ext>
             </p:extLst>
           </p:nvPr>
@@ -4521,19 +4526,7 @@
                     <a:bodyPr/>
                     <a:lstStyle/>
                     <a:p>
-                      <a:endParaRPr lang="en-US" sz="1000" dirty="0">
-                        <a:latin typeface="+mn-lt"/>
-                      </a:endParaRPr>
-                    </a:p>
-                  </a:txBody>
-                  <a:tcPr/>
-                </a:tc>
-                <a:tc>
-                  <a:txBody>
-                    <a:bodyPr/>
-                    <a:lstStyle/>
-                    <a:p>
-                      <a:pPr marL="0" marR="0" lvl="0" indent="0" algn="l" defTabSz="914400" rtl="0" eaLnBrk="1" fontAlgn="b" latinLnBrk="0" hangingPunct="1">
+                      <a:pPr marL="0" marR="0" lvl="0" indent="0" algn="l" defTabSz="914400" rtl="0" eaLnBrk="1" fontAlgn="auto" latinLnBrk="0" hangingPunct="1">
                         <a:lnSpc>
                           <a:spcPct val="100000"/>
                         </a:lnSpc>
@@ -4551,40 +4544,6 @@
                         <a:defRPr/>
                       </a:pPr>
                       <a:r>
-                        <a:rPr kumimoji="0" lang="en-US" sz="1000" b="0" i="0" u="none" strike="noStrike" kern="1200" cap="none" spc="0" normalizeH="0" baseline="0" noProof="0" dirty="0">
-                          <a:ln>
-                            <a:noFill/>
-                          </a:ln>
-                          <a:solidFill>
-                            <a:srgbClr val="000000"/>
-                          </a:solidFill>
-                          <a:effectLst/>
-                          <a:uLnTx/>
-                          <a:uFillTx/>
-                          <a:latin typeface="+mn-lt"/>
-                          <a:ea typeface="+mn-ea"/>
-                          <a:cs typeface="+mn-cs"/>
-                        </a:rPr>
-                        <a:t>DNS Query</a:t>
-                      </a:r>
-                    </a:p>
-                  </a:txBody>
-                  <a:tcPr/>
-                </a:tc>
-                <a:extLst>
-                  <a:ext uri="{0D108BD9-81ED-4DB2-BD59-A6C34878D82A}">
-                    <a16:rowId xmlns:a16="http://schemas.microsoft.com/office/drawing/2014/main" val="3112961027"/>
-                  </a:ext>
-                </a:extLst>
-              </a:tr>
-              <a:tr h="370840">
-                <a:tc>
-                  <a:txBody>
-                    <a:bodyPr/>
-                    <a:lstStyle/>
-                    <a:p>
-                      <a:pPr algn="l" fontAlgn="b"/>
-                      <a:r>
                         <a:rPr lang="en-US" sz="1000" b="0" i="0" u="none" strike="noStrike" dirty="0">
                           <a:solidFill>
                             <a:srgbClr val="000000"/>
@@ -4596,65 +4555,14 @@
                       </a:r>
                     </a:p>
                   </a:txBody>
-                  <a:tcPr marL="9525" marR="9525" marT="9525" marB="0" anchor="b"/>
-                </a:tc>
-                <a:tc>
-                  <a:txBody>
-                    <a:bodyPr/>
-                    <a:lstStyle/>
-                    <a:p>
-                      <a:endParaRPr lang="en-US" sz="1000">
-                        <a:latin typeface="+mn-lt"/>
-                      </a:endParaRPr>
-                    </a:p>
-                  </a:txBody>
-                  <a:tcPr/>
-                </a:tc>
-                <a:tc>
-                  <a:txBody>
-                    <a:bodyPr/>
-                    <a:lstStyle/>
-                    <a:p>
-                      <a:endParaRPr lang="en-US" sz="1000">
-                        <a:latin typeface="+mn-lt"/>
-                      </a:endParaRPr>
-                    </a:p>
-                  </a:txBody>
-                  <a:tcPr/>
-                </a:tc>
-                <a:extLst>
-                  <a:ext uri="{0D108BD9-81ED-4DB2-BD59-A6C34878D82A}">
-                    <a16:rowId xmlns:a16="http://schemas.microsoft.com/office/drawing/2014/main" val="1051418331"/>
-                  </a:ext>
-                </a:extLst>
-              </a:tr>
-              <a:tr h="370840">
-                <a:tc>
-                  <a:txBody>
-                    <a:bodyPr/>
-                    <a:lstStyle/>
-                    <a:p>
-                      <a:pPr algn="l" fontAlgn="b"/>
-                      <a:r>
-                        <a:rPr lang="en-US" sz="1000" b="0" i="0" u="none" strike="noStrike" dirty="0">
-                          <a:solidFill>
-                            <a:srgbClr val="000000"/>
-                          </a:solidFill>
-                          <a:effectLst/>
-                          <a:latin typeface="+mn-lt"/>
-                        </a:rPr>
-                        <a:t>TCP CAM ACK</a:t>
-                      </a:r>
-                    </a:p>
-                  </a:txBody>
-                  <a:tcPr marL="9525" marR="9525" marT="9525" marB="0" anchor="b"/>
-                </a:tc>
-                <a:tc>
-                  <a:txBody>
-                    <a:bodyPr/>
-                    <a:lstStyle/>
-                    <a:p>
-                      <a:pPr marL="0" marR="0" lvl="0" indent="0" algn="l" defTabSz="914400" rtl="0" eaLnBrk="1" fontAlgn="auto" latinLnBrk="0" hangingPunct="1">
+                  <a:tcPr/>
+                </a:tc>
+                <a:tc>
+                  <a:txBody>
+                    <a:bodyPr/>
+                    <a:lstStyle/>
+                    <a:p>
+                      <a:pPr marL="0" marR="0" lvl="0" indent="0" algn="l" defTabSz="914400" rtl="0" eaLnBrk="1" fontAlgn="b" latinLnBrk="0" hangingPunct="1">
                         <a:lnSpc>
                           <a:spcPct val="100000"/>
                         </a:lnSpc>
@@ -4672,34 +4580,21 @@
                         <a:defRPr/>
                       </a:pPr>
                       <a:r>
-                        <a:rPr lang="en-US" sz="1000" b="0" i="0" u="none" strike="noStrike" dirty="0">
-                          <a:solidFill>
-                            <a:srgbClr val="000000"/>
-                          </a:solidFill>
-                          <a:effectLst/>
-                          <a:latin typeface="+mn-lt"/>
-                        </a:rPr>
-                        <a:t>TCP CAM Duplicate ACK</a:t>
-                      </a:r>
-                    </a:p>
-                  </a:txBody>
-                  <a:tcPr/>
-                </a:tc>
-                <a:tc>
-                  <a:txBody>
-                    <a:bodyPr/>
-                    <a:lstStyle/>
-                    <a:p>
-                      <a:pPr algn="l" fontAlgn="b"/>
-                      <a:r>
-                        <a:rPr lang="en-US" sz="1000" b="0" i="0" u="none" strike="noStrike" dirty="0">
-                          <a:solidFill>
-                            <a:srgbClr val="000000"/>
-                          </a:solidFill>
-                          <a:effectLst/>
-                          <a:latin typeface="+mn-lt"/>
-                        </a:rPr>
-                        <a:t>TCP SYN ACK</a:t>
+                        <a:rPr kumimoji="0" lang="en-US" sz="1000" b="0" i="0" u="none" strike="noStrike" kern="1200" cap="none" spc="0" normalizeH="0" baseline="0" noProof="0" dirty="0">
+                          <a:ln>
+                            <a:noFill/>
+                          </a:ln>
+                          <a:solidFill>
+                            <a:srgbClr val="000000"/>
+                          </a:solidFill>
+                          <a:effectLst/>
+                          <a:uLnTx/>
+                          <a:uFillTx/>
+                          <a:latin typeface="+mn-lt"/>
+                          <a:ea typeface="+mn-ea"/>
+                          <a:cs typeface="+mn-cs"/>
+                        </a:rPr>
+                        <a:t>DNS Query</a:t>
                       </a:r>
                     </a:p>
                   </a:txBody>
@@ -4707,7 +4602,7 @@
                 </a:tc>
                 <a:extLst>
                   <a:ext uri="{0D108BD9-81ED-4DB2-BD59-A6C34878D82A}">
-                    <a16:rowId xmlns:a16="http://schemas.microsoft.com/office/drawing/2014/main" val="3395804546"/>
+                    <a16:rowId xmlns:a16="http://schemas.microsoft.com/office/drawing/2014/main" val="3112961027"/>
                   </a:ext>
                 </a:extLst>
               </a:tr>
@@ -4726,7 +4621,7 @@
                           <a:effectLst/>
                           <a:latin typeface="+mn-lt"/>
                         </a:rPr>
-                        <a:t>TCP CAM Duplicate ACK</a:t>
+                        <a:t>ICMP TTL</a:t>
                       </a:r>
                     </a:p>
                   </a:txBody>
@@ -4762,18 +4657,57 @@
                           <a:effectLst/>
                           <a:latin typeface="+mn-lt"/>
                         </a:rPr>
-                        <a:t>TCP Retransmission</a:t>
-                      </a:r>
-                    </a:p>
-                  </a:txBody>
-                  <a:tcPr/>
-                </a:tc>
-                <a:tc>
-                  <a:txBody>
-                    <a:bodyPr/>
-                    <a:lstStyle/>
-                    <a:p>
-                      <a:pPr marL="0" marR="0" lvl="0" indent="0" algn="l" defTabSz="914400" rtl="0" eaLnBrk="1" fontAlgn="b" latinLnBrk="0" hangingPunct="1">
+                        <a:t>ICMP Redirect</a:t>
+                      </a:r>
+                    </a:p>
+                  </a:txBody>
+                  <a:tcPr/>
+                </a:tc>
+                <a:tc>
+                  <a:txBody>
+                    <a:bodyPr/>
+                    <a:lstStyle/>
+                    <a:p>
+                      <a:endParaRPr lang="en-US" sz="1000">
+                        <a:latin typeface="+mn-lt"/>
+                      </a:endParaRPr>
+                    </a:p>
+                  </a:txBody>
+                  <a:tcPr/>
+                </a:tc>
+                <a:extLst>
+                  <a:ext uri="{0D108BD9-81ED-4DB2-BD59-A6C34878D82A}">
+                    <a16:rowId xmlns:a16="http://schemas.microsoft.com/office/drawing/2014/main" val="1051418331"/>
+                  </a:ext>
+                </a:extLst>
+              </a:tr>
+              <a:tr h="370840">
+                <a:tc>
+                  <a:txBody>
+                    <a:bodyPr/>
+                    <a:lstStyle/>
+                    <a:p>
+                      <a:pPr algn="l" fontAlgn="b"/>
+                      <a:r>
+                        <a:rPr lang="en-US" sz="1000" b="0" i="0" u="none" strike="noStrike" dirty="0">
+                          <a:solidFill>
+                            <a:srgbClr val="000000"/>
+                          </a:solidFill>
+                          <a:effectLst/>
+                          <a:latin typeface="+mn-lt"/>
+                        </a:rPr>
+                        <a:t>TCP CAM ACK</a:t>
+                      </a:r>
+                    </a:p>
+                  </a:txBody>
+                  <a:tcPr marL="9525" marR="9525" marT="9525" marB="0" anchor="b"/>
+                </a:tc>
+                <a:tc>
+                  <a:txBody>
+                    <a:bodyPr/>
+                    <a:lstStyle/>
+                    <a:p>
+                      <a:pPr marL="0" marR="0" lvl="0" indent="0" algn="l" defTabSz="914400" rtl="0" eaLnBrk="1" fontAlgn="auto" latinLnBrk="0" hangingPunct="1">
                         <a:lnSpc>
                           <a:spcPct val="100000"/>
                         </a:lnSpc>
@@ -4791,21 +4725,34 @@
                         <a:defRPr/>
                       </a:pPr>
                       <a:r>
-                        <a:rPr kumimoji="0" lang="en-US" sz="1000" b="0" i="0" u="none" strike="noStrike" kern="1200" cap="none" spc="0" normalizeH="0" baseline="0" noProof="0" dirty="0">
-                          <a:ln>
-                            <a:noFill/>
-                          </a:ln>
-                          <a:solidFill>
-                            <a:srgbClr val="000000"/>
-                          </a:solidFill>
-                          <a:effectLst/>
-                          <a:uLnTx/>
-                          <a:uFillTx/>
-                          <a:latin typeface="+mn-lt"/>
-                          <a:ea typeface="+mn-ea"/>
-                          <a:cs typeface="+mn-cs"/>
-                        </a:rPr>
-                        <a:t>TCP CAM ACK</a:t>
+                        <a:rPr lang="en-US" sz="1000" b="0" i="0" u="none" strike="noStrike" dirty="0">
+                          <a:solidFill>
+                            <a:srgbClr val="000000"/>
+                          </a:solidFill>
+                          <a:effectLst/>
+                          <a:latin typeface="+mn-lt"/>
+                        </a:rPr>
+                        <a:t>TCP CAM Duplicate ACK, TLS Client Hello</a:t>
+                      </a:r>
+                    </a:p>
+                  </a:txBody>
+                  <a:tcPr/>
+                </a:tc>
+                <a:tc>
+                  <a:txBody>
+                    <a:bodyPr/>
+                    <a:lstStyle/>
+                    <a:p>
+                      <a:pPr algn="l" fontAlgn="b"/>
+                      <a:r>
+                        <a:rPr lang="en-US" sz="1000" b="0" i="0" u="none" strike="noStrike" dirty="0">
+                          <a:solidFill>
+                            <a:srgbClr val="000000"/>
+                          </a:solidFill>
+                          <a:effectLst/>
+                          <a:latin typeface="+mn-lt"/>
+                        </a:rPr>
+                        <a:t>TCP SYN ACK</a:t>
                       </a:r>
                     </a:p>
                   </a:txBody>
@@ -4813,7 +4760,7 @@
                 </a:tc>
                 <a:extLst>
                   <a:ext uri="{0D108BD9-81ED-4DB2-BD59-A6C34878D82A}">
-                    <a16:rowId xmlns:a16="http://schemas.microsoft.com/office/drawing/2014/main" val="4028856636"/>
+                    <a16:rowId xmlns:a16="http://schemas.microsoft.com/office/drawing/2014/main" val="3395804546"/>
                   </a:ext>
                 </a:extLst>
               </a:tr>
@@ -4825,14 +4772,14 @@
                     <a:p>
                       <a:pPr algn="l" fontAlgn="b"/>
                       <a:r>
-                        <a:rPr lang="en-US" sz="1000" b="0" i="0" u="none" strike="noStrike">
-                          <a:solidFill>
-                            <a:srgbClr val="000000"/>
-                          </a:solidFill>
-                          <a:effectLst/>
-                          <a:latin typeface="+mn-lt"/>
-                        </a:rPr>
-                        <a:t>TCP CAM PSH ACK</a:t>
+                        <a:rPr lang="en-US" sz="1000" b="0" i="0" u="none" strike="noStrike" dirty="0">
+                          <a:solidFill>
+                            <a:srgbClr val="000000"/>
+                          </a:solidFill>
+                          <a:effectLst/>
+                          <a:latin typeface="+mn-lt"/>
+                        </a:rPr>
+                        <a:t>TCP CAM Duplicate ACK</a:t>
                       </a:r>
                     </a:p>
                   </a:txBody>
@@ -4868,7 +4815,7 @@
                           <a:effectLst/>
                           <a:latin typeface="+mn-lt"/>
                         </a:rPr>
-                        <a:t>TCP PSH Retransmission, TCP PSH Window Full Retransmission</a:t>
+                        <a:t>TCP Retransmission</a:t>
                       </a:r>
                     </a:p>
                   </a:txBody>
@@ -4919,7 +4866,7 @@
                 </a:tc>
                 <a:extLst>
                   <a:ext uri="{0D108BD9-81ED-4DB2-BD59-A6C34878D82A}">
-                    <a16:rowId xmlns:a16="http://schemas.microsoft.com/office/drawing/2014/main" val="3790256144"/>
+                    <a16:rowId xmlns:a16="http://schemas.microsoft.com/office/drawing/2014/main" val="4028856636"/>
                   </a:ext>
                 </a:extLst>
               </a:tr>
@@ -4938,7 +4885,7 @@
                           <a:effectLst/>
                           <a:latin typeface="+mn-lt"/>
                         </a:rPr>
-                        <a:t>TCP DOM ACK</a:t>
+                        <a:t>TCP CAM PSH ACK</a:t>
                       </a:r>
                     </a:p>
                   </a:txBody>
@@ -4974,7 +4921,7 @@
                           <a:effectLst/>
                           <a:latin typeface="+mn-lt"/>
                         </a:rPr>
-                        <a:t>TCP DOM Duplicate ACK</a:t>
+                        <a:t>TCP PSH Retransmission, TCP PSH Window Full Retransmission</a:t>
                       </a:r>
                     </a:p>
                   </a:txBody>
@@ -5017,6 +4964,112 @@
                           <a:ea typeface="+mn-ea"/>
                           <a:cs typeface="+mn-cs"/>
                         </a:rPr>
+                        <a:t>TCP CAM ACK</a:t>
+                      </a:r>
+                    </a:p>
+                  </a:txBody>
+                  <a:tcPr/>
+                </a:tc>
+                <a:extLst>
+                  <a:ext uri="{0D108BD9-81ED-4DB2-BD59-A6C34878D82A}">
+                    <a16:rowId xmlns:a16="http://schemas.microsoft.com/office/drawing/2014/main" val="3790256144"/>
+                  </a:ext>
+                </a:extLst>
+              </a:tr>
+              <a:tr h="370840">
+                <a:tc>
+                  <a:txBody>
+                    <a:bodyPr/>
+                    <a:lstStyle/>
+                    <a:p>
+                      <a:pPr algn="l" fontAlgn="b"/>
+                      <a:r>
+                        <a:rPr lang="en-US" sz="1000" b="0" i="0" u="none" strike="noStrike" dirty="0">
+                          <a:solidFill>
+                            <a:srgbClr val="000000"/>
+                          </a:solidFill>
+                          <a:effectLst/>
+                          <a:latin typeface="+mn-lt"/>
+                        </a:rPr>
+                        <a:t>TCP DOM ACK</a:t>
+                      </a:r>
+                    </a:p>
+                  </a:txBody>
+                  <a:tcPr marL="9525" marR="9525" marT="9525" marB="0" anchor="b"/>
+                </a:tc>
+                <a:tc>
+                  <a:txBody>
+                    <a:bodyPr/>
+                    <a:lstStyle/>
+                    <a:p>
+                      <a:pPr marL="0" marR="0" lvl="0" indent="0" algn="l" defTabSz="914400" rtl="0" eaLnBrk="1" fontAlgn="auto" latinLnBrk="0" hangingPunct="1">
+                        <a:lnSpc>
+                          <a:spcPct val="100000"/>
+                        </a:lnSpc>
+                        <a:spcBef>
+                          <a:spcPts val="0"/>
+                        </a:spcBef>
+                        <a:spcAft>
+                          <a:spcPts val="0"/>
+                        </a:spcAft>
+                        <a:buClrTx/>
+                        <a:buSzTx/>
+                        <a:buFontTx/>
+                        <a:buNone/>
+                        <a:tabLst/>
+                        <a:defRPr/>
+                      </a:pPr>
+                      <a:r>
+                        <a:rPr lang="en-US" sz="1000" b="0" i="0" u="none" strike="noStrike" dirty="0">
+                          <a:solidFill>
+                            <a:srgbClr val="000000"/>
+                          </a:solidFill>
+                          <a:effectLst/>
+                          <a:latin typeface="+mn-lt"/>
+                        </a:rPr>
+                        <a:t>TCP DOM Duplicate ACK</a:t>
+                      </a:r>
+                    </a:p>
+                  </a:txBody>
+                  <a:tcPr/>
+                </a:tc>
+                <a:tc>
+                  <a:txBody>
+                    <a:bodyPr/>
+                    <a:lstStyle/>
+                    <a:p>
+                      <a:pPr marL="0" marR="0" lvl="0" indent="0" algn="l" defTabSz="914400" rtl="0" eaLnBrk="1" fontAlgn="b" latinLnBrk="0" hangingPunct="1">
+                        <a:lnSpc>
+                          <a:spcPct val="100000"/>
+                        </a:lnSpc>
+                        <a:spcBef>
+                          <a:spcPts val="0"/>
+                        </a:spcBef>
+                        <a:spcAft>
+                          <a:spcPts val="0"/>
+                        </a:spcAft>
+                        <a:buClrTx/>
+                        <a:buSzTx/>
+                        <a:buFontTx/>
+                        <a:buNone/>
+                        <a:tabLst/>
+                        <a:defRPr/>
+                      </a:pPr>
+                      <a:r>
+                        <a:rPr kumimoji="0" lang="en-US" sz="1000" b="0" i="0" u="none" strike="noStrike" kern="1200" cap="none" spc="0" normalizeH="0" baseline="0" noProof="0" dirty="0">
+                          <a:ln>
+                            <a:noFill/>
+                          </a:ln>
+                          <a:solidFill>
+                            <a:srgbClr val="000000"/>
+                          </a:solidFill>
+                          <a:effectLst/>
+                          <a:uLnTx/>
+                          <a:uFillTx/>
+                          <a:latin typeface="+mn-lt"/>
+                          <a:ea typeface="+mn-ea"/>
+                          <a:cs typeface="+mn-cs"/>
+                        </a:rPr>
                         <a:t>TCP SYN ACK</a:t>
                       </a:r>
                     </a:p>
@@ -5055,7 +5108,28 @@
                     <a:bodyPr/>
                     <a:lstStyle/>
                     <a:p>
-                      <a:endParaRPr lang="en-US" sz="1000" dirty="0">
+                      <a:pPr marL="0" marR="0" lvl="0" indent="0" algn="l" defTabSz="914400" rtl="0" eaLnBrk="1" fontAlgn="auto" latinLnBrk="0" hangingPunct="1">
+                        <a:lnSpc>
+                          <a:spcPct val="100000"/>
+                        </a:lnSpc>
+                        <a:spcBef>
+                          <a:spcPts val="0"/>
+                        </a:spcBef>
+                        <a:spcAft>
+                          <a:spcPts val="0"/>
+                        </a:spcAft>
+                        <a:buClrTx/>
+                        <a:buSzTx/>
+                        <a:buFontTx/>
+                        <a:buNone/>
+                        <a:tabLst/>
+                        <a:defRPr/>
+                      </a:pPr>
+                      <a:endParaRPr lang="en-US" sz="1000" b="0" i="0" u="none" strike="noStrike" dirty="0">
+                        <a:solidFill>
+                          <a:srgbClr val="000000"/>
+                        </a:solidFill>
+                        <a:effectLst/>
                         <a:latin typeface="+mn-lt"/>
                       </a:endParaRPr>
                     </a:p>
@@ -5844,14 +5918,14 @@
           <p:nvPr>
             <p:extLst>
               <p:ext uri="{D42A27DB-BD31-4B8C-83A1-F6EECF244321}">
-                <p14:modId xmlns:p14="http://schemas.microsoft.com/office/powerpoint/2010/main" val="4187161907"/>
+                <p14:modId xmlns:p14="http://schemas.microsoft.com/office/powerpoint/2010/main" val="306408176"/>
               </p:ext>
             </p:extLst>
           </p:nvPr>
         </p:nvGraphicFramePr>
         <p:xfrm>
           <a:off x="557214" y="242887"/>
-          <a:ext cx="11415711" cy="6474464"/>
+          <a:ext cx="11415711" cy="6592708"/>
         </p:xfrm>
         <a:graphic>
           <a:graphicData uri="http://schemas.openxmlformats.org/drawingml/2006/table">
@@ -5960,22 +6034,7 @@
                     <a:bodyPr/>
                     <a:lstStyle/>
                     <a:p>
-                      <a:r>
-                        <a:rPr lang="en-US" sz="900" dirty="0">
-                          <a:latin typeface="+mn-lt"/>
-                        </a:rPr>
-                        <a:t>TCP ACK</a:t>
-                      </a:r>
-                    </a:p>
-                  </a:txBody>
-                  <a:tcPr/>
-                </a:tc>
-                <a:tc>
-                  <a:txBody>
-                    <a:bodyPr/>
-                    <a:lstStyle/>
-                    <a:p>
-                      <a:pPr marL="0" marR="0" lvl="0" indent="0" algn="l" defTabSz="914400" rtl="0" eaLnBrk="1" fontAlgn="b" latinLnBrk="0" hangingPunct="1">
+                      <a:pPr marL="0" marR="0" lvl="0" indent="0" algn="l" defTabSz="914400" rtl="0" eaLnBrk="1" fontAlgn="auto" latinLnBrk="0" hangingPunct="1">
                         <a:lnSpc>
                           <a:spcPct val="100000"/>
                         </a:lnSpc>
@@ -5993,39 +6052,11 @@
                         <a:defRPr/>
                       </a:pPr>
                       <a:r>
-                        <a:rPr kumimoji="0" lang="en-US" sz="900" b="0" i="0" u="none" strike="noStrike" kern="1200" cap="none" spc="0" normalizeH="0" baseline="0" noProof="0" dirty="0">
-                          <a:ln>
-                            <a:noFill/>
-                          </a:ln>
-                          <a:solidFill>
-                            <a:srgbClr val="000000"/>
-                          </a:solidFill>
-                          <a:effectLst/>
-                          <a:uLnTx/>
-                          <a:uFillTx/>
-                          <a:latin typeface="+mn-lt"/>
-                          <a:ea typeface="+mn-ea"/>
-                          <a:cs typeface="+mn-cs"/>
-                        </a:rPr>
-                        <a:t>TCP SYN</a:t>
-                      </a:r>
-                    </a:p>
-                  </a:txBody>
-                  <a:tcPr/>
-                </a:tc>
-                <a:extLst>
-                  <a:ext uri="{0D108BD9-81ED-4DB2-BD59-A6C34878D82A}">
-                    <a16:rowId xmlns:a16="http://schemas.microsoft.com/office/drawing/2014/main" val="408474474"/>
-                  </a:ext>
-                </a:extLst>
-              </a:tr>
-              <a:tr h="358934">
-                <a:tc>
-                  <a:txBody>
-                    <a:bodyPr/>
-                    <a:lstStyle/>
-                    <a:p>
-                      <a:pPr algn="l" fontAlgn="b"/>
+                        <a:rPr lang="en-US" sz="900" dirty="0">
+                          <a:latin typeface="+mn-lt"/>
+                        </a:rPr>
+                        <a:t>TCP CAM ACK, </a:t>
+                      </a:r>
                       <a:r>
                         <a:rPr lang="en-US" sz="900" b="0" i="0" u="none" strike="noStrike" dirty="0">
                           <a:solidFill>
@@ -6034,180 +6065,18 @@
                           <a:effectLst/>
                           <a:latin typeface="+mn-lt"/>
                         </a:rPr>
-                        <a:t>TCP Uncaptured</a:t>
-                      </a:r>
-                    </a:p>
-                  </a:txBody>
-                  <a:tcPr marL="9525" marR="9525" marT="9525" marB="0" anchor="b"/>
-                </a:tc>
-                <a:tc>
-                  <a:txBody>
-                    <a:bodyPr/>
-                    <a:lstStyle/>
-                    <a:p>
-                      <a:endParaRPr lang="en-US" sz="900">
-                        <a:latin typeface="+mn-lt"/>
-                      </a:endParaRPr>
-                    </a:p>
-                  </a:txBody>
-                  <a:tcPr/>
-                </a:tc>
-                <a:tc>
-                  <a:txBody>
-                    <a:bodyPr/>
-                    <a:lstStyle/>
-                    <a:p>
-                      <a:r>
-                        <a:rPr lang="en-US" sz="900" dirty="0">
-                          <a:latin typeface="+mn-lt"/>
-                        </a:rPr>
-                        <a:t>TCP ACK</a:t>
-                      </a:r>
-                    </a:p>
-                  </a:txBody>
-                  <a:tcPr/>
-                </a:tc>
-                <a:extLst>
-                  <a:ext uri="{0D108BD9-81ED-4DB2-BD59-A6C34878D82A}">
-                    <a16:rowId xmlns:a16="http://schemas.microsoft.com/office/drawing/2014/main" val="1264549328"/>
-                  </a:ext>
-                </a:extLst>
-              </a:tr>
-              <a:tr h="358934">
-                <a:tc>
-                  <a:txBody>
-                    <a:bodyPr/>
-                    <a:lstStyle/>
-                    <a:p>
-                      <a:pPr algn="l" fontAlgn="b"/>
-                      <a:r>
-                        <a:rPr lang="en-US" sz="900" b="0" i="0" u="none" strike="noStrike" dirty="0">
-                          <a:solidFill>
-                            <a:srgbClr val="000000"/>
-                          </a:solidFill>
-                          <a:effectLst/>
-                          <a:latin typeface="+mn-lt"/>
-                        </a:rPr>
-                        <a:t>TCP unseen segment</a:t>
-                      </a:r>
-                    </a:p>
-                  </a:txBody>
-                  <a:tcPr marL="9525" marR="9525" marT="9525" marB="0" anchor="b"/>
-                </a:tc>
-                <a:tc>
-                  <a:txBody>
-                    <a:bodyPr/>
-                    <a:lstStyle/>
-                    <a:p>
-                      <a:endParaRPr lang="en-US" sz="900">
-                        <a:latin typeface="+mn-lt"/>
-                      </a:endParaRPr>
-                    </a:p>
-                  </a:txBody>
-                  <a:tcPr/>
-                </a:tc>
-                <a:tc>
-                  <a:txBody>
-                    <a:bodyPr/>
-                    <a:lstStyle/>
-                    <a:p>
-                      <a:r>
-                        <a:rPr lang="en-US" sz="900" dirty="0">
-                          <a:latin typeface="+mn-lt"/>
-                        </a:rPr>
-                        <a:t>TCP ACK</a:t>
-                      </a:r>
-                    </a:p>
-                  </a:txBody>
-                  <a:tcPr/>
-                </a:tc>
-                <a:extLst>
-                  <a:ext uri="{0D108BD9-81ED-4DB2-BD59-A6C34878D82A}">
-                    <a16:rowId xmlns:a16="http://schemas.microsoft.com/office/drawing/2014/main" val="823013732"/>
-                  </a:ext>
-                </a:extLst>
-              </a:tr>
-              <a:tr h="358934">
-                <a:tc>
-                  <a:txBody>
-                    <a:bodyPr/>
-                    <a:lstStyle/>
-                    <a:p>
-                      <a:pPr algn="l" fontAlgn="b"/>
-                      <a:r>
-                        <a:rPr lang="en-US" sz="900" b="0" i="0" u="none" strike="noStrike" dirty="0">
-                          <a:solidFill>
-                            <a:srgbClr val="000000"/>
-                          </a:solidFill>
-                          <a:effectLst/>
-                          <a:latin typeface="+mn-lt"/>
-                        </a:rPr>
-                        <a:t>TCP Window Update</a:t>
-                      </a:r>
-                    </a:p>
-                  </a:txBody>
-                  <a:tcPr marL="9525" marR="9525" marT="9525" marB="0" anchor="b"/>
-                </a:tc>
-                <a:tc>
-                  <a:txBody>
-                    <a:bodyPr/>
-                    <a:lstStyle/>
-                    <a:p>
-                      <a:endParaRPr lang="en-US" sz="900" dirty="0">
-                        <a:latin typeface="+mn-lt"/>
-                      </a:endParaRPr>
-                    </a:p>
-                  </a:txBody>
-                  <a:tcPr/>
-                </a:tc>
-                <a:tc>
-                  <a:txBody>
-                    <a:bodyPr/>
-                    <a:lstStyle/>
-                    <a:p>
-                      <a:r>
-                        <a:rPr lang="en-US" sz="900" dirty="0">
-                          <a:latin typeface="+mn-lt"/>
-                        </a:rPr>
-                        <a:t>TCP ACK</a:t>
-                      </a:r>
-                    </a:p>
-                  </a:txBody>
-                  <a:tcPr/>
-                </a:tc>
-                <a:extLst>
-                  <a:ext uri="{0D108BD9-81ED-4DB2-BD59-A6C34878D82A}">
-                    <a16:rowId xmlns:a16="http://schemas.microsoft.com/office/drawing/2014/main" val="3147046320"/>
-                  </a:ext>
-                </a:extLst>
-              </a:tr>
-              <a:tr h="358934">
-                <a:tc>
-                  <a:txBody>
-                    <a:bodyPr/>
-                    <a:lstStyle/>
-                    <a:p>
-                      <a:pPr algn="l" fontAlgn="b"/>
-                      <a:r>
-                        <a:rPr lang="en-US" sz="900" b="0" i="0" u="none" strike="noStrike" dirty="0">
-                          <a:solidFill>
-                            <a:srgbClr val="000000"/>
-                          </a:solidFill>
-                          <a:effectLst/>
-                          <a:latin typeface="+mn-lt"/>
-                        </a:rPr>
-                        <a:t>TLS Application Data</a:t>
-                      </a:r>
-                    </a:p>
-                  </a:txBody>
-                  <a:tcPr marL="9525" marR="9525" marT="9525" marB="0" anchor="b"/>
-                </a:tc>
-                <a:tc>
-                  <a:txBody>
-                    <a:bodyPr/>
-                    <a:lstStyle/>
-                    <a:p>
-                      <a:pPr marL="0" marR="0" lvl="0" indent="0" algn="l" defTabSz="914400" rtl="0" eaLnBrk="1" fontAlgn="auto" latinLnBrk="0" hangingPunct="1">
+                        <a:t>TCP DOM ACK, TCP DOM PSH ACK</a:t>
+                      </a:r>
+                    </a:p>
+                  </a:txBody>
+                  <a:tcPr/>
+                </a:tc>
+                <a:tc>
+                  <a:txBody>
+                    <a:bodyPr/>
+                    <a:lstStyle/>
+                    <a:p>
+                      <a:pPr marL="0" marR="0" lvl="0" indent="0" algn="l" defTabSz="914400" rtl="0" eaLnBrk="1" fontAlgn="b" latinLnBrk="0" hangingPunct="1">
                         <a:lnSpc>
                           <a:spcPct val="100000"/>
                         </a:lnSpc>
@@ -6225,6 +6094,40 @@
                         <a:defRPr/>
                       </a:pPr>
                       <a:r>
+                        <a:rPr kumimoji="0" lang="en-US" sz="900" b="0" i="0" u="none" strike="noStrike" kern="1200" cap="none" spc="0" normalizeH="0" baseline="0" noProof="0" dirty="0">
+                          <a:ln>
+                            <a:noFill/>
+                          </a:ln>
+                          <a:solidFill>
+                            <a:srgbClr val="000000"/>
+                          </a:solidFill>
+                          <a:effectLst/>
+                          <a:uLnTx/>
+                          <a:uFillTx/>
+                          <a:latin typeface="+mn-lt"/>
+                          <a:ea typeface="+mn-ea"/>
+                          <a:cs typeface="+mn-cs"/>
+                        </a:rPr>
+                        <a:t>TCP SYN</a:t>
+                      </a:r>
+                    </a:p>
+                  </a:txBody>
+                  <a:tcPr/>
+                </a:tc>
+                <a:extLst>
+                  <a:ext uri="{0D108BD9-81ED-4DB2-BD59-A6C34878D82A}">
+                    <a16:rowId xmlns:a16="http://schemas.microsoft.com/office/drawing/2014/main" val="408474474"/>
+                  </a:ext>
+                </a:extLst>
+              </a:tr>
+              <a:tr h="358934">
+                <a:tc>
+                  <a:txBody>
+                    <a:bodyPr/>
+                    <a:lstStyle/>
+                    <a:p>
+                      <a:pPr algn="l" fontAlgn="b"/>
+                      <a:r>
                         <a:rPr lang="en-US" sz="900" b="0" i="0" u="none" strike="noStrike" dirty="0">
                           <a:solidFill>
                             <a:srgbClr val="000000"/>
@@ -6232,9 +6135,178 @@
                           <a:effectLst/>
                           <a:latin typeface="+mn-lt"/>
                         </a:rPr>
-                        <a:t>TLS Encrypted Alert, TLS Uncaptured</a:t>
-                      </a:r>
-                    </a:p>
+                        <a:t>TCP Uncaptured</a:t>
+                      </a:r>
+                    </a:p>
+                  </a:txBody>
+                  <a:tcPr marL="9525" marR="9525" marT="9525" marB="0" anchor="b"/>
+                </a:tc>
+                <a:tc>
+                  <a:txBody>
+                    <a:bodyPr/>
+                    <a:lstStyle/>
+                    <a:p>
+                      <a:endParaRPr lang="en-US" sz="900">
+                        <a:latin typeface="+mn-lt"/>
+                      </a:endParaRPr>
+                    </a:p>
+                  </a:txBody>
+                  <a:tcPr/>
+                </a:tc>
+                <a:tc>
+                  <a:txBody>
+                    <a:bodyPr/>
+                    <a:lstStyle/>
+                    <a:p>
+                      <a:r>
+                        <a:rPr lang="en-US" sz="900" dirty="0">
+                          <a:latin typeface="+mn-lt"/>
+                        </a:rPr>
+                        <a:t>TCP ACK</a:t>
+                      </a:r>
+                    </a:p>
+                  </a:txBody>
+                  <a:tcPr/>
+                </a:tc>
+                <a:extLst>
+                  <a:ext uri="{0D108BD9-81ED-4DB2-BD59-A6C34878D82A}">
+                    <a16:rowId xmlns:a16="http://schemas.microsoft.com/office/drawing/2014/main" val="1264549328"/>
+                  </a:ext>
+                </a:extLst>
+              </a:tr>
+              <a:tr h="358934">
+                <a:tc>
+                  <a:txBody>
+                    <a:bodyPr/>
+                    <a:lstStyle/>
+                    <a:p>
+                      <a:pPr algn="l" fontAlgn="b"/>
+                      <a:r>
+                        <a:rPr lang="en-US" sz="900" b="0" i="0" u="none" strike="noStrike" dirty="0">
+                          <a:solidFill>
+                            <a:srgbClr val="000000"/>
+                          </a:solidFill>
+                          <a:effectLst/>
+                          <a:latin typeface="+mn-lt"/>
+                        </a:rPr>
+                        <a:t>TCP unseen segment</a:t>
+                      </a:r>
+                    </a:p>
+                  </a:txBody>
+                  <a:tcPr marL="9525" marR="9525" marT="9525" marB="0" anchor="b"/>
+                </a:tc>
+                <a:tc>
+                  <a:txBody>
+                    <a:bodyPr/>
+                    <a:lstStyle/>
+                    <a:p>
+                      <a:endParaRPr lang="en-US" sz="900">
+                        <a:latin typeface="+mn-lt"/>
+                      </a:endParaRPr>
+                    </a:p>
+                  </a:txBody>
+                  <a:tcPr/>
+                </a:tc>
+                <a:tc>
+                  <a:txBody>
+                    <a:bodyPr/>
+                    <a:lstStyle/>
+                    <a:p>
+                      <a:r>
+                        <a:rPr lang="en-US" sz="900" dirty="0">
+                          <a:latin typeface="+mn-lt"/>
+                        </a:rPr>
+                        <a:t>TCP ACK</a:t>
+                      </a:r>
+                    </a:p>
+                  </a:txBody>
+                  <a:tcPr/>
+                </a:tc>
+                <a:extLst>
+                  <a:ext uri="{0D108BD9-81ED-4DB2-BD59-A6C34878D82A}">
+                    <a16:rowId xmlns:a16="http://schemas.microsoft.com/office/drawing/2014/main" val="823013732"/>
+                  </a:ext>
+                </a:extLst>
+              </a:tr>
+              <a:tr h="358934">
+                <a:tc>
+                  <a:txBody>
+                    <a:bodyPr/>
+                    <a:lstStyle/>
+                    <a:p>
+                      <a:pPr algn="l" fontAlgn="b"/>
+                      <a:r>
+                        <a:rPr lang="en-US" sz="900" b="0" i="0" u="none" strike="noStrike" dirty="0">
+                          <a:solidFill>
+                            <a:srgbClr val="000000"/>
+                          </a:solidFill>
+                          <a:effectLst/>
+                          <a:latin typeface="+mn-lt"/>
+                        </a:rPr>
+                        <a:t>TCP Window Update</a:t>
+                      </a:r>
+                    </a:p>
+                  </a:txBody>
+                  <a:tcPr marL="9525" marR="9525" marT="9525" marB="0" anchor="b"/>
+                </a:tc>
+                <a:tc>
+                  <a:txBody>
+                    <a:bodyPr/>
+                    <a:lstStyle/>
+                    <a:p>
+                      <a:endParaRPr lang="en-US" sz="900" dirty="0">
+                        <a:latin typeface="+mn-lt"/>
+                      </a:endParaRPr>
+                    </a:p>
+                  </a:txBody>
+                  <a:tcPr/>
+                </a:tc>
+                <a:tc>
+                  <a:txBody>
+                    <a:bodyPr/>
+                    <a:lstStyle/>
+                    <a:p>
+                      <a:r>
+                        <a:rPr lang="en-US" sz="900" dirty="0">
+                          <a:latin typeface="+mn-lt"/>
+                        </a:rPr>
+                        <a:t>TCP ACK</a:t>
+                      </a:r>
+                    </a:p>
+                  </a:txBody>
+                  <a:tcPr/>
+                </a:tc>
+                <a:extLst>
+                  <a:ext uri="{0D108BD9-81ED-4DB2-BD59-A6C34878D82A}">
+                    <a16:rowId xmlns:a16="http://schemas.microsoft.com/office/drawing/2014/main" val="3147046320"/>
+                  </a:ext>
+                </a:extLst>
+              </a:tr>
+              <a:tr h="358934">
+                <a:tc>
+                  <a:txBody>
+                    <a:bodyPr/>
+                    <a:lstStyle/>
+                    <a:p>
+                      <a:pPr algn="l" fontAlgn="b"/>
+                      <a:r>
+                        <a:rPr lang="en-US" sz="900" b="0" i="0" u="none" strike="noStrike" dirty="0">
+                          <a:solidFill>
+                            <a:srgbClr val="000000"/>
+                          </a:solidFill>
+                          <a:effectLst/>
+                          <a:latin typeface="+mn-lt"/>
+                        </a:rPr>
+                        <a:t>TLS Application Data</a:t>
+                      </a:r>
+                    </a:p>
+                  </a:txBody>
+                  <a:tcPr marL="9525" marR="9525" marT="9525" marB="0" anchor="b"/>
+                </a:tc>
+                <a:tc>
+                  <a:txBody>
+                    <a:bodyPr/>
+                    <a:lstStyle/>
                     <a:p>
                       <a:pPr marL="0" marR="0" lvl="0" indent="0" algn="l" defTabSz="914400" rtl="0" eaLnBrk="1" fontAlgn="auto" latinLnBrk="0" hangingPunct="1">
                         <a:lnSpc>
@@ -6261,6 +6333,35 @@
                           <a:effectLst/>
                           <a:latin typeface="+mn-lt"/>
                         </a:rPr>
+                        <a:t>TLS Encrypted Alert, TLS Uncaptured</a:t>
+                      </a:r>
+                    </a:p>
+                    <a:p>
+                      <a:pPr marL="0" marR="0" lvl="0" indent="0" algn="l" defTabSz="914400" rtl="0" eaLnBrk="1" fontAlgn="auto" latinLnBrk="0" hangingPunct="1">
+                        <a:lnSpc>
+                          <a:spcPct val="100000"/>
+                        </a:lnSpc>
+                        <a:spcBef>
+                          <a:spcPts val="0"/>
+                        </a:spcBef>
+                        <a:spcAft>
+                          <a:spcPts val="0"/>
+                        </a:spcAft>
+                        <a:buClrTx/>
+                        <a:buSzTx/>
+                        <a:buFontTx/>
+                        <a:buNone/>
+                        <a:tabLst/>
+                        <a:defRPr/>
+                      </a:pPr>
+                      <a:r>
+                        <a:rPr lang="en-US" sz="900" b="0" i="0" u="none" strike="noStrike" dirty="0">
+                          <a:solidFill>
+                            <a:srgbClr val="000000"/>
+                          </a:solidFill>
+                          <a:effectLst/>
+                          <a:latin typeface="+mn-lt"/>
+                        </a:rPr>
                         <a:t>TLS </a:t>
                       </a:r>
                       <a:r>
@@ -6281,7 +6382,7 @@
                           <a:effectLst/>
                           <a:latin typeface="+mn-lt"/>
                         </a:rPr>
-                        <a:t>, TLS Retransmit</a:t>
+                        <a:t>, TLS Retransmit, TLS Application Data, TCP CAM ACK, TCP DOM ACK</a:t>
                       </a:r>
                     </a:p>
                   </a:txBody>
@@ -6553,7 +6654,7 @@
                   </a:ext>
                 </a:extLst>
               </a:tr>
-              <a:tr h="358934">
+              <a:tr h="340018">
                 <a:tc>
                   <a:txBody>
                     <a:bodyPr/>
@@ -6619,7 +6720,7 @@
                         <a:rPr lang="en-US" sz="900" dirty="0">
                           <a:latin typeface="+mn-lt"/>
                         </a:rPr>
-                        <a:t>TCP ACK</a:t>
+                        <a:t>TCP CAM ACK</a:t>
                       </a:r>
                     </a:p>
                   </a:txBody>

--- a/network_data_kg.pptx
+++ b/network_data_kg.pptx
@@ -6,8 +6,8 @@
   </p:sldMasterIdLst>
   <p:sldIdLst>
     <p:sldId id="257" r:id="rId2"/>
-    <p:sldId id="259" r:id="rId3"/>
-    <p:sldId id="258" r:id="rId4"/>
+    <p:sldId id="261" r:id="rId3"/>
+    <p:sldId id="262" r:id="rId4"/>
     <p:sldId id="260" r:id="rId5"/>
   </p:sldIdLst>
   <p:sldSz cx="12192000" cy="6858000"/>
@@ -262,7 +262,7 @@
           <a:p>
             <a:fld id="{F3B435F0-777B-FF4C-9A48-D6CFD8D1D448}" type="datetimeFigureOut">
               <a:rPr lang="en-US" smtClean="0"/>
-              <a:t>2/20/23</a:t>
+              <a:t>2/28/23</a:t>
             </a:fld>
             <a:endParaRPr lang="en-US"/>
           </a:p>
@@ -460,7 +460,7 @@
           <a:p>
             <a:fld id="{F3B435F0-777B-FF4C-9A48-D6CFD8D1D448}" type="datetimeFigureOut">
               <a:rPr lang="en-US" smtClean="0"/>
-              <a:t>2/20/23</a:t>
+              <a:t>2/28/23</a:t>
             </a:fld>
             <a:endParaRPr lang="en-US"/>
           </a:p>
@@ -668,7 +668,7 @@
           <a:p>
             <a:fld id="{F3B435F0-777B-FF4C-9A48-D6CFD8D1D448}" type="datetimeFigureOut">
               <a:rPr lang="en-US" smtClean="0"/>
-              <a:t>2/20/23</a:t>
+              <a:t>2/28/23</a:t>
             </a:fld>
             <a:endParaRPr lang="en-US"/>
           </a:p>
@@ -866,7 +866,7 @@
           <a:p>
             <a:fld id="{F3B435F0-777B-FF4C-9A48-D6CFD8D1D448}" type="datetimeFigureOut">
               <a:rPr lang="en-US" smtClean="0"/>
-              <a:t>2/20/23</a:t>
+              <a:t>2/28/23</a:t>
             </a:fld>
             <a:endParaRPr lang="en-US"/>
           </a:p>
@@ -1141,7 +1141,7 @@
           <a:p>
             <a:fld id="{F3B435F0-777B-FF4C-9A48-D6CFD8D1D448}" type="datetimeFigureOut">
               <a:rPr lang="en-US" smtClean="0"/>
-              <a:t>2/20/23</a:t>
+              <a:t>2/28/23</a:t>
             </a:fld>
             <a:endParaRPr lang="en-US"/>
           </a:p>
@@ -1406,7 +1406,7 @@
           <a:p>
             <a:fld id="{F3B435F0-777B-FF4C-9A48-D6CFD8D1D448}" type="datetimeFigureOut">
               <a:rPr lang="en-US" smtClean="0"/>
-              <a:t>2/20/23</a:t>
+              <a:t>2/28/23</a:t>
             </a:fld>
             <a:endParaRPr lang="en-US"/>
           </a:p>
@@ -1818,7 +1818,7 @@
           <a:p>
             <a:fld id="{F3B435F0-777B-FF4C-9A48-D6CFD8D1D448}" type="datetimeFigureOut">
               <a:rPr lang="en-US" smtClean="0"/>
-              <a:t>2/20/23</a:t>
+              <a:t>2/28/23</a:t>
             </a:fld>
             <a:endParaRPr lang="en-US"/>
           </a:p>
@@ -1959,7 +1959,7 @@
           <a:p>
             <a:fld id="{F3B435F0-777B-FF4C-9A48-D6CFD8D1D448}" type="datetimeFigureOut">
               <a:rPr lang="en-US" smtClean="0"/>
-              <a:t>2/20/23</a:t>
+              <a:t>2/28/23</a:t>
             </a:fld>
             <a:endParaRPr lang="en-US"/>
           </a:p>
@@ -2072,7 +2072,7 @@
           <a:p>
             <a:fld id="{F3B435F0-777B-FF4C-9A48-D6CFD8D1D448}" type="datetimeFigureOut">
               <a:rPr lang="en-US" smtClean="0"/>
-              <a:t>2/20/23</a:t>
+              <a:t>2/28/23</a:t>
             </a:fld>
             <a:endParaRPr lang="en-US"/>
           </a:p>
@@ -2383,7 +2383,7 @@
           <a:p>
             <a:fld id="{F3B435F0-777B-FF4C-9A48-D6CFD8D1D448}" type="datetimeFigureOut">
               <a:rPr lang="en-US" smtClean="0"/>
-              <a:t>2/20/23</a:t>
+              <a:t>2/28/23</a:t>
             </a:fld>
             <a:endParaRPr lang="en-US"/>
           </a:p>
@@ -2671,7 +2671,7 @@
           <a:p>
             <a:fld id="{F3B435F0-777B-FF4C-9A48-D6CFD8D1D448}" type="datetimeFigureOut">
               <a:rPr lang="en-US" smtClean="0"/>
-              <a:t>2/20/23</a:t>
+              <a:t>2/28/23</a:t>
             </a:fld>
             <a:endParaRPr lang="en-US"/>
           </a:p>
@@ -2912,7 +2912,7 @@
           <a:p>
             <a:fld id="{F3B435F0-777B-FF4C-9A48-D6CFD8D1D448}" type="datetimeFigureOut">
               <a:rPr lang="en-US" smtClean="0"/>
-              <a:t>2/20/23</a:t>
+              <a:t>2/28/23</a:t>
             </a:fld>
             <a:endParaRPr lang="en-US"/>
           </a:p>
@@ -4193,7 +4193,7 @@
           <p:cNvPr id="4" name="Table 4">
             <a:extLst>
               <a:ext uri="{FF2B5EF4-FFF2-40B4-BE49-F238E27FC236}">
-                <a16:creationId xmlns:a16="http://schemas.microsoft.com/office/drawing/2014/main" id="{10AC0532-9219-73BA-AD66-1DF0176E8535}"/>
+                <a16:creationId xmlns:a16="http://schemas.microsoft.com/office/drawing/2014/main" id="{F9EC0169-2F0D-F8AC-8CBB-7198764742B7}"/>
               </a:ext>
             </a:extLst>
           </p:cNvPr>
@@ -4201,16 +4201,17 @@
             <a:graphicFrameLocks noGrp="1"/>
           </p:cNvGraphicFramePr>
           <p:nvPr>
+            <p:ph idx="1"/>
             <p:extLst>
               <p:ext uri="{D42A27DB-BD31-4B8C-83A1-F6EECF244321}">
-                <p14:modId xmlns:p14="http://schemas.microsoft.com/office/powerpoint/2010/main" val="4057633192"/>
+                <p14:modId xmlns:p14="http://schemas.microsoft.com/office/powerpoint/2010/main" val="1774359052"/>
               </p:ext>
             </p:extLst>
           </p:nvPr>
         </p:nvGraphicFramePr>
         <p:xfrm>
-          <a:off x="974725" y="91440"/>
-          <a:ext cx="8127999" cy="6700520"/>
+          <a:off x="149268" y="375781"/>
+          <a:ext cx="10515597" cy="5435600"/>
         </p:xfrm>
         <a:graphic>
           <a:graphicData uri="http://schemas.openxmlformats.org/drawingml/2006/table">
@@ -4219,24 +4220,24 @@
                 <a:tableStyleId>{5C22544A-7EE6-4342-B048-85BDC9FD1C3A}</a:tableStyleId>
               </a:tblPr>
               <a:tblGrid>
-                <a:gridCol w="2709333">
+                <a:gridCol w="2994765">
                   <a:extLst>
                     <a:ext uri="{9D8B030D-6E8A-4147-A177-3AD203B41FA5}">
-                      <a16:colId xmlns:a16="http://schemas.microsoft.com/office/drawing/2014/main" val="2423507138"/>
+                      <a16:colId xmlns:a16="http://schemas.microsoft.com/office/drawing/2014/main" val="3551694420"/>
                     </a:ext>
                   </a:extLst>
                 </a:gridCol>
-                <a:gridCol w="2709333">
+                <a:gridCol w="4015633">
                   <a:extLst>
                     <a:ext uri="{9D8B030D-6E8A-4147-A177-3AD203B41FA5}">
-                      <a16:colId xmlns:a16="http://schemas.microsoft.com/office/drawing/2014/main" val="2599588905"/>
+                      <a16:colId xmlns:a16="http://schemas.microsoft.com/office/drawing/2014/main" val="3943159127"/>
                     </a:ext>
                   </a:extLst>
                 </a:gridCol>
-                <a:gridCol w="2709333">
+                <a:gridCol w="3505199">
                   <a:extLst>
                     <a:ext uri="{9D8B030D-6E8A-4147-A177-3AD203B41FA5}">
-                      <a16:colId xmlns:a16="http://schemas.microsoft.com/office/drawing/2014/main" val="3106908564"/>
+                      <a16:colId xmlns:a16="http://schemas.microsoft.com/office/drawing/2014/main" val="1337832683"/>
                     </a:ext>
                   </a:extLst>
                 </a:gridCol>
@@ -4248,7 +4249,7 @@
                     <a:lstStyle/>
                     <a:p>
                       <a:r>
-                        <a:rPr lang="en-US" sz="1000" dirty="0">
+                        <a:rPr lang="en-US" sz="1100" dirty="0">
                           <a:latin typeface="+mn-lt"/>
                         </a:rPr>
                         <a:t>Event</a:t>
@@ -4263,7 +4264,7 @@
                     <a:lstStyle/>
                     <a:p>
                       <a:r>
-                        <a:rPr lang="en-US" sz="1000" dirty="0">
+                        <a:rPr lang="en-US" sz="1100" dirty="0">
                           <a:latin typeface="+mn-lt"/>
                         </a:rPr>
                         <a:t>Followed By</a:t>
@@ -4278,7 +4279,7 @@
                     <a:lstStyle/>
                     <a:p>
                       <a:r>
-                        <a:rPr lang="en-US" sz="1000" dirty="0">
+                        <a:rPr lang="en-US" sz="1100" dirty="0">
                           <a:latin typeface="+mn-lt"/>
                         </a:rPr>
                         <a:t>Preceded By</a:t>
@@ -4289,7 +4290,7 @@
                 </a:tc>
                 <a:extLst>
                   <a:ext uri="{0D108BD9-81ED-4DB2-BD59-A6C34878D82A}">
-                    <a16:rowId xmlns:a16="http://schemas.microsoft.com/office/drawing/2014/main" val="3689676570"/>
+                    <a16:rowId xmlns:a16="http://schemas.microsoft.com/office/drawing/2014/main" val="526155270"/>
                   </a:ext>
                 </a:extLst>
               </a:tr>
@@ -4299,27 +4300,160 @@
                     <a:bodyPr/>
                     <a:lstStyle/>
                     <a:p>
-                      <a:pPr algn="l" fontAlgn="b"/>
-                      <a:r>
-                        <a:rPr lang="en-US" sz="1000" b="0" i="0" u="none" strike="noStrike" dirty="0">
-                          <a:solidFill>
-                            <a:srgbClr val="000000"/>
-                          </a:solidFill>
-                          <a:effectLst/>
-                          <a:latin typeface="+mn-lt"/>
-                        </a:rPr>
-                        <a:t>DNS Query</a:t>
-                      </a:r>
-                    </a:p>
-                  </a:txBody>
-                  <a:tcPr marL="9525" marR="9525" marT="9525" marB="0" anchor="b"/>
-                </a:tc>
-                <a:tc>
-                  <a:txBody>
-                    <a:bodyPr/>
-                    <a:lstStyle/>
-                    <a:p>
-                      <a:pPr marL="0" marR="0" lvl="0" indent="0" algn="l" defTabSz="914400" rtl="0" eaLnBrk="1" fontAlgn="b" latinLnBrk="0" hangingPunct="1">
+                      <a:r>
+                        <a:rPr lang="en-US" sz="1100" kern="1200" dirty="0" err="1">
+                          <a:solidFill>
+                            <a:schemeClr val="dk1"/>
+                          </a:solidFill>
+                          <a:effectLst/>
+                          <a:latin typeface="+mn-lt"/>
+                          <a:ea typeface="+mn-ea"/>
+                          <a:cs typeface="+mn-cs"/>
+                        </a:rPr>
+                        <a:t>DNS_Query</a:t>
+                      </a:r>
+                      <a:endParaRPr lang="en-US" sz="1100" dirty="0"/>
+                    </a:p>
+                  </a:txBody>
+                  <a:tcPr/>
+                </a:tc>
+                <a:tc>
+                  <a:txBody>
+                    <a:bodyPr/>
+                    <a:lstStyle/>
+                    <a:p>
+                      <a:r>
+                        <a:rPr lang="en-US" sz="1100" kern="1200" dirty="0">
+                          <a:solidFill>
+                            <a:schemeClr val="dk1"/>
+                          </a:solidFill>
+                          <a:effectLst/>
+                          <a:latin typeface="+mn-lt"/>
+                          <a:ea typeface="+mn-ea"/>
+                          <a:cs typeface="+mn-cs"/>
+                        </a:rPr>
+                        <a:t>"</a:t>
+                      </a:r>
+                      <a:r>
+                        <a:rPr lang="en-US" sz="1100" kern="1200" dirty="0" err="1">
+                          <a:solidFill>
+                            <a:schemeClr val="dk1"/>
+                          </a:solidFill>
+                          <a:effectLst/>
+                          <a:latin typeface="+mn-lt"/>
+                          <a:ea typeface="+mn-ea"/>
+                          <a:cs typeface="+mn-cs"/>
+                        </a:rPr>
+                        <a:t>DNS_Response</a:t>
+                      </a:r>
+                      <a:r>
+                        <a:rPr lang="en-US" sz="1100" kern="1200" dirty="0">
+                          <a:solidFill>
+                            <a:schemeClr val="dk1"/>
+                          </a:solidFill>
+                          <a:effectLst/>
+                          <a:latin typeface="+mn-lt"/>
+                          <a:ea typeface="+mn-ea"/>
+                          <a:cs typeface="+mn-cs"/>
+                        </a:rPr>
+                        <a:t>", "</a:t>
+                      </a:r>
+                      <a:r>
+                        <a:rPr lang="en-US" sz="1100" kern="1200" dirty="0" err="1">
+                          <a:solidFill>
+                            <a:schemeClr val="dk1"/>
+                          </a:solidFill>
+                          <a:effectLst/>
+                          <a:latin typeface="+mn-lt"/>
+                          <a:ea typeface="+mn-ea"/>
+                          <a:cs typeface="+mn-cs"/>
+                        </a:rPr>
+                        <a:t>ICMP_Redirect</a:t>
+                      </a:r>
+                      <a:r>
+                        <a:rPr lang="en-US" sz="1100" kern="1200" dirty="0">
+                          <a:solidFill>
+                            <a:schemeClr val="dk1"/>
+                          </a:solidFill>
+                          <a:effectLst/>
+                          <a:latin typeface="+mn-lt"/>
+                          <a:ea typeface="+mn-ea"/>
+                          <a:cs typeface="+mn-cs"/>
+                        </a:rPr>
+                        <a:t>", "ICMP_TTL"</a:t>
+                      </a:r>
+                      <a:endParaRPr lang="en-US" sz="1100" dirty="0"/>
+                    </a:p>
+                  </a:txBody>
+                  <a:tcPr/>
+                </a:tc>
+                <a:tc>
+                  <a:txBody>
+                    <a:bodyPr/>
+                    <a:lstStyle/>
+                    <a:p>
+                      <a:endParaRPr lang="en-US" sz="1100" dirty="0"/>
+                    </a:p>
+                  </a:txBody>
+                  <a:tcPr/>
+                </a:tc>
+                <a:extLst>
+                  <a:ext uri="{0D108BD9-81ED-4DB2-BD59-A6C34878D82A}">
+                    <a16:rowId xmlns:a16="http://schemas.microsoft.com/office/drawing/2014/main" val="483863883"/>
+                  </a:ext>
+                </a:extLst>
+              </a:tr>
+              <a:tr h="370840">
+                <a:tc>
+                  <a:txBody>
+                    <a:bodyPr/>
+                    <a:lstStyle/>
+                    <a:p>
+                      <a:r>
+                        <a:rPr lang="en-US" sz="1100" kern="1200" dirty="0" err="1">
+                          <a:solidFill>
+                            <a:schemeClr val="dk1"/>
+                          </a:solidFill>
+                          <a:effectLst/>
+                          <a:latin typeface="+mn-lt"/>
+                          <a:ea typeface="+mn-ea"/>
+                          <a:cs typeface="+mn-cs"/>
+                        </a:rPr>
+                        <a:t>DNS_Response</a:t>
+                      </a:r>
+                      <a:endParaRPr lang="en-US" sz="1100" dirty="0"/>
+                    </a:p>
+                  </a:txBody>
+                  <a:tcPr/>
+                </a:tc>
+                <a:tc>
+                  <a:txBody>
+                    <a:bodyPr/>
+                    <a:lstStyle/>
+                    <a:p>
+                      <a:r>
+                        <a:rPr lang="en-US" sz="1100" kern="1200" dirty="0">
+                          <a:solidFill>
+                            <a:schemeClr val="dk1"/>
+                          </a:solidFill>
+                          <a:effectLst/>
+                          <a:latin typeface="+mn-lt"/>
+                          <a:ea typeface="+mn-ea"/>
+                          <a:cs typeface="+mn-cs"/>
+                        </a:rPr>
+                        <a:t>TCP_SYN</a:t>
+                      </a:r>
+                      <a:endParaRPr lang="en-US" sz="1100" b="1" dirty="0"/>
+                    </a:p>
+                  </a:txBody>
+                  <a:tcPr/>
+                </a:tc>
+                <a:tc>
+                  <a:txBody>
+                    <a:bodyPr/>
+                    <a:lstStyle/>
+                    <a:p>
+                      <a:pPr marL="0" marR="0" lvl="0" indent="0" algn="l" defTabSz="914400" rtl="0" eaLnBrk="1" fontAlgn="auto" latinLnBrk="0" hangingPunct="1">
                         <a:lnSpc>
                           <a:spcPct val="100000"/>
                         </a:lnSpc>
@@ -4337,51 +4471,25 @@
                         <a:defRPr/>
                       </a:pPr>
                       <a:r>
-                        <a:rPr kumimoji="0" lang="en-US" sz="1000" b="0" i="0" u="none" strike="noStrike" kern="1200" cap="none" spc="0" normalizeH="0" baseline="0" noProof="0" dirty="0">
-                          <a:ln>
-                            <a:noFill/>
-                          </a:ln>
-                          <a:solidFill>
-                            <a:srgbClr val="000000"/>
-                          </a:solidFill>
-                          <a:effectLst/>
-                          <a:uLnTx/>
-                          <a:uFillTx/>
-                          <a:latin typeface="+mn-lt"/>
-                          <a:ea typeface="+mn-ea"/>
-                          <a:cs typeface="+mn-cs"/>
-                        </a:rPr>
-                        <a:t>DNS Response, </a:t>
-                      </a:r>
-                      <a:r>
-                        <a:rPr lang="en-US" sz="1000" b="0" i="0" u="none" strike="noStrike" dirty="0">
-                          <a:solidFill>
-                            <a:srgbClr val="000000"/>
-                          </a:solidFill>
-                          <a:effectLst/>
-                          <a:latin typeface="+mn-lt"/>
-                        </a:rPr>
-                        <a:t>ICMP Redirect, ICMP TTL</a:t>
-                      </a:r>
-                    </a:p>
-                  </a:txBody>
-                  <a:tcPr/>
-                </a:tc>
-                <a:tc>
-                  <a:txBody>
-                    <a:bodyPr/>
-                    <a:lstStyle/>
-                    <a:p>
-                      <a:endParaRPr lang="en-US" sz="1000">
-                        <a:latin typeface="+mn-lt"/>
-                      </a:endParaRPr>
+                        <a:rPr lang="en-US" sz="1100" kern="1200" dirty="0" err="1">
+                          <a:solidFill>
+                            <a:schemeClr val="dk1"/>
+                          </a:solidFill>
+                          <a:effectLst/>
+                          <a:latin typeface="+mn-lt"/>
+                          <a:ea typeface="+mn-ea"/>
+                          <a:cs typeface="+mn-cs"/>
+                        </a:rPr>
+                        <a:t>DNS_Query</a:t>
+                      </a:r>
+                      <a:endParaRPr lang="en-US" sz="1100" dirty="0"/>
                     </a:p>
                   </a:txBody>
                   <a:tcPr/>
                 </a:tc>
                 <a:extLst>
                   <a:ext uri="{0D108BD9-81ED-4DB2-BD59-A6C34878D82A}">
-                    <a16:rowId xmlns:a16="http://schemas.microsoft.com/office/drawing/2014/main" val="3039139731"/>
+                    <a16:rowId xmlns:a16="http://schemas.microsoft.com/office/drawing/2014/main" val="1026426412"/>
                   </a:ext>
                 </a:extLst>
               </a:tr>
@@ -4391,72 +4499,51 @@
                     <a:bodyPr/>
                     <a:lstStyle/>
                     <a:p>
-                      <a:pPr algn="l" fontAlgn="b"/>
-                      <a:r>
-                        <a:rPr lang="en-US" sz="1000" b="0" i="0" u="none" strike="noStrike" dirty="0">
-                          <a:solidFill>
-                            <a:srgbClr val="000000"/>
-                          </a:solidFill>
-                          <a:effectLst/>
-                          <a:latin typeface="+mn-lt"/>
-                        </a:rPr>
-                        <a:t>DNS Response</a:t>
-                      </a:r>
-                    </a:p>
-                  </a:txBody>
-                  <a:tcPr marL="9525" marR="9525" marT="9525" marB="0" anchor="b"/>
-                </a:tc>
-                <a:tc>
-                  <a:txBody>
-                    <a:bodyPr/>
-                    <a:lstStyle/>
-                    <a:p>
-                      <a:r>
-                        <a:rPr lang="en-US" sz="1000" dirty="0">
-                          <a:latin typeface="+mn-lt"/>
-                        </a:rPr>
-                        <a:t>TCP SYN,</a:t>
-                      </a:r>
-                      <a:r>
-                        <a:rPr kumimoji="0" lang="en-US" sz="1000" b="0" i="0" u="none" strike="noStrike" kern="1200" cap="none" spc="0" normalizeH="0" baseline="0" noProof="0" dirty="0">
-                          <a:ln>
-                            <a:noFill/>
-                          </a:ln>
-                          <a:solidFill>
-                            <a:srgbClr val="000000"/>
-                          </a:solidFill>
-                          <a:effectLst/>
-                          <a:uLnTx/>
-                          <a:uFillTx/>
-                          <a:latin typeface="+mn-lt"/>
-                          <a:ea typeface="+mn-ea"/>
-                          <a:cs typeface="+mn-cs"/>
-                        </a:rPr>
-                        <a:t> </a:t>
-                      </a:r>
-                      <a:r>
-                        <a:rPr lang="en-US" sz="1000" b="0" i="0" u="none" strike="noStrike" dirty="0">
-                          <a:solidFill>
-                            <a:srgbClr val="000000"/>
-                          </a:solidFill>
-                          <a:effectLst/>
-                          <a:latin typeface="+mn-lt"/>
-                        </a:rPr>
-                        <a:t>ICMP Redirect, ICMP TTL</a:t>
-                      </a:r>
-                      <a:endParaRPr lang="en-US" sz="1000" dirty="0">
-                        <a:latin typeface="+mn-lt"/>
-                      </a:endParaRPr>
-                    </a:p>
-                  </a:txBody>
-                  <a:tcPr/>
-                </a:tc>
-                <a:tc>
-                  <a:txBody>
-                    <a:bodyPr/>
-                    <a:lstStyle/>
-                    <a:p>
-                      <a:pPr marL="0" marR="0" lvl="0" indent="0" algn="l" defTabSz="914400" rtl="0" eaLnBrk="1" fontAlgn="b" latinLnBrk="0" hangingPunct="1">
+                      <a:r>
+                        <a:rPr lang="en-US" sz="1100" kern="1200" dirty="0" err="1">
+                          <a:solidFill>
+                            <a:schemeClr val="dk1"/>
+                          </a:solidFill>
+                          <a:effectLst/>
+                          <a:latin typeface="+mn-lt"/>
+                          <a:ea typeface="+mn-ea"/>
+                          <a:cs typeface="+mn-cs"/>
+                        </a:rPr>
+                        <a:t>ICMP_Redirect</a:t>
+                      </a:r>
+                      <a:endParaRPr lang="en-US" sz="1100" dirty="0"/>
+                    </a:p>
+                  </a:txBody>
+                  <a:tcPr/>
+                </a:tc>
+                <a:tc>
+                  <a:txBody>
+                    <a:bodyPr/>
+                    <a:lstStyle/>
+                    <a:p>
+                      <a:r>
+                        <a:rPr lang="en-US" sz="1100" kern="1200" dirty="0">
+                          <a:solidFill>
+                            <a:schemeClr val="dk1"/>
+                          </a:solidFill>
+                          <a:effectLst/>
+                          <a:latin typeface="+mn-lt"/>
+                          <a:ea typeface="+mn-ea"/>
+                          <a:cs typeface="+mn-cs"/>
+                        </a:rPr>
+                        <a:t>ICMP_TTL</a:t>
+                      </a:r>
+                      <a:endParaRPr lang="en-US" sz="1100" b="1" dirty="0"/>
+                    </a:p>
+                  </a:txBody>
+                  <a:tcPr/>
+                </a:tc>
+                <a:tc>
+                  <a:txBody>
+                    <a:bodyPr/>
+                    <a:lstStyle/>
+                    <a:p>
+                      <a:pPr marL="0" marR="0" lvl="0" indent="0" algn="l" defTabSz="914400" rtl="0" eaLnBrk="1" fontAlgn="auto" latinLnBrk="0" hangingPunct="1">
                         <a:lnSpc>
                           <a:spcPct val="100000"/>
                         </a:lnSpc>
@@ -4474,53 +4561,41 @@
                         <a:defRPr/>
                       </a:pPr>
                       <a:r>
-                        <a:rPr kumimoji="0" lang="en-US" sz="1000" b="0" i="0" u="none" strike="noStrike" kern="1200" cap="none" spc="0" normalizeH="0" baseline="0" noProof="0" dirty="0">
-                          <a:ln>
-                            <a:noFill/>
-                          </a:ln>
-                          <a:solidFill>
-                            <a:srgbClr val="000000"/>
-                          </a:solidFill>
-                          <a:effectLst/>
-                          <a:uLnTx/>
-                          <a:uFillTx/>
-                          <a:latin typeface="+mn-lt"/>
-                          <a:ea typeface="+mn-ea"/>
-                          <a:cs typeface="+mn-cs"/>
-                        </a:rPr>
-                        <a:t>DNS Query</a:t>
-                      </a:r>
+                        <a:rPr lang="en-US" sz="1100" kern="1200" dirty="0" err="1">
+                          <a:solidFill>
+                            <a:schemeClr val="dk1"/>
+                          </a:solidFill>
+                          <a:effectLst/>
+                          <a:latin typeface="+mn-lt"/>
+                          <a:ea typeface="+mn-ea"/>
+                          <a:cs typeface="+mn-cs"/>
+                        </a:rPr>
+                        <a:t>DNS_Query</a:t>
+                      </a:r>
+                      <a:r>
+                        <a:rPr lang="en-US" sz="1100" kern="1200" dirty="0">
+                          <a:solidFill>
+                            <a:schemeClr val="dk1"/>
+                          </a:solidFill>
+                          <a:effectLst/>
+                          <a:latin typeface="+mn-lt"/>
+                          <a:ea typeface="+mn-ea"/>
+                          <a:cs typeface="+mn-cs"/>
+                        </a:rPr>
+                        <a:t>, ICMP_TTL</a:t>
+                      </a:r>
+                      <a:endParaRPr lang="en-US" sz="1100" b="1" dirty="0"/>
                     </a:p>
                   </a:txBody>
                   <a:tcPr/>
                 </a:tc>
                 <a:extLst>
                   <a:ext uri="{0D108BD9-81ED-4DB2-BD59-A6C34878D82A}">
-                    <a16:rowId xmlns:a16="http://schemas.microsoft.com/office/drawing/2014/main" val="3303253621"/>
+                    <a16:rowId xmlns:a16="http://schemas.microsoft.com/office/drawing/2014/main" val="4067802385"/>
                   </a:ext>
                 </a:extLst>
               </a:tr>
               <a:tr h="370840">
-                <a:tc>
-                  <a:txBody>
-                    <a:bodyPr/>
-                    <a:lstStyle/>
-                    <a:p>
-                      <a:pPr algn="l" fontAlgn="b"/>
-                      <a:r>
-                        <a:rPr lang="en-US" sz="1000" b="0" i="0" u="none" strike="noStrike" dirty="0">
-                          <a:solidFill>
-                            <a:srgbClr val="000000"/>
-                          </a:solidFill>
-                          <a:effectLst/>
-                          <a:latin typeface="+mn-lt"/>
-                        </a:rPr>
-                        <a:t>ICMP Redirect</a:t>
-                      </a:r>
-                    </a:p>
-                  </a:txBody>
-                  <a:tcPr marL="9525" marR="9525" marT="9525" marB="0" anchor="b"/>
-                </a:tc>
                 <a:tc>
                   <a:txBody>
                     <a:bodyPr/>
@@ -4544,25 +4619,28 @@
                         <a:defRPr/>
                       </a:pPr>
                       <a:r>
-                        <a:rPr lang="en-US" sz="1000" b="0" i="0" u="none" strike="noStrike" dirty="0">
-                          <a:solidFill>
-                            <a:srgbClr val="000000"/>
-                          </a:solidFill>
-                          <a:effectLst/>
-                          <a:latin typeface="+mn-lt"/>
-                        </a:rPr>
-                        <a:t>ICMP TTL</a:t>
-                      </a:r>
-                    </a:p>
-                  </a:txBody>
-                  <a:tcPr/>
-                </a:tc>
-                <a:tc>
-                  <a:txBody>
-                    <a:bodyPr/>
-                    <a:lstStyle/>
-                    <a:p>
-                      <a:pPr marL="0" marR="0" lvl="0" indent="0" algn="l" defTabSz="914400" rtl="0" eaLnBrk="1" fontAlgn="b" latinLnBrk="0" hangingPunct="1">
+                        <a:rPr lang="en-US" sz="1100" kern="1200" dirty="0">
+                          <a:solidFill>
+                            <a:schemeClr val="dk1"/>
+                          </a:solidFill>
+                          <a:effectLst/>
+                          <a:latin typeface="+mn-lt"/>
+                          <a:ea typeface="+mn-ea"/>
+                          <a:cs typeface="+mn-cs"/>
+                        </a:rPr>
+                        <a:t>ICMP_TTL</a:t>
+                      </a:r>
+                      <a:endParaRPr lang="en-US" sz="1100" b="1" dirty="0"/>
+                    </a:p>
+                  </a:txBody>
+                  <a:tcPr/>
+                </a:tc>
+                <a:tc>
+                  <a:txBody>
+                    <a:bodyPr/>
+                    <a:lstStyle/>
+                    <a:p>
+                      <a:pPr marL="0" marR="0" lvl="0" indent="0" algn="l" defTabSz="914400" rtl="0" eaLnBrk="1" fontAlgn="auto" latinLnBrk="0" hangingPunct="1">
                         <a:lnSpc>
                           <a:spcPct val="100000"/>
                         </a:lnSpc>
@@ -4580,52 +4658,21 @@
                         <a:defRPr/>
                       </a:pPr>
                       <a:r>
-                        <a:rPr kumimoji="0" lang="en-US" sz="1000" b="0" i="0" u="none" strike="noStrike" kern="1200" cap="none" spc="0" normalizeH="0" baseline="0" noProof="0" dirty="0">
-                          <a:ln>
-                            <a:noFill/>
-                          </a:ln>
-                          <a:solidFill>
-                            <a:srgbClr val="000000"/>
-                          </a:solidFill>
-                          <a:effectLst/>
-                          <a:uLnTx/>
-                          <a:uFillTx/>
-                          <a:latin typeface="+mn-lt"/>
-                          <a:ea typeface="+mn-ea"/>
-                          <a:cs typeface="+mn-cs"/>
-                        </a:rPr>
-                        <a:t>DNS Query</a:t>
-                      </a:r>
-                    </a:p>
-                  </a:txBody>
-                  <a:tcPr/>
-                </a:tc>
-                <a:extLst>
-                  <a:ext uri="{0D108BD9-81ED-4DB2-BD59-A6C34878D82A}">
-                    <a16:rowId xmlns:a16="http://schemas.microsoft.com/office/drawing/2014/main" val="3112961027"/>
-                  </a:ext>
-                </a:extLst>
-              </a:tr>
-              <a:tr h="370840">
-                <a:tc>
-                  <a:txBody>
-                    <a:bodyPr/>
-                    <a:lstStyle/>
-                    <a:p>
-                      <a:pPr algn="l" fontAlgn="b"/>
-                      <a:r>
-                        <a:rPr lang="en-US" sz="1000" b="0" i="0" u="none" strike="noStrike" dirty="0">
-                          <a:solidFill>
-                            <a:srgbClr val="000000"/>
-                          </a:solidFill>
-                          <a:effectLst/>
-                          <a:latin typeface="+mn-lt"/>
-                        </a:rPr>
-                        <a:t>ICMP TTL</a:t>
-                      </a:r>
-                    </a:p>
-                  </a:txBody>
-                  <a:tcPr marL="9525" marR="9525" marT="9525" marB="0" anchor="b"/>
+                        <a:rPr lang="en-US" sz="1100" kern="1200" dirty="0" err="1">
+                          <a:solidFill>
+                            <a:schemeClr val="dk1"/>
+                          </a:solidFill>
+                          <a:effectLst/>
+                          <a:latin typeface="+mn-lt"/>
+                          <a:ea typeface="+mn-ea"/>
+                          <a:cs typeface="+mn-cs"/>
+                        </a:rPr>
+                        <a:t>ICMP_Redirect</a:t>
+                      </a:r>
+                      <a:endParaRPr lang="en-US" sz="1100" dirty="0"/>
+                    </a:p>
+                  </a:txBody>
+                  <a:tcPr/>
                 </a:tc>
                 <a:tc>
                   <a:txBody>
@@ -4650,58 +4697,53 @@
                         <a:defRPr/>
                       </a:pPr>
                       <a:r>
-                        <a:rPr lang="en-US" sz="1000" b="0" i="0" u="none" strike="noStrike" dirty="0">
-                          <a:solidFill>
-                            <a:srgbClr val="000000"/>
-                          </a:solidFill>
-                          <a:effectLst/>
-                          <a:latin typeface="+mn-lt"/>
-                        </a:rPr>
-                        <a:t>ICMP Redirect</a:t>
-                      </a:r>
-                    </a:p>
-                  </a:txBody>
-                  <a:tcPr/>
-                </a:tc>
-                <a:tc>
-                  <a:txBody>
-                    <a:bodyPr/>
-                    <a:lstStyle/>
-                    <a:p>
-                      <a:endParaRPr lang="en-US" sz="1000">
-                        <a:latin typeface="+mn-lt"/>
-                      </a:endParaRPr>
+                        <a:rPr lang="en-US" sz="1100" kern="1200" dirty="0" err="1">
+                          <a:solidFill>
+                            <a:schemeClr val="dk1"/>
+                          </a:solidFill>
+                          <a:effectLst/>
+                          <a:latin typeface="+mn-lt"/>
+                          <a:ea typeface="+mn-ea"/>
+                          <a:cs typeface="+mn-cs"/>
+                        </a:rPr>
+                        <a:t>DNS_Query</a:t>
+                      </a:r>
+                      <a:r>
+                        <a:rPr lang="en-US" sz="1100" kern="1200" dirty="0">
+                          <a:solidFill>
+                            <a:schemeClr val="dk1"/>
+                          </a:solidFill>
+                          <a:effectLst/>
+                          <a:latin typeface="+mn-lt"/>
+                          <a:ea typeface="+mn-ea"/>
+                          <a:cs typeface="+mn-cs"/>
+                        </a:rPr>
+                        <a:t>, </a:t>
+                      </a:r>
+                      <a:r>
+                        <a:rPr lang="en-US" sz="1100" kern="1200" dirty="0" err="1">
+                          <a:solidFill>
+                            <a:schemeClr val="dk1"/>
+                          </a:solidFill>
+                          <a:effectLst/>
+                          <a:latin typeface="+mn-lt"/>
+                          <a:ea typeface="+mn-ea"/>
+                          <a:cs typeface="+mn-cs"/>
+                        </a:rPr>
+                        <a:t>ICMP_Redirect</a:t>
+                      </a:r>
+                      <a:endParaRPr lang="en-US" sz="1100" dirty="0"/>
                     </a:p>
                   </a:txBody>
                   <a:tcPr/>
                 </a:tc>
                 <a:extLst>
                   <a:ext uri="{0D108BD9-81ED-4DB2-BD59-A6C34878D82A}">
-                    <a16:rowId xmlns:a16="http://schemas.microsoft.com/office/drawing/2014/main" val="1051418331"/>
+                    <a16:rowId xmlns:a16="http://schemas.microsoft.com/office/drawing/2014/main" val="1868092165"/>
                   </a:ext>
                 </a:extLst>
               </a:tr>
               <a:tr h="370840">
-                <a:tc>
-                  <a:txBody>
-                    <a:bodyPr/>
-                    <a:lstStyle/>
-                    <a:p>
-                      <a:pPr algn="l" fontAlgn="b"/>
-                      <a:r>
-                        <a:rPr lang="en-US" sz="1000" b="0" i="0" u="none" strike="noStrike" dirty="0">
-                          <a:solidFill>
-                            <a:srgbClr val="000000"/>
-                          </a:solidFill>
-                          <a:effectLst/>
-                          <a:latin typeface="+mn-lt"/>
-                        </a:rPr>
-                        <a:t>TCP CAM ACK</a:t>
-                      </a:r>
-                    </a:p>
-                  </a:txBody>
-                  <a:tcPr marL="9525" marR="9525" marT="9525" marB="0" anchor="b"/>
-                </a:tc>
                 <a:tc>
                   <a:txBody>
                     <a:bodyPr/>
@@ -4725,65 +4767,21 @@
                         <a:defRPr/>
                       </a:pPr>
                       <a:r>
-                        <a:rPr lang="en-US" sz="1000" b="0" i="0" u="none" strike="noStrike" dirty="0">
-                          <a:solidFill>
-                            <a:srgbClr val="000000"/>
-                          </a:solidFill>
-                          <a:effectLst/>
-                          <a:latin typeface="+mn-lt"/>
-                        </a:rPr>
-                        <a:t>TCP CAM Duplicate ACK, TLS Client Hello</a:t>
-                      </a:r>
-                    </a:p>
-                  </a:txBody>
-                  <a:tcPr/>
-                </a:tc>
-                <a:tc>
-                  <a:txBody>
-                    <a:bodyPr/>
-                    <a:lstStyle/>
-                    <a:p>
-                      <a:pPr algn="l" fontAlgn="b"/>
-                      <a:r>
-                        <a:rPr lang="en-US" sz="1000" b="0" i="0" u="none" strike="noStrike" dirty="0">
-                          <a:solidFill>
-                            <a:srgbClr val="000000"/>
-                          </a:solidFill>
-                          <a:effectLst/>
-                          <a:latin typeface="+mn-lt"/>
-                        </a:rPr>
-                        <a:t>TCP SYN ACK</a:t>
-                      </a:r>
-                    </a:p>
-                  </a:txBody>
-                  <a:tcPr/>
-                </a:tc>
-                <a:extLst>
-                  <a:ext uri="{0D108BD9-81ED-4DB2-BD59-A6C34878D82A}">
-                    <a16:rowId xmlns:a16="http://schemas.microsoft.com/office/drawing/2014/main" val="3395804546"/>
-                  </a:ext>
-                </a:extLst>
-              </a:tr>
-              <a:tr h="370840">
-                <a:tc>
-                  <a:txBody>
-                    <a:bodyPr/>
-                    <a:lstStyle/>
-                    <a:p>
-                      <a:pPr algn="l" fontAlgn="b"/>
-                      <a:r>
-                        <a:rPr lang="en-US" sz="1000" b="0" i="0" u="none" strike="noStrike" dirty="0">
-                          <a:solidFill>
-                            <a:srgbClr val="000000"/>
-                          </a:solidFill>
-                          <a:effectLst/>
-                          <a:latin typeface="+mn-lt"/>
-                        </a:rPr>
-                        <a:t>TCP CAM Duplicate ACK</a:t>
-                      </a:r>
-                    </a:p>
-                  </a:txBody>
-                  <a:tcPr marL="9525" marR="9525" marT="9525" marB="0" anchor="b"/>
+                        <a:rPr lang="en-US" sz="1100" kern="1200" dirty="0">
+                          <a:solidFill>
+                            <a:schemeClr val="dk1"/>
+                          </a:solidFill>
+                          <a:effectLst/>
+                          <a:latin typeface="+mn-lt"/>
+                          <a:ea typeface="+mn-ea"/>
+                          <a:cs typeface="+mn-cs"/>
+                        </a:rPr>
+                        <a:t>TCP_SYN</a:t>
+                      </a:r>
+                      <a:endParaRPr lang="en-US" sz="1100" b="1" dirty="0"/>
+                    </a:p>
+                  </a:txBody>
+                  <a:tcPr/>
                 </a:tc>
                 <a:tc>
                   <a:txBody>
@@ -4808,25 +4806,28 @@
                         <a:defRPr/>
                       </a:pPr>
                       <a:r>
-                        <a:rPr lang="en-US" sz="1000" b="0" i="0" u="none" strike="noStrike" dirty="0">
-                          <a:solidFill>
-                            <a:srgbClr val="000000"/>
-                          </a:solidFill>
-                          <a:effectLst/>
-                          <a:latin typeface="+mn-lt"/>
-                        </a:rPr>
-                        <a:t>TCP Retransmission</a:t>
-                      </a:r>
-                    </a:p>
-                  </a:txBody>
-                  <a:tcPr/>
-                </a:tc>
-                <a:tc>
-                  <a:txBody>
-                    <a:bodyPr/>
-                    <a:lstStyle/>
-                    <a:p>
-                      <a:pPr marL="0" marR="0" lvl="0" indent="0" algn="l" defTabSz="914400" rtl="0" eaLnBrk="1" fontAlgn="b" latinLnBrk="0" hangingPunct="1">
+                        <a:rPr lang="en-US" sz="1100" kern="1200" dirty="0">
+                          <a:solidFill>
+                            <a:schemeClr val="dk1"/>
+                          </a:solidFill>
+                          <a:effectLst/>
+                          <a:latin typeface="+mn-lt"/>
+                          <a:ea typeface="+mn-ea"/>
+                          <a:cs typeface="+mn-cs"/>
+                        </a:rPr>
+                        <a:t>TCP_SYN_ACK</a:t>
+                      </a:r>
+                      <a:endParaRPr lang="en-US" sz="1100" dirty="0"/>
+                    </a:p>
+                  </a:txBody>
+                  <a:tcPr/>
+                </a:tc>
+                <a:tc>
+                  <a:txBody>
+                    <a:bodyPr/>
+                    <a:lstStyle/>
+                    <a:p>
+                      <a:pPr marL="0" marR="0" lvl="0" indent="0" algn="l" defTabSz="914400" rtl="0" eaLnBrk="1" fontAlgn="auto" latinLnBrk="0" hangingPunct="1">
                         <a:lnSpc>
                           <a:spcPct val="100000"/>
                         </a:lnSpc>
@@ -4844,53 +4845,29 @@
                         <a:defRPr/>
                       </a:pPr>
                       <a:r>
-                        <a:rPr kumimoji="0" lang="en-US" sz="1000" b="0" i="0" u="none" strike="noStrike" kern="1200" cap="none" spc="0" normalizeH="0" baseline="0" noProof="0" dirty="0">
-                          <a:ln>
-                            <a:noFill/>
-                          </a:ln>
-                          <a:solidFill>
-                            <a:srgbClr val="000000"/>
-                          </a:solidFill>
-                          <a:effectLst/>
-                          <a:uLnTx/>
-                          <a:uFillTx/>
-                          <a:latin typeface="+mn-lt"/>
-                          <a:ea typeface="+mn-ea"/>
-                          <a:cs typeface="+mn-cs"/>
-                        </a:rPr>
-                        <a:t>TCP CAM ACK</a:t>
-                      </a:r>
+                        <a:rPr lang="en-US" sz="1100" kern="1200" dirty="0" err="1">
+                          <a:solidFill>
+                            <a:schemeClr val="dk1"/>
+                          </a:solidFill>
+                          <a:effectLst/>
+                          <a:latin typeface="+mn-lt"/>
+                          <a:ea typeface="+mn-ea"/>
+                          <a:cs typeface="+mn-cs"/>
+                        </a:rPr>
+                        <a:t>DNS_Response</a:t>
+                      </a:r>
+                      <a:endParaRPr lang="en-US" sz="1100" dirty="0"/>
                     </a:p>
                   </a:txBody>
                   <a:tcPr/>
                 </a:tc>
                 <a:extLst>
                   <a:ext uri="{0D108BD9-81ED-4DB2-BD59-A6C34878D82A}">
-                    <a16:rowId xmlns:a16="http://schemas.microsoft.com/office/drawing/2014/main" val="4028856636"/>
+                    <a16:rowId xmlns:a16="http://schemas.microsoft.com/office/drawing/2014/main" val="3150481454"/>
                   </a:ext>
                 </a:extLst>
               </a:tr>
               <a:tr h="370840">
-                <a:tc>
-                  <a:txBody>
-                    <a:bodyPr/>
-                    <a:lstStyle/>
-                    <a:p>
-                      <a:pPr algn="l" fontAlgn="b"/>
-                      <a:r>
-                        <a:rPr lang="en-US" sz="1000" b="0" i="0" u="none" strike="noStrike" dirty="0">
-                          <a:solidFill>
-                            <a:srgbClr val="000000"/>
-                          </a:solidFill>
-                          <a:effectLst/>
-                          <a:latin typeface="+mn-lt"/>
-                        </a:rPr>
-                        <a:t>TCP CAM PSH ACK</a:t>
-                      </a:r>
-                    </a:p>
-                  </a:txBody>
-                  <a:tcPr marL="9525" marR="9525" marT="9525" marB="0" anchor="b"/>
-                </a:tc>
                 <a:tc>
                   <a:txBody>
                     <a:bodyPr/>
@@ -4914,25 +4891,28 @@
                         <a:defRPr/>
                       </a:pPr>
                       <a:r>
-                        <a:rPr lang="en-US" sz="1000" b="0" i="0" u="none" strike="noStrike" dirty="0">
-                          <a:solidFill>
-                            <a:srgbClr val="000000"/>
-                          </a:solidFill>
-                          <a:effectLst/>
-                          <a:latin typeface="+mn-lt"/>
-                        </a:rPr>
-                        <a:t>TCP PSH Retransmission, TCP PSH Window Full Retransmission</a:t>
-                      </a:r>
-                    </a:p>
-                  </a:txBody>
-                  <a:tcPr/>
-                </a:tc>
-                <a:tc>
-                  <a:txBody>
-                    <a:bodyPr/>
-                    <a:lstStyle/>
-                    <a:p>
-                      <a:pPr marL="0" marR="0" lvl="0" indent="0" algn="l" defTabSz="914400" rtl="0" eaLnBrk="1" fontAlgn="b" latinLnBrk="0" hangingPunct="1">
+                        <a:rPr lang="en-US" sz="1100" kern="1200" dirty="0">
+                          <a:solidFill>
+                            <a:schemeClr val="dk1"/>
+                          </a:solidFill>
+                          <a:effectLst/>
+                          <a:latin typeface="+mn-lt"/>
+                          <a:ea typeface="+mn-ea"/>
+                          <a:cs typeface="+mn-cs"/>
+                        </a:rPr>
+                        <a:t>TCP_SYN_ACK</a:t>
+                      </a:r>
+                      <a:endParaRPr lang="en-US" sz="1100" b="1" dirty="0"/>
+                    </a:p>
+                  </a:txBody>
+                  <a:tcPr/>
+                </a:tc>
+                <a:tc>
+                  <a:txBody>
+                    <a:bodyPr/>
+                    <a:lstStyle/>
+                    <a:p>
+                      <a:pPr marL="0" marR="0" lvl="0" indent="0" algn="l" defTabSz="914400" rtl="0" eaLnBrk="1" fontAlgn="auto" latinLnBrk="0" hangingPunct="1">
                         <a:lnSpc>
                           <a:spcPct val="100000"/>
                         </a:lnSpc>
@@ -4950,52 +4930,21 @@
                         <a:defRPr/>
                       </a:pPr>
                       <a:r>
-                        <a:rPr kumimoji="0" lang="en-US" sz="1000" b="0" i="0" u="none" strike="noStrike" kern="1200" cap="none" spc="0" normalizeH="0" baseline="0" noProof="0" dirty="0">
-                          <a:ln>
-                            <a:noFill/>
-                          </a:ln>
-                          <a:solidFill>
-                            <a:srgbClr val="000000"/>
-                          </a:solidFill>
-                          <a:effectLst/>
-                          <a:uLnTx/>
-                          <a:uFillTx/>
-                          <a:latin typeface="+mn-lt"/>
-                          <a:ea typeface="+mn-ea"/>
-                          <a:cs typeface="+mn-cs"/>
-                        </a:rPr>
-                        <a:t>TCP CAM ACK</a:t>
-                      </a:r>
-                    </a:p>
-                  </a:txBody>
-                  <a:tcPr/>
-                </a:tc>
-                <a:extLst>
-                  <a:ext uri="{0D108BD9-81ED-4DB2-BD59-A6C34878D82A}">
-                    <a16:rowId xmlns:a16="http://schemas.microsoft.com/office/drawing/2014/main" val="3790256144"/>
-                  </a:ext>
-                </a:extLst>
-              </a:tr>
-              <a:tr h="370840">
-                <a:tc>
-                  <a:txBody>
-                    <a:bodyPr/>
-                    <a:lstStyle/>
-                    <a:p>
-                      <a:pPr algn="l" fontAlgn="b"/>
-                      <a:r>
-                        <a:rPr lang="en-US" sz="1000" b="0" i="0" u="none" strike="noStrike" dirty="0">
-                          <a:solidFill>
-                            <a:srgbClr val="000000"/>
-                          </a:solidFill>
-                          <a:effectLst/>
-                          <a:latin typeface="+mn-lt"/>
-                        </a:rPr>
-                        <a:t>TCP DOM ACK</a:t>
-                      </a:r>
-                    </a:p>
-                  </a:txBody>
-                  <a:tcPr marL="9525" marR="9525" marT="9525" marB="0" anchor="b"/>
+                        <a:rPr lang="en-US" sz="1100" kern="1200" dirty="0">
+                          <a:solidFill>
+                            <a:schemeClr val="dk1"/>
+                          </a:solidFill>
+                          <a:effectLst/>
+                          <a:latin typeface="+mn-lt"/>
+                          <a:ea typeface="+mn-ea"/>
+                          <a:cs typeface="+mn-cs"/>
+                        </a:rPr>
+                        <a:t>TCP_CAM_ACK, TCP_DOM_ACK</a:t>
+                      </a:r>
+                      <a:endParaRPr lang="en-US" sz="1100" dirty="0"/>
+                    </a:p>
+                  </a:txBody>
+                  <a:tcPr/>
                 </a:tc>
                 <a:tc>
                   <a:txBody>
@@ -5020,25 +4969,35 @@
                         <a:defRPr/>
                       </a:pPr>
                       <a:r>
-                        <a:rPr lang="en-US" sz="1000" b="0" i="0" u="none" strike="noStrike" dirty="0">
-                          <a:solidFill>
-                            <a:srgbClr val="000000"/>
-                          </a:solidFill>
-                          <a:effectLst/>
-                          <a:latin typeface="+mn-lt"/>
-                        </a:rPr>
-                        <a:t>TCP DOM Duplicate ACK</a:t>
-                      </a:r>
-                    </a:p>
-                  </a:txBody>
-                  <a:tcPr/>
-                </a:tc>
-                <a:tc>
-                  <a:txBody>
-                    <a:bodyPr/>
-                    <a:lstStyle/>
-                    <a:p>
-                      <a:pPr marL="0" marR="0" lvl="0" indent="0" algn="l" defTabSz="914400" rtl="0" eaLnBrk="1" fontAlgn="b" latinLnBrk="0" hangingPunct="1">
+                        <a:rPr lang="en-US" sz="1100" kern="1200" dirty="0">
+                          <a:solidFill>
+                            <a:schemeClr val="dk1"/>
+                          </a:solidFill>
+                          <a:effectLst/>
+                          <a:latin typeface="+mn-lt"/>
+                          <a:ea typeface="+mn-ea"/>
+                          <a:cs typeface="+mn-cs"/>
+                        </a:rPr>
+                        <a:t>TCP_SYN</a:t>
+                      </a:r>
+                      <a:endParaRPr lang="en-US" sz="1100" b="1" dirty="0"/>
+                    </a:p>
+                  </a:txBody>
+                  <a:tcPr/>
+                </a:tc>
+                <a:extLst>
+                  <a:ext uri="{0D108BD9-81ED-4DB2-BD59-A6C34878D82A}">
+                    <a16:rowId xmlns:a16="http://schemas.microsoft.com/office/drawing/2014/main" val="851791870"/>
+                  </a:ext>
+                </a:extLst>
+              </a:tr>
+              <a:tr h="370840">
+                <a:tc>
+                  <a:txBody>
+                    <a:bodyPr/>
+                    <a:lstStyle/>
+                    <a:p>
+                      <a:pPr marL="0" marR="0" lvl="0" indent="0" algn="l" defTabSz="914400" rtl="0" eaLnBrk="1" fontAlgn="auto" latinLnBrk="0" hangingPunct="1">
                         <a:lnSpc>
                           <a:spcPct val="100000"/>
                         </a:lnSpc>
@@ -5056,52 +5015,21 @@
                         <a:defRPr/>
                       </a:pPr>
                       <a:r>
-                        <a:rPr kumimoji="0" lang="en-US" sz="1000" b="0" i="0" u="none" strike="noStrike" kern="1200" cap="none" spc="0" normalizeH="0" baseline="0" noProof="0" dirty="0">
-                          <a:ln>
-                            <a:noFill/>
-                          </a:ln>
-                          <a:solidFill>
-                            <a:srgbClr val="000000"/>
-                          </a:solidFill>
-                          <a:effectLst/>
-                          <a:uLnTx/>
-                          <a:uFillTx/>
-                          <a:latin typeface="+mn-lt"/>
-                          <a:ea typeface="+mn-ea"/>
-                          <a:cs typeface="+mn-cs"/>
-                        </a:rPr>
-                        <a:t>TCP SYN ACK</a:t>
-                      </a:r>
-                    </a:p>
-                  </a:txBody>
-                  <a:tcPr/>
-                </a:tc>
-                <a:extLst>
-                  <a:ext uri="{0D108BD9-81ED-4DB2-BD59-A6C34878D82A}">
-                    <a16:rowId xmlns:a16="http://schemas.microsoft.com/office/drawing/2014/main" val="1067602422"/>
-                  </a:ext>
-                </a:extLst>
-              </a:tr>
-              <a:tr h="370840">
-                <a:tc>
-                  <a:txBody>
-                    <a:bodyPr/>
-                    <a:lstStyle/>
-                    <a:p>
-                      <a:pPr algn="l" fontAlgn="b"/>
-                      <a:r>
-                        <a:rPr lang="en-US" sz="1000" b="0" i="0" u="none" strike="noStrike" dirty="0">
-                          <a:solidFill>
-                            <a:srgbClr val="000000"/>
-                          </a:solidFill>
-                          <a:effectLst/>
-                          <a:latin typeface="+mn-lt"/>
-                        </a:rPr>
-                        <a:t>TCP DOM Duplicate ACK</a:t>
-                      </a:r>
-                    </a:p>
-                  </a:txBody>
-                  <a:tcPr marL="9525" marR="9525" marT="9525" marB="0" anchor="b"/>
+                        <a:rPr lang="en-US" sz="1100" kern="1200" dirty="0">
+                          <a:solidFill>
+                            <a:schemeClr val="dk1"/>
+                          </a:solidFill>
+                          <a:effectLst/>
+                          <a:latin typeface="+mn-lt"/>
+                          <a:ea typeface="+mn-ea"/>
+                          <a:cs typeface="+mn-cs"/>
+                        </a:rPr>
+                        <a:t>TCP_FIN</a:t>
+                      </a:r>
+                      <a:endParaRPr lang="en-US" sz="1100" b="1" dirty="0"/>
+                    </a:p>
+                  </a:txBody>
+                  <a:tcPr/>
                 </a:tc>
                 <a:tc>
                   <a:txBody>
@@ -5125,23 +5053,29 @@
                         <a:tabLst/>
                         <a:defRPr/>
                       </a:pPr>
-                      <a:endParaRPr lang="en-US" sz="1000" b="0" i="0" u="none" strike="noStrike" dirty="0">
-                        <a:solidFill>
-                          <a:srgbClr val="000000"/>
-                        </a:solidFill>
-                        <a:effectLst/>
-                        <a:latin typeface="+mn-lt"/>
-                      </a:endParaRPr>
-                    </a:p>
-                  </a:txBody>
-                  <a:tcPr/>
-                </a:tc>
-                <a:tc>
-                  <a:txBody>
-                    <a:bodyPr/>
-                    <a:lstStyle/>
-                    <a:p>
-                      <a:pPr marL="0" marR="0" lvl="0" indent="0" algn="l" defTabSz="914400" rtl="0" eaLnBrk="1" fontAlgn="b" latinLnBrk="0" hangingPunct="1">
+                      <a:r>
+                        <a:rPr lang="en-US" sz="1100" kern="1200" dirty="0">
+                          <a:solidFill>
+                            <a:schemeClr val="dk1"/>
+                          </a:solidFill>
+                          <a:effectLst/>
+                          <a:latin typeface="+mn-lt"/>
+                          <a:ea typeface="+mn-ea"/>
+                          <a:cs typeface="+mn-cs"/>
+                        </a:rPr>
+                        <a:t>TCP_RST</a:t>
+                      </a:r>
+                      <a:endParaRPr lang="en-US" sz="1100" dirty="0"/>
+                    </a:p>
+                  </a:txBody>
+                  <a:tcPr/>
+                </a:tc>
+                <a:tc>
+                  <a:txBody>
+                    <a:bodyPr/>
+                    <a:lstStyle/>
+                    <a:p>
+                      <a:pPr marL="0" marR="0" lvl="0" indent="0" algn="l" defTabSz="914400" rtl="0" eaLnBrk="1" fontAlgn="auto" latinLnBrk="0" hangingPunct="1">
                         <a:lnSpc>
                           <a:spcPct val="100000"/>
                         </a:lnSpc>
@@ -5159,53 +5093,29 @@
                         <a:defRPr/>
                       </a:pPr>
                       <a:r>
-                        <a:rPr kumimoji="0" lang="en-US" sz="1000" b="0" i="0" u="none" strike="noStrike" kern="1200" cap="none" spc="0" normalizeH="0" baseline="0" noProof="0" dirty="0">
-                          <a:ln>
-                            <a:noFill/>
-                          </a:ln>
-                          <a:solidFill>
-                            <a:srgbClr val="000000"/>
-                          </a:solidFill>
-                          <a:effectLst/>
-                          <a:uLnTx/>
-                          <a:uFillTx/>
-                          <a:latin typeface="+mn-lt"/>
-                          <a:ea typeface="+mn-ea"/>
-                          <a:cs typeface="+mn-cs"/>
-                        </a:rPr>
-                        <a:t>TCP DOM ACK</a:t>
-                      </a:r>
+                        <a:rPr lang="en-US" sz="1100" kern="1200" dirty="0" err="1">
+                          <a:solidFill>
+                            <a:schemeClr val="dk1"/>
+                          </a:solidFill>
+                          <a:effectLst/>
+                          <a:latin typeface="+mn-lt"/>
+                          <a:ea typeface="+mn-ea"/>
+                          <a:cs typeface="+mn-cs"/>
+                        </a:rPr>
+                        <a:t>TLS_Encrypted_Alert</a:t>
+                      </a:r>
+                      <a:endParaRPr lang="en-US" sz="1100" b="1" dirty="0"/>
                     </a:p>
                   </a:txBody>
                   <a:tcPr/>
                 </a:tc>
                 <a:extLst>
                   <a:ext uri="{0D108BD9-81ED-4DB2-BD59-A6C34878D82A}">
-                    <a16:rowId xmlns:a16="http://schemas.microsoft.com/office/drawing/2014/main" val="624210892"/>
+                    <a16:rowId xmlns:a16="http://schemas.microsoft.com/office/drawing/2014/main" val="892154822"/>
                   </a:ext>
                 </a:extLst>
               </a:tr>
               <a:tr h="370840">
-                <a:tc>
-                  <a:txBody>
-                    <a:bodyPr/>
-                    <a:lstStyle/>
-                    <a:p>
-                      <a:pPr algn="l" fontAlgn="b"/>
-                      <a:r>
-                        <a:rPr lang="en-US" sz="1000" b="0" i="0" u="none" strike="noStrike" dirty="0">
-                          <a:solidFill>
-                            <a:srgbClr val="000000"/>
-                          </a:solidFill>
-                          <a:effectLst/>
-                          <a:latin typeface="+mn-lt"/>
-                        </a:rPr>
-                        <a:t>TCP DOM PSH ACK</a:t>
-                      </a:r>
-                    </a:p>
-                  </a:txBody>
-                  <a:tcPr marL="9525" marR="9525" marT="9525" marB="0" anchor="b"/>
-                </a:tc>
                 <a:tc>
                   <a:txBody>
                     <a:bodyPr/>
@@ -5229,25 +5139,28 @@
                         <a:defRPr/>
                       </a:pPr>
                       <a:r>
-                        <a:rPr lang="en-US" sz="1000" b="0" i="0" u="none" strike="noStrike" dirty="0">
-                          <a:solidFill>
-                            <a:srgbClr val="000000"/>
-                          </a:solidFill>
-                          <a:effectLst/>
-                          <a:latin typeface="+mn-lt"/>
-                        </a:rPr>
-                        <a:t>TCP PSH Retransmission</a:t>
-                      </a:r>
-                    </a:p>
-                  </a:txBody>
-                  <a:tcPr/>
-                </a:tc>
-                <a:tc>
-                  <a:txBody>
-                    <a:bodyPr/>
-                    <a:lstStyle/>
-                    <a:p>
-                      <a:pPr marL="0" marR="0" lvl="0" indent="0" algn="l" defTabSz="914400" rtl="0" eaLnBrk="1" fontAlgn="b" latinLnBrk="0" hangingPunct="1">
+                        <a:rPr lang="en-US" sz="1100" kern="1200" dirty="0">
+                          <a:solidFill>
+                            <a:schemeClr val="dk1"/>
+                          </a:solidFill>
+                          <a:effectLst/>
+                          <a:latin typeface="+mn-lt"/>
+                          <a:ea typeface="+mn-ea"/>
+                          <a:cs typeface="+mn-cs"/>
+                        </a:rPr>
+                        <a:t>TCP_CAM_ACK</a:t>
+                      </a:r>
+                      <a:endParaRPr lang="en-US" sz="1100" b="1" dirty="0"/>
+                    </a:p>
+                  </a:txBody>
+                  <a:tcPr/>
+                </a:tc>
+                <a:tc>
+                  <a:txBody>
+                    <a:bodyPr/>
+                    <a:lstStyle/>
+                    <a:p>
+                      <a:pPr marL="0" marR="0" lvl="0" indent="0" algn="l" defTabSz="914400" rtl="0" eaLnBrk="1" fontAlgn="auto" latinLnBrk="0" hangingPunct="1">
                         <a:lnSpc>
                           <a:spcPct val="100000"/>
                         </a:lnSpc>
@@ -5265,52 +5178,57 @@
                         <a:defRPr/>
                       </a:pPr>
                       <a:r>
-                        <a:rPr kumimoji="0" lang="en-US" sz="1000" b="0" i="0" u="none" strike="noStrike" kern="1200" cap="none" spc="0" normalizeH="0" baseline="0" noProof="0" dirty="0">
-                          <a:ln>
-                            <a:noFill/>
-                          </a:ln>
-                          <a:solidFill>
-                            <a:srgbClr val="000000"/>
-                          </a:solidFill>
-                          <a:effectLst/>
-                          <a:uLnTx/>
-                          <a:uFillTx/>
-                          <a:latin typeface="+mn-lt"/>
-                          <a:ea typeface="+mn-ea"/>
-                          <a:cs typeface="+mn-cs"/>
-                        </a:rPr>
-                        <a:t>TCP SYN ACK</a:t>
-                      </a:r>
-                    </a:p>
-                  </a:txBody>
-                  <a:tcPr/>
-                </a:tc>
-                <a:extLst>
-                  <a:ext uri="{0D108BD9-81ED-4DB2-BD59-A6C34878D82A}">
-                    <a16:rowId xmlns:a16="http://schemas.microsoft.com/office/drawing/2014/main" val="1974830238"/>
-                  </a:ext>
-                </a:extLst>
-              </a:tr>
-              <a:tr h="370840">
-                <a:tc>
-                  <a:txBody>
-                    <a:bodyPr/>
-                    <a:lstStyle/>
-                    <a:p>
-                      <a:pPr algn="l" fontAlgn="b"/>
-                      <a:r>
-                        <a:rPr lang="en-US" sz="1000" b="0" i="0" u="none" strike="noStrike" dirty="0">
-                          <a:solidFill>
-                            <a:srgbClr val="000000"/>
-                          </a:solidFill>
-                          <a:effectLst/>
-                          <a:latin typeface="+mn-lt"/>
-                        </a:rPr>
-                        <a:t>TCP FIN</a:t>
-                      </a:r>
-                    </a:p>
-                  </a:txBody>
-                  <a:tcPr marL="9525" marR="9525" marT="9525" marB="0" anchor="b"/>
+                        <a:rPr lang="en-US" sz="1100" kern="1200" dirty="0" err="1">
+                          <a:solidFill>
+                            <a:schemeClr val="dk1"/>
+                          </a:solidFill>
+                          <a:effectLst/>
+                          <a:latin typeface="+mn-lt"/>
+                          <a:ea typeface="+mn-ea"/>
+                          <a:cs typeface="+mn-cs"/>
+                        </a:rPr>
+                        <a:t>TCP_CAM_Duplicate_ACK</a:t>
+                      </a:r>
+                      <a:r>
+                        <a:rPr lang="en-US" sz="1100" kern="1200" dirty="0">
+                          <a:solidFill>
+                            <a:schemeClr val="dk1"/>
+                          </a:solidFill>
+                          <a:effectLst/>
+                          <a:latin typeface="+mn-lt"/>
+                          <a:ea typeface="+mn-ea"/>
+                          <a:cs typeface="+mn-cs"/>
+                        </a:rPr>
+                        <a:t>, </a:t>
+                      </a:r>
+                      <a:r>
+                        <a:rPr lang="en-US" sz="1100" kern="1200" dirty="0" err="1">
+                          <a:solidFill>
+                            <a:schemeClr val="dk1"/>
+                          </a:solidFill>
+                          <a:effectLst/>
+                          <a:latin typeface="+mn-lt"/>
+                          <a:ea typeface="+mn-ea"/>
+                          <a:cs typeface="+mn-cs"/>
+                        </a:rPr>
+                        <a:t>TCP_Window_Update</a:t>
+                      </a:r>
+                      <a:r>
+                        <a:rPr lang="en-US" sz="1100" kern="1200" dirty="0">
+                          <a:solidFill>
+                            <a:schemeClr val="dk1"/>
+                          </a:solidFill>
+                          <a:effectLst/>
+                          <a:latin typeface="+mn-lt"/>
+                          <a:ea typeface="+mn-ea"/>
+                          <a:cs typeface="+mn-cs"/>
+                        </a:rPr>
+                        <a:t>, TCP_CAM_PSH_ACK</a:t>
+                      </a:r>
+                      <a:endParaRPr lang="en-US" sz="1100" dirty="0"/>
+                    </a:p>
+                  </a:txBody>
+                  <a:tcPr/>
                 </a:tc>
                 <a:tc>
                   <a:txBody>
@@ -5335,25 +5253,35 @@
                         <a:defRPr/>
                       </a:pPr>
                       <a:r>
-                        <a:rPr lang="en-US" sz="1000" b="0" i="0" u="none" strike="noStrike" dirty="0">
-                          <a:solidFill>
-                            <a:srgbClr val="000000"/>
-                          </a:solidFill>
-                          <a:effectLst/>
-                          <a:latin typeface="+mn-lt"/>
-                        </a:rPr>
-                        <a:t>TCP RST</a:t>
-                      </a:r>
-                    </a:p>
-                  </a:txBody>
-                  <a:tcPr/>
-                </a:tc>
-                <a:tc>
-                  <a:txBody>
-                    <a:bodyPr/>
-                    <a:lstStyle/>
-                    <a:p>
-                      <a:pPr marL="0" marR="0" lvl="0" indent="0" algn="l" defTabSz="914400" rtl="0" eaLnBrk="1" fontAlgn="b" latinLnBrk="0" hangingPunct="1">
+                        <a:rPr lang="en-US" sz="1100" kern="1200" dirty="0">
+                          <a:solidFill>
+                            <a:schemeClr val="dk1"/>
+                          </a:solidFill>
+                          <a:effectLst/>
+                          <a:latin typeface="+mn-lt"/>
+                          <a:ea typeface="+mn-ea"/>
+                          <a:cs typeface="+mn-cs"/>
+                        </a:rPr>
+                        <a:t>TCP_SYN_ACK</a:t>
+                      </a:r>
+                      <a:endParaRPr lang="en-US" sz="1100" b="1" dirty="0"/>
+                    </a:p>
+                  </a:txBody>
+                  <a:tcPr/>
+                </a:tc>
+                <a:extLst>
+                  <a:ext uri="{0D108BD9-81ED-4DB2-BD59-A6C34878D82A}">
+                    <a16:rowId xmlns:a16="http://schemas.microsoft.com/office/drawing/2014/main" val="3706354028"/>
+                  </a:ext>
+                </a:extLst>
+              </a:tr>
+              <a:tr h="370840">
+                <a:tc>
+                  <a:txBody>
+                    <a:bodyPr/>
+                    <a:lstStyle/>
+                    <a:p>
+                      <a:pPr marL="0" marR="0" lvl="0" indent="0" algn="l" defTabSz="914400" rtl="0" eaLnBrk="1" fontAlgn="auto" latinLnBrk="0" hangingPunct="1">
                         <a:lnSpc>
                           <a:spcPct val="100000"/>
                         </a:lnSpc>
@@ -5371,71 +5299,45 @@
                         <a:defRPr/>
                       </a:pPr>
                       <a:r>
-                        <a:rPr kumimoji="0" lang="en-US" sz="1000" b="0" i="0" u="none" strike="noStrike" kern="1200" cap="none" spc="0" normalizeH="0" baseline="0" noProof="0" dirty="0">
-                          <a:ln>
-                            <a:noFill/>
-                          </a:ln>
-                          <a:solidFill>
-                            <a:srgbClr val="000000"/>
-                          </a:solidFill>
-                          <a:effectLst/>
-                          <a:uLnTx/>
-                          <a:uFillTx/>
-                          <a:latin typeface="+mn-lt"/>
-                          <a:ea typeface="+mn-ea"/>
-                          <a:cs typeface="+mn-cs"/>
-                        </a:rPr>
-                        <a:t>TLS Encrypted Alert</a:t>
-                      </a:r>
-                    </a:p>
-                  </a:txBody>
-                  <a:tcPr/>
-                </a:tc>
-                <a:extLst>
-                  <a:ext uri="{0D108BD9-81ED-4DB2-BD59-A6C34878D82A}">
-                    <a16:rowId xmlns:a16="http://schemas.microsoft.com/office/drawing/2014/main" val="4149804387"/>
-                  </a:ext>
-                </a:extLst>
-              </a:tr>
-              <a:tr h="370840">
-                <a:tc>
-                  <a:txBody>
-                    <a:bodyPr/>
-                    <a:lstStyle/>
-                    <a:p>
-                      <a:pPr algn="l" fontAlgn="b"/>
-                      <a:r>
-                        <a:rPr lang="en-US" sz="1000" b="0" i="0" u="none" strike="noStrike" dirty="0">
-                          <a:solidFill>
-                            <a:srgbClr val="000000"/>
-                          </a:solidFill>
-                          <a:effectLst/>
-                          <a:latin typeface="+mn-lt"/>
-                        </a:rPr>
-                        <a:t>TCP Out-Of-Order</a:t>
-                      </a:r>
-                    </a:p>
-                  </a:txBody>
-                  <a:tcPr marL="9525" marR="9525" marT="9525" marB="0" anchor="b"/>
-                </a:tc>
-                <a:tc>
-                  <a:txBody>
-                    <a:bodyPr/>
-                    <a:lstStyle/>
-                    <a:p>
-                      <a:endParaRPr lang="en-US" sz="1000">
-                        <a:latin typeface="+mn-lt"/>
-                      </a:endParaRPr>
-                    </a:p>
-                  </a:txBody>
-                  <a:tcPr/>
-                </a:tc>
-                <a:tc>
-                  <a:txBody>
-                    <a:bodyPr/>
-                    <a:lstStyle/>
-                    <a:p>
-                      <a:pPr marL="0" marR="0" lvl="0" indent="0" algn="l" defTabSz="914400" rtl="0" eaLnBrk="1" fontAlgn="b" latinLnBrk="0" hangingPunct="1">
+                        <a:rPr lang="en-US" sz="1100" kern="1200" dirty="0" err="1">
+                          <a:solidFill>
+                            <a:schemeClr val="dk1"/>
+                          </a:solidFill>
+                          <a:effectLst/>
+                          <a:latin typeface="+mn-lt"/>
+                          <a:ea typeface="+mn-ea"/>
+                          <a:cs typeface="+mn-cs"/>
+                        </a:rPr>
+                        <a:t>TCP_CAM_Duplicate_ACK</a:t>
+                      </a:r>
+                      <a:r>
+                        <a:rPr lang="en-US" sz="1100" kern="1200" dirty="0">
+                          <a:solidFill>
+                            <a:schemeClr val="dk1"/>
+                          </a:solidFill>
+                          <a:effectLst/>
+                          <a:latin typeface="+mn-lt"/>
+                          <a:ea typeface="+mn-ea"/>
+                          <a:cs typeface="+mn-cs"/>
+                        </a:rPr>
+                        <a:t>, </a:t>
+                      </a:r>
+                      <a:r>
+                        <a:rPr lang="en-US" sz="1100" kern="1200" dirty="0" err="1">
+                          <a:solidFill>
+                            <a:schemeClr val="dk1"/>
+                          </a:solidFill>
+                          <a:effectLst/>
+                          <a:latin typeface="+mn-lt"/>
+                          <a:ea typeface="+mn-ea"/>
+                          <a:cs typeface="+mn-cs"/>
+                        </a:rPr>
+                        <a:t>TCP_Window_Update</a:t>
+                      </a:r>
+                      <a:endParaRPr lang="en-US" sz="1100" b="1" dirty="0"/>
+                    </a:p>
+                    <a:p>
+                      <a:pPr marL="0" marR="0" lvl="0" indent="0" algn="l" defTabSz="914400" rtl="0" eaLnBrk="1" fontAlgn="auto" latinLnBrk="0" hangingPunct="1">
                         <a:lnSpc>
                           <a:spcPct val="100000"/>
                         </a:lnSpc>
@@ -5452,72 +5354,17 @@
                         <a:tabLst/>
                         <a:defRPr/>
                       </a:pPr>
-                      <a:r>
-                        <a:rPr kumimoji="0" lang="en-US" sz="1000" b="0" i="0" u="none" strike="noStrike" kern="1200" cap="none" spc="0" normalizeH="0" baseline="0" noProof="0" dirty="0">
-                          <a:ln>
-                            <a:noFill/>
-                          </a:ln>
-                          <a:solidFill>
-                            <a:srgbClr val="000000"/>
-                          </a:solidFill>
-                          <a:effectLst/>
-                          <a:uLnTx/>
-                          <a:uFillTx/>
-                          <a:latin typeface="+mn-lt"/>
-                          <a:ea typeface="+mn-ea"/>
-                          <a:cs typeface="+mn-cs"/>
-                        </a:rPr>
-                        <a:t>TCP CAM ACK</a:t>
-                      </a:r>
-                    </a:p>
-                  </a:txBody>
-                  <a:tcPr/>
-                </a:tc>
-                <a:extLst>
-                  <a:ext uri="{0D108BD9-81ED-4DB2-BD59-A6C34878D82A}">
-                    <a16:rowId xmlns:a16="http://schemas.microsoft.com/office/drawing/2014/main" val="3259813810"/>
-                  </a:ext>
-                </a:extLst>
-              </a:tr>
-              <a:tr h="370840">
-                <a:tc>
-                  <a:txBody>
-                    <a:bodyPr/>
-                    <a:lstStyle/>
-                    <a:p>
-                      <a:pPr algn="l" fontAlgn="b"/>
-                      <a:r>
-                        <a:rPr lang="en-US" sz="1000" b="0" i="0" u="none" strike="noStrike" dirty="0">
-                          <a:solidFill>
-                            <a:srgbClr val="000000"/>
-                          </a:solidFill>
-                          <a:effectLst/>
-                          <a:latin typeface="+mn-lt"/>
-                        </a:rPr>
-                        <a:t>TCP PSH Retransmission</a:t>
-                      </a:r>
-                    </a:p>
-                  </a:txBody>
-                  <a:tcPr marL="9525" marR="9525" marT="9525" marB="0" anchor="b"/>
-                </a:tc>
-                <a:tc>
-                  <a:txBody>
-                    <a:bodyPr/>
-                    <a:lstStyle/>
-                    <a:p>
-                      <a:endParaRPr lang="en-US" sz="1000">
-                        <a:latin typeface="+mn-lt"/>
-                      </a:endParaRPr>
-                    </a:p>
-                  </a:txBody>
-                  <a:tcPr/>
-                </a:tc>
-                <a:tc>
-                  <a:txBody>
-                    <a:bodyPr/>
-                    <a:lstStyle/>
-                    <a:p>
-                      <a:pPr marL="0" marR="0" lvl="0" indent="0" algn="l" defTabSz="914400" rtl="0" eaLnBrk="1" fontAlgn="b" latinLnBrk="0" hangingPunct="1">
+                      <a:endParaRPr lang="en-US" sz="1100" b="1" dirty="0"/>
+                    </a:p>
+                  </a:txBody>
+                  <a:tcPr/>
+                </a:tc>
+                <a:tc>
+                  <a:txBody>
+                    <a:bodyPr/>
+                    <a:lstStyle/>
+                    <a:p>
+                      <a:pPr marL="0" marR="0" lvl="0" indent="0" algn="l" defTabSz="914400" rtl="0" eaLnBrk="1" fontAlgn="auto" latinLnBrk="0" hangingPunct="1">
                         <a:lnSpc>
                           <a:spcPct val="100000"/>
                         </a:lnSpc>
@@ -5534,72 +5381,17 @@
                         <a:tabLst/>
                         <a:defRPr/>
                       </a:pPr>
-                      <a:r>
-                        <a:rPr kumimoji="0" lang="en-US" sz="1000" b="0" i="0" u="none" strike="noStrike" kern="1200" cap="none" spc="0" normalizeH="0" baseline="0" noProof="0" dirty="0">
-                          <a:ln>
-                            <a:noFill/>
-                          </a:ln>
-                          <a:solidFill>
-                            <a:srgbClr val="000000"/>
-                          </a:solidFill>
-                          <a:effectLst/>
-                          <a:uLnTx/>
-                          <a:uFillTx/>
-                          <a:latin typeface="+mn-lt"/>
-                          <a:ea typeface="+mn-ea"/>
-                          <a:cs typeface="+mn-cs"/>
-                        </a:rPr>
-                        <a:t>TCP DOM PSH ACK</a:t>
-                      </a:r>
-                    </a:p>
-                  </a:txBody>
-                  <a:tcPr/>
-                </a:tc>
-                <a:extLst>
-                  <a:ext uri="{0D108BD9-81ED-4DB2-BD59-A6C34878D82A}">
-                    <a16:rowId xmlns:a16="http://schemas.microsoft.com/office/drawing/2014/main" val="2146079305"/>
-                  </a:ext>
-                </a:extLst>
-              </a:tr>
-              <a:tr h="370840">
-                <a:tc>
-                  <a:txBody>
-                    <a:bodyPr/>
-                    <a:lstStyle/>
-                    <a:p>
-                      <a:pPr algn="l" fontAlgn="b"/>
-                      <a:r>
-                        <a:rPr lang="en-US" sz="1000" b="0" i="0" u="none" strike="noStrike" dirty="0">
-                          <a:solidFill>
-                            <a:srgbClr val="000000"/>
-                          </a:solidFill>
-                          <a:effectLst/>
-                          <a:latin typeface="+mn-lt"/>
-                        </a:rPr>
-                        <a:t>TCP PSH Window Full Retransmission</a:t>
-                      </a:r>
-                    </a:p>
-                  </a:txBody>
-                  <a:tcPr marL="9525" marR="9525" marT="9525" marB="0" anchor="b"/>
-                </a:tc>
-                <a:tc>
-                  <a:txBody>
-                    <a:bodyPr/>
-                    <a:lstStyle/>
-                    <a:p>
-                      <a:endParaRPr lang="en-US" sz="1000">
-                        <a:latin typeface="+mn-lt"/>
-                      </a:endParaRPr>
-                    </a:p>
-                  </a:txBody>
-                  <a:tcPr/>
-                </a:tc>
-                <a:tc>
-                  <a:txBody>
-                    <a:bodyPr/>
-                    <a:lstStyle/>
-                    <a:p>
-                      <a:pPr marL="0" marR="0" lvl="0" indent="0" algn="l" defTabSz="914400" rtl="0" eaLnBrk="1" fontAlgn="b" latinLnBrk="0" hangingPunct="1">
+                      <a:endParaRPr lang="en-US" sz="1100" dirty="0"/>
+                    </a:p>
+                  </a:txBody>
+                  <a:tcPr/>
+                </a:tc>
+                <a:tc>
+                  <a:txBody>
+                    <a:bodyPr/>
+                    <a:lstStyle/>
+                    <a:p>
+                      <a:pPr marL="0" marR="0" lvl="0" indent="0" algn="l" defTabSz="914400" rtl="0" eaLnBrk="1" fontAlgn="auto" latinLnBrk="0" hangingPunct="1">
                         <a:lnSpc>
                           <a:spcPct val="100000"/>
                         </a:lnSpc>
@@ -5617,130 +5409,21 @@
                         <a:defRPr/>
                       </a:pPr>
                       <a:r>
-                        <a:rPr kumimoji="0" lang="en-US" sz="1000" b="0" i="0" u="none" strike="noStrike" kern="1200" cap="none" spc="0" normalizeH="0" baseline="0" noProof="0" dirty="0">
-                          <a:ln>
-                            <a:noFill/>
-                          </a:ln>
-                          <a:solidFill>
-                            <a:srgbClr val="000000"/>
-                          </a:solidFill>
-                          <a:effectLst/>
-                          <a:uLnTx/>
-                          <a:uFillTx/>
-                          <a:latin typeface="+mn-lt"/>
-                          <a:ea typeface="+mn-ea"/>
-                          <a:cs typeface="+mn-cs"/>
-                        </a:rPr>
-                        <a:t>TCP DOM PSH ACK</a:t>
-                      </a:r>
-                    </a:p>
-                  </a:txBody>
-                  <a:tcPr/>
-                </a:tc>
-                <a:extLst>
-                  <a:ext uri="{0D108BD9-81ED-4DB2-BD59-A6C34878D82A}">
-                    <a16:rowId xmlns:a16="http://schemas.microsoft.com/office/drawing/2014/main" val="2505381223"/>
-                  </a:ext>
-                </a:extLst>
-              </a:tr>
-              <a:tr h="370840">
-                <a:tc>
-                  <a:txBody>
-                    <a:bodyPr/>
-                    <a:lstStyle/>
-                    <a:p>
-                      <a:pPr algn="l" fontAlgn="b"/>
-                      <a:r>
-                        <a:rPr lang="en-US" sz="1000" b="0" i="0" u="none" strike="noStrike" dirty="0">
-                          <a:solidFill>
-                            <a:srgbClr val="000000"/>
-                          </a:solidFill>
-                          <a:effectLst/>
-                          <a:latin typeface="+mn-lt"/>
-                        </a:rPr>
-                        <a:t>TCP Retransmission</a:t>
-                      </a:r>
-                    </a:p>
-                  </a:txBody>
-                  <a:tcPr marL="9525" marR="9525" marT="9525" marB="0" anchor="b"/>
-                </a:tc>
-                <a:tc>
-                  <a:txBody>
-                    <a:bodyPr/>
-                    <a:lstStyle/>
-                    <a:p>
-                      <a:endParaRPr lang="en-US" sz="1000">
-                        <a:latin typeface="+mn-lt"/>
-                      </a:endParaRPr>
-                    </a:p>
-                  </a:txBody>
-                  <a:tcPr/>
-                </a:tc>
-                <a:tc>
-                  <a:txBody>
-                    <a:bodyPr/>
-                    <a:lstStyle/>
-                    <a:p>
-                      <a:pPr algn="l" fontAlgn="b"/>
-                      <a:r>
-                        <a:rPr lang="en-US" sz="1000" b="0" i="0" u="none" strike="noStrike" dirty="0">
-                          <a:solidFill>
-                            <a:srgbClr val="000000"/>
-                          </a:solidFill>
-                          <a:effectLst/>
-                          <a:latin typeface="+mn-lt"/>
-                        </a:rPr>
-                        <a:t>TCP CAM Duplicate ACK</a:t>
-                      </a:r>
-                    </a:p>
-                  </a:txBody>
-                  <a:tcPr/>
-                </a:tc>
-                <a:extLst>
-                  <a:ext uri="{0D108BD9-81ED-4DB2-BD59-A6C34878D82A}">
-                    <a16:rowId xmlns:a16="http://schemas.microsoft.com/office/drawing/2014/main" val="2542000126"/>
-                  </a:ext>
-                </a:extLst>
-              </a:tr>
-              <a:tr h="370840">
-                <a:tc>
-                  <a:txBody>
-                    <a:bodyPr/>
-                    <a:lstStyle/>
-                    <a:p>
-                      <a:pPr algn="l" fontAlgn="b"/>
-                      <a:r>
-                        <a:rPr lang="en-US" sz="1000" b="0" i="0" u="none" strike="noStrike" dirty="0">
-                          <a:solidFill>
-                            <a:srgbClr val="000000"/>
-                          </a:solidFill>
-                          <a:effectLst/>
-                          <a:latin typeface="+mn-lt"/>
-                        </a:rPr>
-                        <a:t>TCP RST</a:t>
-                      </a:r>
-                    </a:p>
-                  </a:txBody>
-                  <a:tcPr marL="9525" marR="9525" marT="9525" marB="0" anchor="b"/>
-                </a:tc>
-                <a:tc>
-                  <a:txBody>
-                    <a:bodyPr/>
-                    <a:lstStyle/>
-                    <a:p>
-                      <a:endParaRPr lang="en-US" sz="1000">
-                        <a:latin typeface="+mn-lt"/>
-                      </a:endParaRPr>
-                    </a:p>
-                  </a:txBody>
-                  <a:tcPr/>
-                </a:tc>
-                <a:tc>
-                  <a:txBody>
-                    <a:bodyPr/>
-                    <a:lstStyle/>
-                    <a:p>
-                      <a:pPr marL="0" marR="0" lvl="0" indent="0" algn="l" defTabSz="914400" rtl="0" eaLnBrk="1" fontAlgn="b" latinLnBrk="0" hangingPunct="1">
+                        <a:rPr lang="en-US" sz="1100" kern="1200" dirty="0">
+                          <a:solidFill>
+                            <a:schemeClr val="dk1"/>
+                          </a:solidFill>
+                          <a:effectLst/>
+                          <a:latin typeface="+mn-lt"/>
+                          <a:ea typeface="+mn-ea"/>
+                          <a:cs typeface="+mn-cs"/>
+                        </a:rPr>
+                        <a:t>TCP_CAM_ACK</a:t>
+                      </a:r>
+                      <a:endParaRPr lang="en-US" sz="1100" b="1" dirty="0"/>
+                    </a:p>
+                    <a:p>
+                      <a:pPr marL="0" marR="0" lvl="0" indent="0" algn="l" defTabSz="914400" rtl="0" eaLnBrk="1" fontAlgn="auto" latinLnBrk="0" hangingPunct="1">
                         <a:lnSpc>
                           <a:spcPct val="100000"/>
                         </a:lnSpc>
@@ -5757,30 +5440,14 @@
                         <a:tabLst/>
                         <a:defRPr/>
                       </a:pPr>
-                      <a:r>
-                        <a:rPr kumimoji="0" lang="en-US" sz="1000" b="0" i="0" u="none" strike="noStrike" kern="1200" cap="none" spc="0" normalizeH="0" baseline="0" noProof="0" dirty="0">
-                          <a:ln>
-                            <a:noFill/>
-                          </a:ln>
-                          <a:solidFill>
-                            <a:srgbClr val="000000"/>
-                          </a:solidFill>
-                          <a:effectLst/>
-                          <a:uLnTx/>
-                          <a:uFillTx/>
-                          <a:latin typeface="+mn-lt"/>
-                          <a:ea typeface="+mn-ea"/>
-                          <a:cs typeface="+mn-cs"/>
-                        </a:rPr>
-                        <a:t>TCP FIN</a:t>
-                      </a:r>
+                      <a:endParaRPr lang="en-US" sz="1100" b="1" dirty="0"/>
                     </a:p>
                   </a:txBody>
                   <a:tcPr/>
                 </a:tc>
                 <a:extLst>
                   <a:ext uri="{0D108BD9-81ED-4DB2-BD59-A6C34878D82A}">
-                    <a16:rowId xmlns:a16="http://schemas.microsoft.com/office/drawing/2014/main" val="1211109543"/>
+                    <a16:rowId xmlns:a16="http://schemas.microsoft.com/office/drawing/2014/main" val="2178730255"/>
                   </a:ext>
                 </a:extLst>
               </a:tr>
@@ -5790,42 +5457,7 @@
                     <a:bodyPr/>
                     <a:lstStyle/>
                     <a:p>
-                      <a:pPr algn="l" fontAlgn="b"/>
-                      <a:r>
-                        <a:rPr lang="en-US" sz="1000" b="0" i="0" u="none" strike="noStrike" dirty="0">
-                          <a:solidFill>
-                            <a:srgbClr val="000000"/>
-                          </a:solidFill>
-                          <a:effectLst/>
-                          <a:latin typeface="+mn-lt"/>
-                        </a:rPr>
-                        <a:t>TCP SYN</a:t>
-                      </a:r>
-                    </a:p>
-                  </a:txBody>
-                  <a:tcPr marL="9525" marR="9525" marT="9525" marB="0" anchor="b"/>
-                </a:tc>
-                <a:tc>
-                  <a:txBody>
-                    <a:bodyPr/>
-                    <a:lstStyle/>
-                    <a:p>
-                      <a:r>
-                        <a:rPr lang="en-US" sz="1000" dirty="0">
-                          <a:latin typeface="+mn-lt"/>
-                        </a:rPr>
-                        <a:t>TCP SYN ACK</a:t>
-                      </a:r>
-                    </a:p>
-                  </a:txBody>
-                  <a:tcPr/>
-                </a:tc>
-                <a:tc>
-                  <a:txBody>
-                    <a:bodyPr/>
-                    <a:lstStyle/>
-                    <a:p>
-                      <a:pPr marL="0" marR="0" lvl="0" indent="0" algn="l" defTabSz="914400" rtl="0" eaLnBrk="1" fontAlgn="b" latinLnBrk="0" hangingPunct="1">
+                      <a:pPr marL="0" marR="0" lvl="0" indent="0" algn="l" defTabSz="914400" rtl="0" eaLnBrk="1" fontAlgn="auto" latinLnBrk="0" hangingPunct="1">
                         <a:lnSpc>
                           <a:spcPct val="100000"/>
                         </a:lnSpc>
@@ -5843,29 +5475,587 @@
                         <a:defRPr/>
                       </a:pPr>
                       <a:r>
-                        <a:rPr kumimoji="0" lang="en-US" sz="1000" b="0" i="0" u="none" strike="noStrike" kern="1200" cap="none" spc="0" normalizeH="0" baseline="0" noProof="0" dirty="0">
-                          <a:ln>
-                            <a:noFill/>
-                          </a:ln>
-                          <a:solidFill>
-                            <a:srgbClr val="000000"/>
-                          </a:solidFill>
-                          <a:effectLst/>
-                          <a:uLnTx/>
-                          <a:uFillTx/>
-                          <a:latin typeface="+mn-lt"/>
-                          <a:ea typeface="+mn-ea"/>
-                          <a:cs typeface="+mn-cs"/>
-                        </a:rPr>
-                        <a:t>DNS Response</a:t>
-                      </a:r>
+                        <a:rPr lang="en-US" sz="1100" kern="1200" dirty="0">
+                          <a:solidFill>
+                            <a:schemeClr val="dk1"/>
+                          </a:solidFill>
+                          <a:effectLst/>
+                          <a:latin typeface="+mn-lt"/>
+                          <a:ea typeface="+mn-ea"/>
+                          <a:cs typeface="+mn-cs"/>
+                        </a:rPr>
+                        <a:t>TCP_CAM_PSH_ACK</a:t>
+                      </a:r>
+                      <a:endParaRPr lang="en-US" sz="1100" b="1" dirty="0"/>
+                    </a:p>
+                  </a:txBody>
+                  <a:tcPr/>
+                </a:tc>
+                <a:tc>
+                  <a:txBody>
+                    <a:bodyPr/>
+                    <a:lstStyle/>
+                    <a:p>
+                      <a:pPr marL="0" marR="0" lvl="0" indent="0" algn="l" defTabSz="914400" rtl="0" eaLnBrk="1" fontAlgn="auto" latinLnBrk="0" hangingPunct="1">
+                        <a:lnSpc>
+                          <a:spcPct val="100000"/>
+                        </a:lnSpc>
+                        <a:spcBef>
+                          <a:spcPts val="0"/>
+                        </a:spcBef>
+                        <a:spcAft>
+                          <a:spcPts val="0"/>
+                        </a:spcAft>
+                        <a:buClrTx/>
+                        <a:buSzTx/>
+                        <a:buFontTx/>
+                        <a:buNone/>
+                        <a:tabLst/>
+                        <a:defRPr/>
+                      </a:pPr>
+                      <a:r>
+                        <a:rPr lang="en-US" sz="1100" kern="1200" dirty="0" err="1">
+                          <a:solidFill>
+                            <a:schemeClr val="dk1"/>
+                          </a:solidFill>
+                          <a:effectLst/>
+                          <a:latin typeface="+mn-lt"/>
+                          <a:ea typeface="+mn-ea"/>
+                          <a:cs typeface="+mn-cs"/>
+                        </a:rPr>
+                        <a:t>TCP_Out_Of_Order</a:t>
+                      </a:r>
+                      <a:r>
+                        <a:rPr lang="en-US" sz="1100" kern="1200" dirty="0">
+                          <a:solidFill>
+                            <a:schemeClr val="dk1"/>
+                          </a:solidFill>
+                          <a:effectLst/>
+                          <a:latin typeface="+mn-lt"/>
+                          <a:ea typeface="+mn-ea"/>
+                          <a:cs typeface="+mn-cs"/>
+                        </a:rPr>
+                        <a:t>, </a:t>
+                      </a:r>
+                      <a:r>
+                        <a:rPr lang="en-US" sz="1100" kern="1200" dirty="0" err="1">
+                          <a:solidFill>
+                            <a:schemeClr val="dk1"/>
+                          </a:solidFill>
+                          <a:effectLst/>
+                          <a:latin typeface="+mn-lt"/>
+                          <a:ea typeface="+mn-ea"/>
+                          <a:cs typeface="+mn-cs"/>
+                        </a:rPr>
+                        <a:t>TCP_Retransmission</a:t>
+                      </a:r>
+                      <a:r>
+                        <a:rPr lang="en-US" sz="1100" kern="1200" dirty="0">
+                          <a:solidFill>
+                            <a:schemeClr val="dk1"/>
+                          </a:solidFill>
+                          <a:effectLst/>
+                          <a:latin typeface="+mn-lt"/>
+                          <a:ea typeface="+mn-ea"/>
+                          <a:cs typeface="+mn-cs"/>
+                        </a:rPr>
+                        <a:t>, </a:t>
+                      </a:r>
+                      <a:r>
+                        <a:rPr lang="en-US" sz="1100" kern="1200" dirty="0" err="1">
+                          <a:solidFill>
+                            <a:schemeClr val="dk1"/>
+                          </a:solidFill>
+                          <a:effectLst/>
+                          <a:latin typeface="+mn-lt"/>
+                          <a:ea typeface="+mn-ea"/>
+                          <a:cs typeface="+mn-cs"/>
+                        </a:rPr>
+                        <a:t>TCP_PSH_Retransmission</a:t>
+                      </a:r>
+                      <a:r>
+                        <a:rPr lang="en-US" sz="1100" kern="1200" dirty="0">
+                          <a:solidFill>
+                            <a:schemeClr val="dk1"/>
+                          </a:solidFill>
+                          <a:effectLst/>
+                          <a:latin typeface="+mn-lt"/>
+                          <a:ea typeface="+mn-ea"/>
+                          <a:cs typeface="+mn-cs"/>
+                        </a:rPr>
+                        <a:t>, </a:t>
+                      </a:r>
+                      <a:r>
+                        <a:rPr lang="en-US" sz="1100" kern="1200" dirty="0" err="1">
+                          <a:solidFill>
+                            <a:schemeClr val="dk1"/>
+                          </a:solidFill>
+                          <a:effectLst/>
+                          <a:latin typeface="+mn-lt"/>
+                          <a:ea typeface="+mn-ea"/>
+                          <a:cs typeface="+mn-cs"/>
+                        </a:rPr>
+                        <a:t>TCP_PSH_Window_FUll_Retransmission</a:t>
+                      </a:r>
+                      <a:endParaRPr lang="en-US" sz="1100" dirty="0"/>
+                    </a:p>
+                  </a:txBody>
+                  <a:tcPr/>
+                </a:tc>
+                <a:tc>
+                  <a:txBody>
+                    <a:bodyPr/>
+                    <a:lstStyle/>
+                    <a:p>
+                      <a:pPr marL="0" marR="0" lvl="0" indent="0" algn="l" defTabSz="914400" rtl="0" eaLnBrk="1" fontAlgn="auto" latinLnBrk="0" hangingPunct="1">
+                        <a:lnSpc>
+                          <a:spcPct val="100000"/>
+                        </a:lnSpc>
+                        <a:spcBef>
+                          <a:spcPts val="0"/>
+                        </a:spcBef>
+                        <a:spcAft>
+                          <a:spcPts val="0"/>
+                        </a:spcAft>
+                        <a:buClrTx/>
+                        <a:buSzTx/>
+                        <a:buFontTx/>
+                        <a:buNone/>
+                        <a:tabLst/>
+                        <a:defRPr/>
+                      </a:pPr>
+                      <a:r>
+                        <a:rPr lang="en-US" sz="1100" kern="1200" dirty="0">
+                          <a:solidFill>
+                            <a:schemeClr val="dk1"/>
+                          </a:solidFill>
+                          <a:effectLst/>
+                          <a:latin typeface="+mn-lt"/>
+                          <a:ea typeface="+mn-ea"/>
+                          <a:cs typeface="+mn-cs"/>
+                        </a:rPr>
+                        <a:t>TCP_CAM_ACK</a:t>
+                      </a:r>
+                      <a:endParaRPr lang="en-US" sz="1100" b="1" dirty="0"/>
+                    </a:p>
+                    <a:p>
+                      <a:pPr marL="0" marR="0" lvl="0" indent="0" algn="l" defTabSz="914400" rtl="0" eaLnBrk="1" fontAlgn="auto" latinLnBrk="0" hangingPunct="1">
+                        <a:lnSpc>
+                          <a:spcPct val="100000"/>
+                        </a:lnSpc>
+                        <a:spcBef>
+                          <a:spcPts val="0"/>
+                        </a:spcBef>
+                        <a:spcAft>
+                          <a:spcPts val="0"/>
+                        </a:spcAft>
+                        <a:buClrTx/>
+                        <a:buSzTx/>
+                        <a:buFontTx/>
+                        <a:buNone/>
+                        <a:tabLst/>
+                        <a:defRPr/>
+                      </a:pPr>
+                      <a:endParaRPr lang="en-US" sz="1100" b="1" dirty="0"/>
                     </a:p>
                   </a:txBody>
                   <a:tcPr/>
                 </a:tc>
                 <a:extLst>
                   <a:ext uri="{0D108BD9-81ED-4DB2-BD59-A6C34878D82A}">
-                    <a16:rowId xmlns:a16="http://schemas.microsoft.com/office/drawing/2014/main" val="57539129"/>
+                    <a16:rowId xmlns:a16="http://schemas.microsoft.com/office/drawing/2014/main" val="3695682010"/>
+                  </a:ext>
+                </a:extLst>
+              </a:tr>
+              <a:tr h="370840">
+                <a:tc>
+                  <a:txBody>
+                    <a:bodyPr/>
+                    <a:lstStyle/>
+                    <a:p>
+                      <a:pPr marL="0" marR="0" lvl="0" indent="0" algn="l" defTabSz="914400" rtl="0" eaLnBrk="1" fontAlgn="auto" latinLnBrk="0" hangingPunct="1">
+                        <a:lnSpc>
+                          <a:spcPct val="100000"/>
+                        </a:lnSpc>
+                        <a:spcBef>
+                          <a:spcPts val="0"/>
+                        </a:spcBef>
+                        <a:spcAft>
+                          <a:spcPts val="0"/>
+                        </a:spcAft>
+                        <a:buClrTx/>
+                        <a:buSzTx/>
+                        <a:buFontTx/>
+                        <a:buNone/>
+                        <a:tabLst/>
+                        <a:defRPr/>
+                      </a:pPr>
+                      <a:r>
+                        <a:rPr lang="en-US" sz="1100" kern="1200" dirty="0" err="1">
+                          <a:solidFill>
+                            <a:schemeClr val="dk1"/>
+                          </a:solidFill>
+                          <a:effectLst/>
+                          <a:latin typeface="+mn-lt"/>
+                          <a:ea typeface="+mn-ea"/>
+                          <a:cs typeface="+mn-cs"/>
+                        </a:rPr>
+                        <a:t>TCP_Out_Of_Order</a:t>
+                      </a:r>
+                      <a:r>
+                        <a:rPr lang="en-US" sz="1100" kern="1200" dirty="0">
+                          <a:solidFill>
+                            <a:schemeClr val="dk1"/>
+                          </a:solidFill>
+                          <a:effectLst/>
+                          <a:latin typeface="+mn-lt"/>
+                          <a:ea typeface="+mn-ea"/>
+                          <a:cs typeface="+mn-cs"/>
+                        </a:rPr>
+                        <a:t>, </a:t>
+                      </a:r>
+                      <a:r>
+                        <a:rPr lang="en-US" sz="1100" kern="1200" dirty="0" err="1">
+                          <a:solidFill>
+                            <a:schemeClr val="dk1"/>
+                          </a:solidFill>
+                          <a:effectLst/>
+                          <a:latin typeface="+mn-lt"/>
+                          <a:ea typeface="+mn-ea"/>
+                          <a:cs typeface="+mn-cs"/>
+                        </a:rPr>
+                        <a:t>TCP_Retransmission</a:t>
+                      </a:r>
+                      <a:r>
+                        <a:rPr lang="en-US" sz="1100" kern="1200" dirty="0">
+                          <a:solidFill>
+                            <a:schemeClr val="dk1"/>
+                          </a:solidFill>
+                          <a:effectLst/>
+                          <a:latin typeface="+mn-lt"/>
+                          <a:ea typeface="+mn-ea"/>
+                          <a:cs typeface="+mn-cs"/>
+                        </a:rPr>
+                        <a:t>, </a:t>
+                      </a:r>
+                      <a:r>
+                        <a:rPr lang="en-US" sz="1100" kern="1200" dirty="0" err="1">
+                          <a:solidFill>
+                            <a:schemeClr val="dk1"/>
+                          </a:solidFill>
+                          <a:effectLst/>
+                          <a:latin typeface="+mn-lt"/>
+                          <a:ea typeface="+mn-ea"/>
+                          <a:cs typeface="+mn-cs"/>
+                        </a:rPr>
+                        <a:t>TCP_PSH_Retransmission</a:t>
+                      </a:r>
+                      <a:r>
+                        <a:rPr lang="en-US" sz="1100" kern="1200" dirty="0">
+                          <a:solidFill>
+                            <a:schemeClr val="dk1"/>
+                          </a:solidFill>
+                          <a:effectLst/>
+                          <a:latin typeface="+mn-lt"/>
+                          <a:ea typeface="+mn-ea"/>
+                          <a:cs typeface="+mn-cs"/>
+                        </a:rPr>
+                        <a:t>, </a:t>
+                      </a:r>
+                      <a:r>
+                        <a:rPr lang="en-US" sz="1100" kern="1200" dirty="0" err="1">
+                          <a:solidFill>
+                            <a:schemeClr val="dk1"/>
+                          </a:solidFill>
+                          <a:effectLst/>
+                          <a:latin typeface="+mn-lt"/>
+                          <a:ea typeface="+mn-ea"/>
+                          <a:cs typeface="+mn-cs"/>
+                        </a:rPr>
+                        <a:t>TCP_PSH_Window_FUll_Retransmission</a:t>
+                      </a:r>
+                      <a:endParaRPr lang="en-US" sz="1100" dirty="0"/>
+                    </a:p>
+                    <a:p>
+                      <a:pPr marL="0" marR="0" lvl="0" indent="0" algn="l" defTabSz="914400" rtl="0" eaLnBrk="1" fontAlgn="auto" latinLnBrk="0" hangingPunct="1">
+                        <a:lnSpc>
+                          <a:spcPct val="100000"/>
+                        </a:lnSpc>
+                        <a:spcBef>
+                          <a:spcPts val="0"/>
+                        </a:spcBef>
+                        <a:spcAft>
+                          <a:spcPts val="0"/>
+                        </a:spcAft>
+                        <a:buClrTx/>
+                        <a:buSzTx/>
+                        <a:buFontTx/>
+                        <a:buNone/>
+                        <a:tabLst/>
+                        <a:defRPr/>
+                      </a:pPr>
+                      <a:endParaRPr lang="en-US" sz="1100" b="1" dirty="0"/>
+                    </a:p>
+                  </a:txBody>
+                  <a:tcPr/>
+                </a:tc>
+                <a:tc>
+                  <a:txBody>
+                    <a:bodyPr/>
+                    <a:lstStyle/>
+                    <a:p>
+                      <a:pPr marL="0" marR="0" lvl="0" indent="0" algn="l" defTabSz="914400" rtl="0" eaLnBrk="1" fontAlgn="auto" latinLnBrk="0" hangingPunct="1">
+                        <a:lnSpc>
+                          <a:spcPct val="100000"/>
+                        </a:lnSpc>
+                        <a:spcBef>
+                          <a:spcPts val="0"/>
+                        </a:spcBef>
+                        <a:spcAft>
+                          <a:spcPts val="0"/>
+                        </a:spcAft>
+                        <a:buClrTx/>
+                        <a:buSzTx/>
+                        <a:buFontTx/>
+                        <a:buNone/>
+                        <a:tabLst/>
+                        <a:defRPr/>
+                      </a:pPr>
+                      <a:endParaRPr lang="en-US" sz="1100" dirty="0"/>
+                    </a:p>
+                  </a:txBody>
+                  <a:tcPr/>
+                </a:tc>
+                <a:tc>
+                  <a:txBody>
+                    <a:bodyPr/>
+                    <a:lstStyle/>
+                    <a:p>
+                      <a:pPr marL="0" marR="0" lvl="0" indent="0" algn="l" defTabSz="914400" rtl="0" eaLnBrk="1" fontAlgn="auto" latinLnBrk="0" hangingPunct="1">
+                        <a:lnSpc>
+                          <a:spcPct val="100000"/>
+                        </a:lnSpc>
+                        <a:spcBef>
+                          <a:spcPts val="0"/>
+                        </a:spcBef>
+                        <a:spcAft>
+                          <a:spcPts val="0"/>
+                        </a:spcAft>
+                        <a:buClrTx/>
+                        <a:buSzTx/>
+                        <a:buFontTx/>
+                        <a:buNone/>
+                        <a:tabLst/>
+                        <a:defRPr/>
+                      </a:pPr>
+                      <a:r>
+                        <a:rPr lang="en-US" sz="1100" kern="1200" dirty="0">
+                          <a:solidFill>
+                            <a:schemeClr val="dk1"/>
+                          </a:solidFill>
+                          <a:effectLst/>
+                          <a:latin typeface="+mn-lt"/>
+                          <a:ea typeface="+mn-ea"/>
+                          <a:cs typeface="+mn-cs"/>
+                        </a:rPr>
+                        <a:t>TCP_CAM_PSH_ACK</a:t>
+                      </a:r>
+                      <a:endParaRPr lang="en-US" sz="1100" b="1" dirty="0"/>
+                    </a:p>
+                    <a:p>
+                      <a:pPr marL="0" marR="0" lvl="0" indent="0" algn="l" defTabSz="914400" rtl="0" eaLnBrk="1" fontAlgn="auto" latinLnBrk="0" hangingPunct="1">
+                        <a:lnSpc>
+                          <a:spcPct val="100000"/>
+                        </a:lnSpc>
+                        <a:spcBef>
+                          <a:spcPts val="0"/>
+                        </a:spcBef>
+                        <a:spcAft>
+                          <a:spcPts val="0"/>
+                        </a:spcAft>
+                        <a:buClrTx/>
+                        <a:buSzTx/>
+                        <a:buFontTx/>
+                        <a:buNone/>
+                        <a:tabLst/>
+                        <a:defRPr/>
+                      </a:pPr>
+                      <a:endParaRPr lang="en-US" sz="1100" b="1" dirty="0"/>
+                    </a:p>
+                  </a:txBody>
+                  <a:tcPr/>
+                </a:tc>
+                <a:extLst>
+                  <a:ext uri="{0D108BD9-81ED-4DB2-BD59-A6C34878D82A}">
+                    <a16:rowId xmlns:a16="http://schemas.microsoft.com/office/drawing/2014/main" val="2149706558"/>
+                  </a:ext>
+                </a:extLst>
+              </a:tr>
+              <a:tr h="370840">
+                <a:tc>
+                  <a:txBody>
+                    <a:bodyPr/>
+                    <a:lstStyle/>
+                    <a:p>
+                      <a:pPr marL="0" marR="0" lvl="0" indent="0" algn="l" defTabSz="914400" rtl="0" eaLnBrk="1" fontAlgn="auto" latinLnBrk="0" hangingPunct="1">
+                        <a:lnSpc>
+                          <a:spcPct val="100000"/>
+                        </a:lnSpc>
+                        <a:spcBef>
+                          <a:spcPts val="0"/>
+                        </a:spcBef>
+                        <a:spcAft>
+                          <a:spcPts val="0"/>
+                        </a:spcAft>
+                        <a:buClrTx/>
+                        <a:buSzTx/>
+                        <a:buFontTx/>
+                        <a:buNone/>
+                        <a:tabLst/>
+                        <a:defRPr/>
+                      </a:pPr>
+                      <a:r>
+                        <a:rPr lang="en-US" sz="1100" kern="1200" dirty="0">
+                          <a:solidFill>
+                            <a:schemeClr val="dk1"/>
+                          </a:solidFill>
+                          <a:effectLst/>
+                          <a:latin typeface="+mn-lt"/>
+                          <a:ea typeface="+mn-ea"/>
+                          <a:cs typeface="+mn-cs"/>
+                        </a:rPr>
+                        <a:t>TCP_DOM_ACK</a:t>
+                      </a:r>
+                      <a:endParaRPr lang="en-US" sz="1100" b="1" dirty="0"/>
+                    </a:p>
+                  </a:txBody>
+                  <a:tcPr/>
+                </a:tc>
+                <a:tc>
+                  <a:txBody>
+                    <a:bodyPr/>
+                    <a:lstStyle/>
+                    <a:p>
+                      <a:pPr marL="0" marR="0" lvl="0" indent="0" algn="l" defTabSz="914400" rtl="0" eaLnBrk="1" fontAlgn="auto" latinLnBrk="0" hangingPunct="1">
+                        <a:lnSpc>
+                          <a:spcPct val="100000"/>
+                        </a:lnSpc>
+                        <a:spcBef>
+                          <a:spcPts val="0"/>
+                        </a:spcBef>
+                        <a:spcAft>
+                          <a:spcPts val="0"/>
+                        </a:spcAft>
+                        <a:buClrTx/>
+                        <a:buSzTx/>
+                        <a:buFontTx/>
+                        <a:buNone/>
+                        <a:tabLst/>
+                        <a:defRPr/>
+                      </a:pPr>
+                      <a:r>
+                        <a:rPr lang="en-US" sz="1100" kern="1200" dirty="0" err="1">
+                          <a:solidFill>
+                            <a:schemeClr val="dk1"/>
+                          </a:solidFill>
+                          <a:effectLst/>
+                          <a:latin typeface="+mn-lt"/>
+                          <a:ea typeface="+mn-ea"/>
+                          <a:cs typeface="+mn-cs"/>
+                        </a:rPr>
+                        <a:t>TCP_DOM_Duplicate_ACK</a:t>
+                      </a:r>
+                      <a:r>
+                        <a:rPr lang="en-US" sz="1100" kern="1200" dirty="0">
+                          <a:solidFill>
+                            <a:schemeClr val="dk1"/>
+                          </a:solidFill>
+                          <a:effectLst/>
+                          <a:latin typeface="+mn-lt"/>
+                          <a:ea typeface="+mn-ea"/>
+                          <a:cs typeface="+mn-cs"/>
+                        </a:rPr>
+                        <a:t>, TCP_DOM_PSH_ACK, </a:t>
+                      </a:r>
+                      <a:r>
+                        <a:rPr lang="en-US" sz="1100" kern="1200" dirty="0" err="1">
+                          <a:solidFill>
+                            <a:schemeClr val="dk1"/>
+                          </a:solidFill>
+                          <a:effectLst/>
+                          <a:latin typeface="+mn-lt"/>
+                          <a:ea typeface="+mn-ea"/>
+                          <a:cs typeface="+mn-cs"/>
+                        </a:rPr>
+                        <a:t>TCP_Uncaptured</a:t>
+                      </a:r>
+                      <a:endParaRPr lang="en-US" sz="1100" dirty="0"/>
+                    </a:p>
+                  </a:txBody>
+                  <a:tcPr/>
+                </a:tc>
+                <a:tc>
+                  <a:txBody>
+                    <a:bodyPr/>
+                    <a:lstStyle/>
+                    <a:p>
+                      <a:pPr marL="0" marR="0" lvl="0" indent="0" algn="l" defTabSz="914400" rtl="0" eaLnBrk="1" fontAlgn="auto" latinLnBrk="0" hangingPunct="1">
+                        <a:lnSpc>
+                          <a:spcPct val="100000"/>
+                        </a:lnSpc>
+                        <a:spcBef>
+                          <a:spcPts val="0"/>
+                        </a:spcBef>
+                        <a:spcAft>
+                          <a:spcPts val="0"/>
+                        </a:spcAft>
+                        <a:buClrTx/>
+                        <a:buSzTx/>
+                        <a:buFontTx/>
+                        <a:buNone/>
+                        <a:tabLst/>
+                        <a:defRPr/>
+                      </a:pPr>
+                      <a:r>
+                        <a:rPr lang="en-US" sz="1100" kern="1200" dirty="0">
+                          <a:solidFill>
+                            <a:schemeClr val="dk1"/>
+                          </a:solidFill>
+                          <a:effectLst/>
+                          <a:latin typeface="+mn-lt"/>
+                          <a:ea typeface="+mn-ea"/>
+                          <a:cs typeface="+mn-cs"/>
+                        </a:rPr>
+                        <a:t>TCP_SYN_ACK</a:t>
+                      </a:r>
+                      <a:endParaRPr lang="en-US" sz="1100" b="1" dirty="0"/>
+                    </a:p>
+                    <a:p>
+                      <a:pPr marL="0" marR="0" lvl="0" indent="0" algn="l" defTabSz="914400" rtl="0" eaLnBrk="1" fontAlgn="auto" latinLnBrk="0" hangingPunct="1">
+                        <a:lnSpc>
+                          <a:spcPct val="100000"/>
+                        </a:lnSpc>
+                        <a:spcBef>
+                          <a:spcPts val="0"/>
+                        </a:spcBef>
+                        <a:spcAft>
+                          <a:spcPts val="0"/>
+                        </a:spcAft>
+                        <a:buClrTx/>
+                        <a:buSzTx/>
+                        <a:buFontTx/>
+                        <a:buNone/>
+                        <a:tabLst/>
+                        <a:defRPr/>
+                      </a:pPr>
+                      <a:endParaRPr lang="en-US" sz="1100" b="1" dirty="0"/>
+                    </a:p>
+                  </a:txBody>
+                  <a:tcPr/>
+                </a:tc>
+                <a:extLst>
+                  <a:ext uri="{0D108BD9-81ED-4DB2-BD59-A6C34878D82A}">
+                    <a16:rowId xmlns:a16="http://schemas.microsoft.com/office/drawing/2014/main" val="2094896117"/>
                   </a:ext>
                 </a:extLst>
               </a:tr>
@@ -5876,7 +6066,7 @@
     </p:spTree>
     <p:extLst>
       <p:ext uri="{BB962C8B-B14F-4D97-AF65-F5344CB8AC3E}">
-        <p14:creationId xmlns:p14="http://schemas.microsoft.com/office/powerpoint/2010/main" val="3981412358"/>
+        <p14:creationId xmlns:p14="http://schemas.microsoft.com/office/powerpoint/2010/main" val="791622770"/>
       </p:ext>
     </p:extLst>
   </p:cSld>
@@ -5908,7 +6098,7 @@
           <p:cNvPr id="4" name="Table 4">
             <a:extLst>
               <a:ext uri="{FF2B5EF4-FFF2-40B4-BE49-F238E27FC236}">
-                <a16:creationId xmlns:a16="http://schemas.microsoft.com/office/drawing/2014/main" id="{10AC0532-9219-73BA-AD66-1DF0176E8535}"/>
+                <a16:creationId xmlns:a16="http://schemas.microsoft.com/office/drawing/2014/main" id="{C183757A-7285-D884-23A3-F0EB171CE3C1}"/>
               </a:ext>
             </a:extLst>
           </p:cNvPr>
@@ -5916,16 +6106,17 @@
             <a:graphicFrameLocks noGrp="1"/>
           </p:cNvGraphicFramePr>
           <p:nvPr>
+            <p:ph idx="1"/>
             <p:extLst>
               <p:ext uri="{D42A27DB-BD31-4B8C-83A1-F6EECF244321}">
-                <p14:modId xmlns:p14="http://schemas.microsoft.com/office/powerpoint/2010/main" val="306408176"/>
+                <p14:modId xmlns:p14="http://schemas.microsoft.com/office/powerpoint/2010/main" val="1898337392"/>
               </p:ext>
             </p:extLst>
           </p:nvPr>
         </p:nvGraphicFramePr>
         <p:xfrm>
-          <a:off x="557214" y="242887"/>
-          <a:ext cx="11415711" cy="6592708"/>
+          <a:off x="537575" y="823543"/>
+          <a:ext cx="10515597" cy="4841240"/>
         </p:xfrm>
         <a:graphic>
           <a:graphicData uri="http://schemas.openxmlformats.org/drawingml/2006/table">
@@ -5934,36 +6125,36 @@
                 <a:tableStyleId>{5C22544A-7EE6-4342-B048-85BDC9FD1C3A}</a:tableStyleId>
               </a:tblPr>
               <a:tblGrid>
-                <a:gridCol w="3805237">
+                <a:gridCol w="3505199">
                   <a:extLst>
                     <a:ext uri="{9D8B030D-6E8A-4147-A177-3AD203B41FA5}">
-                      <a16:colId xmlns:a16="http://schemas.microsoft.com/office/drawing/2014/main" val="2423507138"/>
+                      <a16:colId xmlns:a16="http://schemas.microsoft.com/office/drawing/2014/main" val="2965216471"/>
                     </a:ext>
                   </a:extLst>
                 </a:gridCol>
-                <a:gridCol w="3805237">
+                <a:gridCol w="3505199">
                   <a:extLst>
                     <a:ext uri="{9D8B030D-6E8A-4147-A177-3AD203B41FA5}">
-                      <a16:colId xmlns:a16="http://schemas.microsoft.com/office/drawing/2014/main" val="2599588905"/>
+                      <a16:colId xmlns:a16="http://schemas.microsoft.com/office/drawing/2014/main" val="2036029034"/>
                     </a:ext>
                   </a:extLst>
                 </a:gridCol>
-                <a:gridCol w="3805237">
+                <a:gridCol w="3505199">
                   <a:extLst>
                     <a:ext uri="{9D8B030D-6E8A-4147-A177-3AD203B41FA5}">
-                      <a16:colId xmlns:a16="http://schemas.microsoft.com/office/drawing/2014/main" val="3106908564"/>
+                      <a16:colId xmlns:a16="http://schemas.microsoft.com/office/drawing/2014/main" val="3373130824"/>
                     </a:ext>
                   </a:extLst>
                 </a:gridCol>
               </a:tblGrid>
-              <a:tr h="358934">
-                <a:tc>
-                  <a:txBody>
-                    <a:bodyPr/>
-                    <a:lstStyle/>
-                    <a:p>
-                      <a:r>
-                        <a:rPr lang="en-US" sz="900" dirty="0">
+              <a:tr h="370840">
+                <a:tc>
+                  <a:txBody>
+                    <a:bodyPr/>
+                    <a:lstStyle/>
+                    <a:p>
+                      <a:r>
+                        <a:rPr lang="en-US" sz="1100" dirty="0">
                           <a:latin typeface="+mn-lt"/>
                         </a:rPr>
                         <a:t>Event</a:t>
@@ -5978,7 +6169,7 @@
                     <a:lstStyle/>
                     <a:p>
                       <a:r>
-                        <a:rPr lang="en-US" sz="900" dirty="0">
+                        <a:rPr lang="en-US" sz="1100" dirty="0">
                           <a:latin typeface="+mn-lt"/>
                         </a:rPr>
                         <a:t>Followed By</a:t>
@@ -5993,7 +6184,7 @@
                     <a:lstStyle/>
                     <a:p>
                       <a:r>
-                        <a:rPr lang="en-US" sz="900" dirty="0">
+                        <a:rPr lang="en-US" sz="1100" dirty="0">
                           <a:latin typeface="+mn-lt"/>
                         </a:rPr>
                         <a:t>Preceded By</a:t>
@@ -6004,30 +6195,163 @@
                 </a:tc>
                 <a:extLst>
                   <a:ext uri="{0D108BD9-81ED-4DB2-BD59-A6C34878D82A}">
-                    <a16:rowId xmlns:a16="http://schemas.microsoft.com/office/drawing/2014/main" val="3689676570"/>
+                    <a16:rowId xmlns:a16="http://schemas.microsoft.com/office/drawing/2014/main" val="2718362787"/>
                   </a:ext>
                 </a:extLst>
               </a:tr>
-              <a:tr h="358934">
-                <a:tc>
-                  <a:txBody>
-                    <a:bodyPr/>
-                    <a:lstStyle/>
-                    <a:p>
-                      <a:pPr algn="l" fontAlgn="b"/>
-                      <a:r>
-                        <a:rPr lang="en-US" sz="900" b="0" i="0" u="none" strike="noStrike" dirty="0">
-                          <a:solidFill>
-                            <a:srgbClr val="000000"/>
-                          </a:solidFill>
-                          <a:effectLst/>
-                          <a:latin typeface="+mn-lt"/>
-                        </a:rPr>
-                        <a:t>TCP SYN ACK</a:t>
-                      </a:r>
-                    </a:p>
-                  </a:txBody>
-                  <a:tcPr marL="9525" marR="9525" marT="9525" marB="0" anchor="b"/>
+              <a:tr h="370840">
+                <a:tc>
+                  <a:txBody>
+                    <a:bodyPr/>
+                    <a:lstStyle/>
+                    <a:p>
+                      <a:r>
+                        <a:rPr lang="en-US" sz="1100" kern="1200" dirty="0" err="1">
+                          <a:solidFill>
+                            <a:schemeClr val="dk1"/>
+                          </a:solidFill>
+                          <a:effectLst/>
+                          <a:latin typeface="+mn-lt"/>
+                          <a:ea typeface="+mn-ea"/>
+                          <a:cs typeface="+mn-cs"/>
+                        </a:rPr>
+                        <a:t>TLS_Client_Hello</a:t>
+                      </a:r>
+                      <a:endParaRPr lang="en-US" sz="1100" dirty="0"/>
+                    </a:p>
+                  </a:txBody>
+                  <a:tcPr/>
+                </a:tc>
+                <a:tc>
+                  <a:txBody>
+                    <a:bodyPr/>
+                    <a:lstStyle/>
+                    <a:p>
+                      <a:r>
+                        <a:rPr lang="en-US" sz="1100" kern="1200" dirty="0" err="1">
+                          <a:solidFill>
+                            <a:schemeClr val="dk1"/>
+                          </a:solidFill>
+                          <a:effectLst/>
+                          <a:latin typeface="+mn-lt"/>
+                          <a:ea typeface="+mn-ea"/>
+                          <a:cs typeface="+mn-cs"/>
+                        </a:rPr>
+                        <a:t>TLS_Server_Hello</a:t>
+                      </a:r>
+                      <a:r>
+                        <a:rPr lang="en-US" sz="1100" kern="1200" dirty="0">
+                          <a:solidFill>
+                            <a:schemeClr val="dk1"/>
+                          </a:solidFill>
+                          <a:effectLst/>
+                          <a:latin typeface="+mn-lt"/>
+                          <a:ea typeface="+mn-ea"/>
+                          <a:cs typeface="+mn-cs"/>
+                        </a:rPr>
+                        <a:t>, </a:t>
+                      </a:r>
+                      <a:r>
+                        <a:rPr lang="en-US" sz="1100" kern="1200" dirty="0" err="1">
+                          <a:solidFill>
+                            <a:schemeClr val="dk1"/>
+                          </a:solidFill>
+                          <a:effectLst/>
+                          <a:latin typeface="+mn-lt"/>
+                          <a:ea typeface="+mn-ea"/>
+                          <a:cs typeface="+mn-cs"/>
+                        </a:rPr>
+                        <a:t>TLS_Retransmit</a:t>
+                      </a:r>
+                      <a:endParaRPr lang="en-US" sz="1100" dirty="0"/>
+                    </a:p>
+                  </a:txBody>
+                  <a:tcPr/>
+                </a:tc>
+                <a:tc>
+                  <a:txBody>
+                    <a:bodyPr/>
+                    <a:lstStyle/>
+                    <a:p>
+                      <a:r>
+                        <a:rPr lang="en-US" sz="1100" kern="1200" dirty="0">
+                          <a:solidFill>
+                            <a:schemeClr val="dk1"/>
+                          </a:solidFill>
+                          <a:effectLst/>
+                          <a:latin typeface="+mn-lt"/>
+                          <a:ea typeface="+mn-ea"/>
+                          <a:cs typeface="+mn-cs"/>
+                        </a:rPr>
+                        <a:t>TCP_CAM_ACK</a:t>
+                      </a:r>
+                      <a:endParaRPr lang="en-US" sz="1100" dirty="0"/>
+                    </a:p>
+                  </a:txBody>
+                  <a:tcPr/>
+                </a:tc>
+                <a:extLst>
+                  <a:ext uri="{0D108BD9-81ED-4DB2-BD59-A6C34878D82A}">
+                    <a16:rowId xmlns:a16="http://schemas.microsoft.com/office/drawing/2014/main" val="3505090633"/>
+                  </a:ext>
+                </a:extLst>
+              </a:tr>
+              <a:tr h="370840">
+                <a:tc>
+                  <a:txBody>
+                    <a:bodyPr/>
+                    <a:lstStyle/>
+                    <a:p>
+                      <a:r>
+                        <a:rPr lang="en-US" sz="1100" kern="1200" dirty="0" err="1">
+                          <a:solidFill>
+                            <a:schemeClr val="dk1"/>
+                          </a:solidFill>
+                          <a:effectLst/>
+                          <a:latin typeface="+mn-lt"/>
+                          <a:ea typeface="+mn-ea"/>
+                          <a:cs typeface="+mn-cs"/>
+                        </a:rPr>
+                        <a:t>TLS_Server_Hello</a:t>
+                      </a:r>
+                      <a:endParaRPr lang="en-US" sz="1100" dirty="0"/>
+                    </a:p>
+                  </a:txBody>
+                  <a:tcPr/>
+                </a:tc>
+                <a:tc>
+                  <a:txBody>
+                    <a:bodyPr/>
+                    <a:lstStyle/>
+                    <a:p>
+                      <a:r>
+                        <a:rPr lang="en-US" sz="1100" kern="1200" dirty="0" err="1">
+                          <a:solidFill>
+                            <a:schemeClr val="dk1"/>
+                          </a:solidFill>
+                          <a:effectLst/>
+                          <a:latin typeface="+mn-lt"/>
+                          <a:ea typeface="+mn-ea"/>
+                          <a:cs typeface="+mn-cs"/>
+                        </a:rPr>
+                        <a:t>TLS_Certificate</a:t>
+                      </a:r>
+                      <a:r>
+                        <a:rPr lang="en-US" sz="1100" kern="1200" dirty="0">
+                          <a:solidFill>
+                            <a:schemeClr val="dk1"/>
+                          </a:solidFill>
+                          <a:effectLst/>
+                          <a:latin typeface="+mn-lt"/>
+                          <a:ea typeface="+mn-ea"/>
+                          <a:cs typeface="+mn-cs"/>
+                        </a:rPr>
+                        <a:t>, TLS_Retransmit</a:t>
+                      </a:r>
+                      <a:endParaRPr lang="en-US" sz="1100" dirty="0"/>
+                    </a:p>
+                  </a:txBody>
+                  <a:tcPr/>
                 </a:tc>
                 <a:tc>
                   <a:txBody>
@@ -6052,31 +6376,91 @@
                         <a:defRPr/>
                       </a:pPr>
                       <a:r>
-                        <a:rPr lang="en-US" sz="900" dirty="0">
-                          <a:latin typeface="+mn-lt"/>
-                        </a:rPr>
-                        <a:t>TCP CAM ACK, </a:t>
-                      </a:r>
-                      <a:r>
-                        <a:rPr lang="en-US" sz="900" b="0" i="0" u="none" strike="noStrike" dirty="0">
-                          <a:solidFill>
-                            <a:srgbClr val="000000"/>
-                          </a:solidFill>
-                          <a:effectLst/>
-                          <a:latin typeface="+mn-lt"/>
-                        </a:rPr>
-                        <a:t>TCP DOM ACK, TCP DOM PSH ACK</a:t>
-                      </a:r>
-                    </a:p>
-                  </a:txBody>
-                  <a:tcPr/>
-                </a:tc>
-                <a:tc>
-                  <a:txBody>
-                    <a:bodyPr/>
-                    <a:lstStyle/>
-                    <a:p>
-                      <a:pPr marL="0" marR="0" lvl="0" indent="0" algn="l" defTabSz="914400" rtl="0" eaLnBrk="1" fontAlgn="b" latinLnBrk="0" hangingPunct="1">
+                        <a:rPr lang="en-US" sz="1100" kern="1200" dirty="0" err="1">
+                          <a:solidFill>
+                            <a:schemeClr val="dk1"/>
+                          </a:solidFill>
+                          <a:effectLst/>
+                          <a:latin typeface="+mn-lt"/>
+                          <a:ea typeface="+mn-ea"/>
+                          <a:cs typeface="+mn-cs"/>
+                        </a:rPr>
+                        <a:t>TLS_Client_Hello</a:t>
+                      </a:r>
+                      <a:endParaRPr lang="en-US" sz="1100" dirty="0"/>
+                    </a:p>
+                  </a:txBody>
+                  <a:tcPr/>
+                </a:tc>
+                <a:extLst>
+                  <a:ext uri="{0D108BD9-81ED-4DB2-BD59-A6C34878D82A}">
+                    <a16:rowId xmlns:a16="http://schemas.microsoft.com/office/drawing/2014/main" val="1900060472"/>
+                  </a:ext>
+                </a:extLst>
+              </a:tr>
+              <a:tr h="370840">
+                <a:tc>
+                  <a:txBody>
+                    <a:bodyPr/>
+                    <a:lstStyle/>
+                    <a:p>
+                      <a:r>
+                        <a:rPr lang="en-US" sz="1100" kern="1200" dirty="0" err="1">
+                          <a:solidFill>
+                            <a:schemeClr val="dk1"/>
+                          </a:solidFill>
+                          <a:effectLst/>
+                          <a:latin typeface="+mn-lt"/>
+                          <a:ea typeface="+mn-ea"/>
+                          <a:cs typeface="+mn-cs"/>
+                        </a:rPr>
+                        <a:t>TLS_Certificate</a:t>
+                      </a:r>
+                      <a:endParaRPr lang="en-US" sz="1100" dirty="0"/>
+                    </a:p>
+                  </a:txBody>
+                  <a:tcPr/>
+                </a:tc>
+                <a:tc>
+                  <a:txBody>
+                    <a:bodyPr/>
+                    <a:lstStyle/>
+                    <a:p>
+                      <a:r>
+                        <a:rPr lang="en-US" sz="1100" kern="1200" dirty="0" err="1">
+                          <a:solidFill>
+                            <a:schemeClr val="dk1"/>
+                          </a:solidFill>
+                          <a:effectLst/>
+                          <a:latin typeface="+mn-lt"/>
+                          <a:ea typeface="+mn-ea"/>
+                          <a:cs typeface="+mn-cs"/>
+                        </a:rPr>
+                        <a:t>TLS_Server_Key_Exchange</a:t>
+                      </a:r>
+                      <a:r>
+                        <a:rPr lang="en-US" sz="1100" kern="1200" dirty="0">
+                          <a:solidFill>
+                            <a:schemeClr val="dk1"/>
+                          </a:solidFill>
+                          <a:effectLst/>
+                          <a:latin typeface="+mn-lt"/>
+                          <a:ea typeface="+mn-ea"/>
+                          <a:cs typeface="+mn-cs"/>
+                        </a:rPr>
+                        <a:t>, TLS_Retransmit</a:t>
+                      </a:r>
+                      <a:endParaRPr lang="en-US" sz="1100" dirty="0"/>
+                    </a:p>
+                  </a:txBody>
+                  <a:tcPr/>
+                </a:tc>
+                <a:tc>
+                  <a:txBody>
+                    <a:bodyPr/>
+                    <a:lstStyle/>
+                    <a:p>
+                      <a:pPr marL="0" marR="0" lvl="0" indent="0" algn="l" defTabSz="914400" rtl="0" eaLnBrk="1" fontAlgn="auto" latinLnBrk="0" hangingPunct="1">
                         <a:lnSpc>
                           <a:spcPct val="100000"/>
                         </a:lnSpc>
@@ -6094,214 +6478,72 @@
                         <a:defRPr/>
                       </a:pPr>
                       <a:r>
-                        <a:rPr kumimoji="0" lang="en-US" sz="900" b="0" i="0" u="none" strike="noStrike" kern="1200" cap="none" spc="0" normalizeH="0" baseline="0" noProof="0" dirty="0">
-                          <a:ln>
-                            <a:noFill/>
-                          </a:ln>
-                          <a:solidFill>
-                            <a:srgbClr val="000000"/>
-                          </a:solidFill>
-                          <a:effectLst/>
-                          <a:uLnTx/>
-                          <a:uFillTx/>
-                          <a:latin typeface="+mn-lt"/>
-                          <a:ea typeface="+mn-ea"/>
-                          <a:cs typeface="+mn-cs"/>
-                        </a:rPr>
-                        <a:t>TCP SYN</a:t>
-                      </a:r>
+                        <a:rPr lang="en-US" sz="1100" kern="1200" dirty="0" err="1">
+                          <a:solidFill>
+                            <a:schemeClr val="dk1"/>
+                          </a:solidFill>
+                          <a:effectLst/>
+                          <a:latin typeface="+mn-lt"/>
+                          <a:ea typeface="+mn-ea"/>
+                          <a:cs typeface="+mn-cs"/>
+                        </a:rPr>
+                        <a:t>TLS_Server_Hello</a:t>
+                      </a:r>
+                      <a:endParaRPr lang="en-US" sz="1100" dirty="0"/>
                     </a:p>
                   </a:txBody>
                   <a:tcPr/>
                 </a:tc>
                 <a:extLst>
                   <a:ext uri="{0D108BD9-81ED-4DB2-BD59-A6C34878D82A}">
-                    <a16:rowId xmlns:a16="http://schemas.microsoft.com/office/drawing/2014/main" val="408474474"/>
+                    <a16:rowId xmlns:a16="http://schemas.microsoft.com/office/drawing/2014/main" val="1245418834"/>
                   </a:ext>
                 </a:extLst>
               </a:tr>
-              <a:tr h="358934">
-                <a:tc>
-                  <a:txBody>
-                    <a:bodyPr/>
-                    <a:lstStyle/>
-                    <a:p>
-                      <a:pPr algn="l" fontAlgn="b"/>
-                      <a:r>
-                        <a:rPr lang="en-US" sz="900" b="0" i="0" u="none" strike="noStrike" dirty="0">
-                          <a:solidFill>
-                            <a:srgbClr val="000000"/>
-                          </a:solidFill>
-                          <a:effectLst/>
-                          <a:latin typeface="+mn-lt"/>
-                        </a:rPr>
-                        <a:t>TCP Uncaptured</a:t>
-                      </a:r>
-                    </a:p>
-                  </a:txBody>
-                  <a:tcPr marL="9525" marR="9525" marT="9525" marB="0" anchor="b"/>
-                </a:tc>
-                <a:tc>
-                  <a:txBody>
-                    <a:bodyPr/>
-                    <a:lstStyle/>
-                    <a:p>
-                      <a:endParaRPr lang="en-US" sz="900">
-                        <a:latin typeface="+mn-lt"/>
-                      </a:endParaRPr>
-                    </a:p>
-                  </a:txBody>
-                  <a:tcPr/>
-                </a:tc>
-                <a:tc>
-                  <a:txBody>
-                    <a:bodyPr/>
-                    <a:lstStyle/>
-                    <a:p>
-                      <a:r>
-                        <a:rPr lang="en-US" sz="900" dirty="0">
-                          <a:latin typeface="+mn-lt"/>
-                        </a:rPr>
-                        <a:t>TCP ACK</a:t>
-                      </a:r>
-                    </a:p>
-                  </a:txBody>
-                  <a:tcPr/>
-                </a:tc>
-                <a:extLst>
-                  <a:ext uri="{0D108BD9-81ED-4DB2-BD59-A6C34878D82A}">
-                    <a16:rowId xmlns:a16="http://schemas.microsoft.com/office/drawing/2014/main" val="1264549328"/>
-                  </a:ext>
-                </a:extLst>
-              </a:tr>
-              <a:tr h="358934">
-                <a:tc>
-                  <a:txBody>
-                    <a:bodyPr/>
-                    <a:lstStyle/>
-                    <a:p>
-                      <a:pPr algn="l" fontAlgn="b"/>
-                      <a:r>
-                        <a:rPr lang="en-US" sz="900" b="0" i="0" u="none" strike="noStrike" dirty="0">
-                          <a:solidFill>
-                            <a:srgbClr val="000000"/>
-                          </a:solidFill>
-                          <a:effectLst/>
-                          <a:latin typeface="+mn-lt"/>
-                        </a:rPr>
-                        <a:t>TCP unseen segment</a:t>
-                      </a:r>
-                    </a:p>
-                  </a:txBody>
-                  <a:tcPr marL="9525" marR="9525" marT="9525" marB="0" anchor="b"/>
-                </a:tc>
-                <a:tc>
-                  <a:txBody>
-                    <a:bodyPr/>
-                    <a:lstStyle/>
-                    <a:p>
-                      <a:endParaRPr lang="en-US" sz="900">
-                        <a:latin typeface="+mn-lt"/>
-                      </a:endParaRPr>
-                    </a:p>
-                  </a:txBody>
-                  <a:tcPr/>
-                </a:tc>
-                <a:tc>
-                  <a:txBody>
-                    <a:bodyPr/>
-                    <a:lstStyle/>
-                    <a:p>
-                      <a:r>
-                        <a:rPr lang="en-US" sz="900" dirty="0">
-                          <a:latin typeface="+mn-lt"/>
-                        </a:rPr>
-                        <a:t>TCP ACK</a:t>
-                      </a:r>
-                    </a:p>
-                  </a:txBody>
-                  <a:tcPr/>
-                </a:tc>
-                <a:extLst>
-                  <a:ext uri="{0D108BD9-81ED-4DB2-BD59-A6C34878D82A}">
-                    <a16:rowId xmlns:a16="http://schemas.microsoft.com/office/drawing/2014/main" val="823013732"/>
-                  </a:ext>
-                </a:extLst>
-              </a:tr>
-              <a:tr h="358934">
-                <a:tc>
-                  <a:txBody>
-                    <a:bodyPr/>
-                    <a:lstStyle/>
-                    <a:p>
-                      <a:pPr algn="l" fontAlgn="b"/>
-                      <a:r>
-                        <a:rPr lang="en-US" sz="900" b="0" i="0" u="none" strike="noStrike" dirty="0">
-                          <a:solidFill>
-                            <a:srgbClr val="000000"/>
-                          </a:solidFill>
-                          <a:effectLst/>
-                          <a:latin typeface="+mn-lt"/>
-                        </a:rPr>
-                        <a:t>TCP Window Update</a:t>
-                      </a:r>
-                    </a:p>
-                  </a:txBody>
-                  <a:tcPr marL="9525" marR="9525" marT="9525" marB="0" anchor="b"/>
-                </a:tc>
-                <a:tc>
-                  <a:txBody>
-                    <a:bodyPr/>
-                    <a:lstStyle/>
-                    <a:p>
-                      <a:endParaRPr lang="en-US" sz="900" dirty="0">
-                        <a:latin typeface="+mn-lt"/>
-                      </a:endParaRPr>
-                    </a:p>
-                  </a:txBody>
-                  <a:tcPr/>
-                </a:tc>
-                <a:tc>
-                  <a:txBody>
-                    <a:bodyPr/>
-                    <a:lstStyle/>
-                    <a:p>
-                      <a:r>
-                        <a:rPr lang="en-US" sz="900" dirty="0">
-                          <a:latin typeface="+mn-lt"/>
-                        </a:rPr>
-                        <a:t>TCP ACK</a:t>
-                      </a:r>
-                    </a:p>
-                  </a:txBody>
-                  <a:tcPr/>
-                </a:tc>
-                <a:extLst>
-                  <a:ext uri="{0D108BD9-81ED-4DB2-BD59-A6C34878D82A}">
-                    <a16:rowId xmlns:a16="http://schemas.microsoft.com/office/drawing/2014/main" val="3147046320"/>
-                  </a:ext>
-                </a:extLst>
-              </a:tr>
-              <a:tr h="358934">
-                <a:tc>
-                  <a:txBody>
-                    <a:bodyPr/>
-                    <a:lstStyle/>
-                    <a:p>
-                      <a:pPr algn="l" fontAlgn="b"/>
-                      <a:r>
-                        <a:rPr lang="en-US" sz="900" b="0" i="0" u="none" strike="noStrike" dirty="0">
-                          <a:solidFill>
-                            <a:srgbClr val="000000"/>
-                          </a:solidFill>
-                          <a:effectLst/>
-                          <a:latin typeface="+mn-lt"/>
-                        </a:rPr>
-                        <a:t>TLS Application Data</a:t>
-                      </a:r>
-                    </a:p>
-                  </a:txBody>
-                  <a:tcPr marL="9525" marR="9525" marT="9525" marB="0" anchor="b"/>
+              <a:tr h="370840">
+                <a:tc>
+                  <a:txBody>
+                    <a:bodyPr/>
+                    <a:lstStyle/>
+                    <a:p>
+                      <a:r>
+                        <a:rPr lang="en-US" sz="1100" kern="1200" dirty="0" err="1">
+                          <a:solidFill>
+                            <a:schemeClr val="dk1"/>
+                          </a:solidFill>
+                          <a:effectLst/>
+                          <a:latin typeface="+mn-lt"/>
+                          <a:ea typeface="+mn-ea"/>
+                          <a:cs typeface="+mn-cs"/>
+                        </a:rPr>
+                        <a:t>TLS_Server_Key_Exchange</a:t>
+                      </a:r>
+                      <a:endParaRPr lang="en-US" sz="1100" dirty="0"/>
+                    </a:p>
+                  </a:txBody>
+                  <a:tcPr/>
+                </a:tc>
+                <a:tc>
+                  <a:txBody>
+                    <a:bodyPr/>
+                    <a:lstStyle/>
+                    <a:p>
+                      <a:r>
+                        <a:rPr lang="en-US" sz="1100" kern="1200" dirty="0" err="1">
+                          <a:solidFill>
+                            <a:schemeClr val="dk1"/>
+                          </a:solidFill>
+                          <a:effectLst/>
+                          <a:latin typeface="+mn-lt"/>
+                          <a:ea typeface="+mn-ea"/>
+                          <a:cs typeface="+mn-cs"/>
+                        </a:rPr>
+                        <a:t>TLS_Server_Hello_Done</a:t>
+                      </a:r>
+                      <a:endParaRPr lang="en-US" sz="1100" dirty="0"/>
+                    </a:p>
+                  </a:txBody>
+                  <a:tcPr/>
                 </a:tc>
                 <a:tc>
                   <a:txBody>
@@ -6326,16 +6568,77 @@
                         <a:defRPr/>
                       </a:pPr>
                       <a:r>
-                        <a:rPr lang="en-US" sz="900" b="0" i="0" u="none" strike="noStrike" dirty="0">
-                          <a:solidFill>
-                            <a:srgbClr val="000000"/>
-                          </a:solidFill>
-                          <a:effectLst/>
-                          <a:latin typeface="+mn-lt"/>
-                        </a:rPr>
-                        <a:t>TLS Encrypted Alert, TLS Uncaptured</a:t>
-                      </a:r>
-                    </a:p>
+                        <a:rPr lang="en-US" sz="1100" kern="1200" dirty="0" err="1">
+                          <a:solidFill>
+                            <a:schemeClr val="dk1"/>
+                          </a:solidFill>
+                          <a:effectLst/>
+                          <a:latin typeface="+mn-lt"/>
+                          <a:ea typeface="+mn-ea"/>
+                          <a:cs typeface="+mn-cs"/>
+                        </a:rPr>
+                        <a:t>TLS_Certificate</a:t>
+                      </a:r>
+                      <a:endParaRPr lang="en-US" sz="1100" dirty="0"/>
+                    </a:p>
+                  </a:txBody>
+                  <a:tcPr/>
+                </a:tc>
+                <a:extLst>
+                  <a:ext uri="{0D108BD9-81ED-4DB2-BD59-A6C34878D82A}">
+                    <a16:rowId xmlns:a16="http://schemas.microsoft.com/office/drawing/2014/main" val="694041341"/>
+                  </a:ext>
+                </a:extLst>
+              </a:tr>
+              <a:tr h="370840">
+                <a:tc>
+                  <a:txBody>
+                    <a:bodyPr/>
+                    <a:lstStyle/>
+                    <a:p>
+                      <a:r>
+                        <a:rPr lang="en-US" sz="1100" kern="1200" dirty="0" err="1">
+                          <a:solidFill>
+                            <a:schemeClr val="dk1"/>
+                          </a:solidFill>
+                          <a:effectLst/>
+                          <a:latin typeface="+mn-lt"/>
+                          <a:ea typeface="+mn-ea"/>
+                          <a:cs typeface="+mn-cs"/>
+                        </a:rPr>
+                        <a:t>TLS_Server_Hello_Done</a:t>
+                      </a:r>
+                      <a:endParaRPr lang="en-US" sz="1100" dirty="0"/>
+                    </a:p>
+                  </a:txBody>
+                  <a:tcPr/>
+                </a:tc>
+                <a:tc>
+                  <a:txBody>
+                    <a:bodyPr/>
+                    <a:lstStyle/>
+                    <a:p>
+                      <a:r>
+                        <a:rPr lang="en-US" sz="1100" kern="1200" dirty="0" err="1">
+                          <a:solidFill>
+                            <a:schemeClr val="dk1"/>
+                          </a:solidFill>
+                          <a:effectLst/>
+                          <a:latin typeface="+mn-lt"/>
+                          <a:ea typeface="+mn-ea"/>
+                          <a:cs typeface="+mn-cs"/>
+                        </a:rPr>
+                        <a:t>TLS_Client_Key_Exchange</a:t>
+                      </a:r>
+                      <a:endParaRPr lang="en-US" sz="1100" dirty="0"/>
+                    </a:p>
+                  </a:txBody>
+                  <a:tcPr/>
+                </a:tc>
+                <a:tc>
+                  <a:txBody>
+                    <a:bodyPr/>
+                    <a:lstStyle/>
                     <a:p>
                       <a:pPr marL="0" marR="0" lvl="0" indent="0" algn="l" defTabSz="914400" rtl="0" eaLnBrk="1" fontAlgn="auto" latinLnBrk="0" hangingPunct="1">
                         <a:lnSpc>
@@ -6355,35 +6658,69 @@
                         <a:defRPr/>
                       </a:pPr>
                       <a:r>
-                        <a:rPr lang="en-US" sz="900" b="0" i="0" u="none" strike="noStrike" dirty="0">
-                          <a:solidFill>
-                            <a:srgbClr val="000000"/>
-                          </a:solidFill>
-                          <a:effectLst/>
-                          <a:latin typeface="+mn-lt"/>
-                        </a:rPr>
-                        <a:t>TLS </a:t>
-                      </a:r>
-                      <a:r>
-                        <a:rPr lang="en-US" sz="900" b="0" i="0" u="none" strike="noStrike" dirty="0" err="1">
-                          <a:solidFill>
-                            <a:srgbClr val="000000"/>
-                          </a:solidFill>
-                          <a:effectLst/>
-                          <a:latin typeface="+mn-lt"/>
-                        </a:rPr>
-                        <a:t>Window_full</a:t>
-                      </a:r>
-                      <a:r>
-                        <a:rPr lang="en-US" sz="900" b="0" i="0" u="none" strike="noStrike" dirty="0">
-                          <a:solidFill>
-                            <a:srgbClr val="000000"/>
-                          </a:solidFill>
-                          <a:effectLst/>
-                          <a:latin typeface="+mn-lt"/>
-                        </a:rPr>
-                        <a:t>, TLS Retransmit, TLS Application Data, TCP CAM ACK, TCP DOM ACK</a:t>
-                      </a:r>
+                        <a:rPr lang="en-US" sz="1100" kern="1200" dirty="0" err="1">
+                          <a:solidFill>
+                            <a:schemeClr val="dk1"/>
+                          </a:solidFill>
+                          <a:effectLst/>
+                          <a:latin typeface="+mn-lt"/>
+                          <a:ea typeface="+mn-ea"/>
+                          <a:cs typeface="+mn-cs"/>
+                        </a:rPr>
+                        <a:t>TLS_Server_Key_Exchange</a:t>
+                      </a:r>
+                      <a:endParaRPr lang="en-US" sz="1100" dirty="0"/>
+                    </a:p>
+                  </a:txBody>
+                  <a:tcPr/>
+                </a:tc>
+                <a:extLst>
+                  <a:ext uri="{0D108BD9-81ED-4DB2-BD59-A6C34878D82A}">
+                    <a16:rowId xmlns:a16="http://schemas.microsoft.com/office/drawing/2014/main" val="1808792911"/>
+                  </a:ext>
+                </a:extLst>
+              </a:tr>
+              <a:tr h="370840">
+                <a:tc>
+                  <a:txBody>
+                    <a:bodyPr/>
+                    <a:lstStyle/>
+                    <a:p>
+                      <a:r>
+                        <a:rPr lang="en-US" sz="1100" kern="1200" dirty="0" err="1">
+                          <a:solidFill>
+                            <a:schemeClr val="dk1"/>
+                          </a:solidFill>
+                          <a:effectLst/>
+                          <a:latin typeface="+mn-lt"/>
+                          <a:ea typeface="+mn-ea"/>
+                          <a:cs typeface="+mn-cs"/>
+                        </a:rPr>
+                        <a:t>TLS_Client_Key_Exchange</a:t>
+                      </a:r>
+                      <a:endParaRPr lang="en-US" sz="1100" dirty="0"/>
+                    </a:p>
+                  </a:txBody>
+                  <a:tcPr/>
+                </a:tc>
+                <a:tc>
+                  <a:txBody>
+                    <a:bodyPr/>
+                    <a:lstStyle/>
+                    <a:p>
+                      <a:r>
+                        <a:rPr lang="en-US" sz="1100" kern="1200" dirty="0" err="1">
+                          <a:solidFill>
+                            <a:schemeClr val="dk1"/>
+                          </a:solidFill>
+                          <a:effectLst/>
+                          <a:latin typeface="+mn-lt"/>
+                          <a:ea typeface="+mn-ea"/>
+                          <a:cs typeface="+mn-cs"/>
+                        </a:rPr>
+                        <a:t>TLS_Change_Cipher_Spec</a:t>
+                      </a:r>
+                      <a:endParaRPr lang="en-US" sz="1100" dirty="0"/>
                     </a:p>
                   </a:txBody>
                   <a:tcPr/>
@@ -6411,45 +6748,72 @@
                         <a:defRPr/>
                       </a:pPr>
                       <a:r>
-                        <a:rPr lang="en-US" sz="900" b="0" i="0" u="none" strike="noStrike" dirty="0">
-                          <a:solidFill>
-                            <a:srgbClr val="000000"/>
-                          </a:solidFill>
-                          <a:effectLst/>
-                          <a:latin typeface="+mn-lt"/>
-                        </a:rPr>
-                        <a:t>TLS Encrypted Handshake Message</a:t>
-                      </a:r>
+                        <a:rPr lang="en-US" sz="1100" kern="1200" dirty="0" err="1">
+                          <a:solidFill>
+                            <a:schemeClr val="dk1"/>
+                          </a:solidFill>
+                          <a:effectLst/>
+                          <a:latin typeface="+mn-lt"/>
+                          <a:ea typeface="+mn-ea"/>
+                          <a:cs typeface="+mn-cs"/>
+                        </a:rPr>
+                        <a:t>TLS_Server_Hello_Done</a:t>
+                      </a:r>
+                      <a:endParaRPr lang="en-US" sz="1100" dirty="0"/>
                     </a:p>
                   </a:txBody>
                   <a:tcPr/>
                 </a:tc>
                 <a:extLst>
                   <a:ext uri="{0D108BD9-81ED-4DB2-BD59-A6C34878D82A}">
-                    <a16:rowId xmlns:a16="http://schemas.microsoft.com/office/drawing/2014/main" val="3111777582"/>
+                    <a16:rowId xmlns:a16="http://schemas.microsoft.com/office/drawing/2014/main" val="812534157"/>
                   </a:ext>
                 </a:extLst>
               </a:tr>
-              <a:tr h="358934">
-                <a:tc>
-                  <a:txBody>
-                    <a:bodyPr/>
-                    <a:lstStyle/>
-                    <a:p>
-                      <a:pPr algn="l" fontAlgn="b"/>
-                      <a:r>
-                        <a:rPr lang="en-US" sz="900" b="0" i="0" u="none" strike="noStrike" dirty="0">
-                          <a:solidFill>
-                            <a:srgbClr val="000000"/>
-                          </a:solidFill>
-                          <a:effectLst/>
-                          <a:latin typeface="+mn-lt"/>
-                        </a:rPr>
-                        <a:t>TLS Certificate</a:t>
-                      </a:r>
-                    </a:p>
-                  </a:txBody>
-                  <a:tcPr marL="9525" marR="9525" marT="9525" marB="0" anchor="b"/>
+              <a:tr h="370840">
+                <a:tc>
+                  <a:txBody>
+                    <a:bodyPr/>
+                    <a:lstStyle/>
+                    <a:p>
+                      <a:r>
+                        <a:rPr lang="en-US" sz="1100" kern="1200" dirty="0" err="1">
+                          <a:solidFill>
+                            <a:schemeClr val="dk1"/>
+                          </a:solidFill>
+                          <a:effectLst/>
+                          <a:latin typeface="+mn-lt"/>
+                          <a:ea typeface="+mn-ea"/>
+                          <a:cs typeface="+mn-cs"/>
+                        </a:rPr>
+                        <a:t>TLS_Change_Cipher_Spec</a:t>
+                      </a:r>
+                      <a:endParaRPr lang="en-US" sz="1100" dirty="0"/>
+                    </a:p>
+                  </a:txBody>
+                  <a:tcPr/>
+                </a:tc>
+                <a:tc>
+                  <a:txBody>
+                    <a:bodyPr/>
+                    <a:lstStyle/>
+                    <a:p>
+                      <a:r>
+                        <a:rPr lang="en-US" sz="1100" kern="1200" dirty="0" err="1">
+                          <a:solidFill>
+                            <a:schemeClr val="dk1"/>
+                          </a:solidFill>
+                          <a:effectLst/>
+                          <a:latin typeface="+mn-lt"/>
+                          <a:ea typeface="+mn-ea"/>
+                          <a:cs typeface="+mn-cs"/>
+                        </a:rPr>
+                        <a:t>TLS_Encrypted_Handshake_Message</a:t>
+                      </a:r>
+                      <a:endParaRPr lang="en-US" sz="1100" dirty="0"/>
+                    </a:p>
+                  </a:txBody>
+                  <a:tcPr/>
                 </a:tc>
                 <a:tc>
                   <a:txBody>
@@ -6474,23 +6838,19 @@
                         <a:defRPr/>
                       </a:pPr>
                       <a:r>
-                        <a:rPr lang="en-US" sz="900" b="0" i="0" u="none" strike="noStrike" dirty="0">
-                          <a:solidFill>
-                            <a:srgbClr val="000000"/>
-                          </a:solidFill>
-                          <a:effectLst/>
-                          <a:latin typeface="+mn-lt"/>
-                        </a:rPr>
-                        <a:t>TLS Server Key Exchange, TLS Retransmit</a:t>
-                      </a:r>
-                    </a:p>
-                  </a:txBody>
-                  <a:tcPr/>
-                </a:tc>
-                <a:tc>
-                  <a:txBody>
-                    <a:bodyPr/>
-                    <a:lstStyle/>
+                        <a:rPr lang="en-US" sz="1100" kern="1200" dirty="0" err="1">
+                          <a:solidFill>
+                            <a:schemeClr val="dk1"/>
+                          </a:solidFill>
+                          <a:effectLst/>
+                          <a:latin typeface="+mn-lt"/>
+                          <a:ea typeface="+mn-ea"/>
+                          <a:cs typeface="+mn-cs"/>
+                        </a:rPr>
+                        <a:t>TLS_Client_Key_Exchange</a:t>
+                      </a:r>
+                      <a:endParaRPr lang="en-US" sz="1100" dirty="0"/>
+                    </a:p>
                     <a:p>
                       <a:pPr marL="0" marR="0" lvl="0" indent="0" algn="l" defTabSz="914400" rtl="0" eaLnBrk="1" fontAlgn="auto" latinLnBrk="0" hangingPunct="1">
                         <a:lnSpc>
@@ -6509,46 +6869,61 @@
                         <a:tabLst/>
                         <a:defRPr/>
                       </a:pPr>
-                      <a:r>
-                        <a:rPr lang="en-US" sz="900" b="0" i="0" u="none" strike="noStrike" dirty="0">
-                          <a:solidFill>
-                            <a:srgbClr val="000000"/>
-                          </a:solidFill>
-                          <a:effectLst/>
-                          <a:latin typeface="+mn-lt"/>
-                        </a:rPr>
-                        <a:t>TLS Server Hello</a:t>
-                      </a:r>
+                      <a:endParaRPr lang="en-US" sz="1100" dirty="0"/>
                     </a:p>
                   </a:txBody>
                   <a:tcPr/>
                 </a:tc>
                 <a:extLst>
                   <a:ext uri="{0D108BD9-81ED-4DB2-BD59-A6C34878D82A}">
-                    <a16:rowId xmlns:a16="http://schemas.microsoft.com/office/drawing/2014/main" val="2406958827"/>
+                    <a16:rowId xmlns:a16="http://schemas.microsoft.com/office/drawing/2014/main" val="2549031715"/>
                   </a:ext>
                 </a:extLst>
               </a:tr>
-              <a:tr h="358934">
-                <a:tc>
-                  <a:txBody>
-                    <a:bodyPr/>
-                    <a:lstStyle/>
-                    <a:p>
-                      <a:pPr algn="l" fontAlgn="b"/>
-                      <a:r>
-                        <a:rPr lang="en-US" sz="900" b="0" i="0" u="none" strike="noStrike" dirty="0">
-                          <a:solidFill>
-                            <a:srgbClr val="000000"/>
-                          </a:solidFill>
-                          <a:effectLst/>
-                          <a:latin typeface="+mn-lt"/>
-                        </a:rPr>
-                        <a:t>TLS Change Cipher Spec</a:t>
-                      </a:r>
-                    </a:p>
-                  </a:txBody>
-                  <a:tcPr marL="9525" marR="9525" marT="9525" marB="0" anchor="b"/>
+              <a:tr h="370840">
+                <a:tc>
+                  <a:txBody>
+                    <a:bodyPr/>
+                    <a:lstStyle/>
+                    <a:p>
+                      <a:r>
+                        <a:rPr lang="en-US" sz="1100" kern="1200" dirty="0" err="1">
+                          <a:solidFill>
+                            <a:schemeClr val="dk1"/>
+                          </a:solidFill>
+                          <a:effectLst/>
+                          <a:latin typeface="+mn-lt"/>
+                          <a:ea typeface="+mn-ea"/>
+                          <a:cs typeface="+mn-cs"/>
+                        </a:rPr>
+                        <a:t>TLS_Encrypted_Handshake_Message</a:t>
+                      </a:r>
+                      <a:endParaRPr lang="en-US" sz="1100" dirty="0"/>
+                    </a:p>
+                  </a:txBody>
+                  <a:tcPr/>
+                </a:tc>
+                <a:tc>
+                  <a:txBody>
+                    <a:bodyPr/>
+                    <a:lstStyle/>
+                    <a:p>
+                      <a:r>
+                        <a:rPr lang="en-US" sz="1100" kern="1200" dirty="0">
+                          <a:solidFill>
+                            <a:schemeClr val="dk1"/>
+                          </a:solidFill>
+                          <a:effectLst/>
+                          <a:latin typeface="+mn-lt"/>
+                          <a:ea typeface="+mn-ea"/>
+                          <a:cs typeface="+mn-cs"/>
+                        </a:rPr>
+                        <a:t>TLS_Application_Data</a:t>
+                      </a:r>
+                      <a:endParaRPr lang="en-US" sz="1100" dirty="0"/>
+                    </a:p>
+                  </a:txBody>
+                  <a:tcPr/>
                 </a:tc>
                 <a:tc>
                   <a:txBody>
@@ -6573,23 +6948,19 @@
                         <a:defRPr/>
                       </a:pPr>
                       <a:r>
-                        <a:rPr lang="en-US" sz="900" b="0" i="0" u="none" strike="noStrike" dirty="0">
-                          <a:solidFill>
-                            <a:srgbClr val="000000"/>
-                          </a:solidFill>
-                          <a:effectLst/>
-                          <a:latin typeface="+mn-lt"/>
-                        </a:rPr>
-                        <a:t>TLS Encrypted Handshake Message</a:t>
-                      </a:r>
-                    </a:p>
-                  </a:txBody>
-                  <a:tcPr/>
-                </a:tc>
-                <a:tc>
-                  <a:txBody>
-                    <a:bodyPr/>
-                    <a:lstStyle/>
+                        <a:rPr lang="en-US" sz="1100" kern="1200" dirty="0" err="1">
+                          <a:solidFill>
+                            <a:schemeClr val="dk1"/>
+                          </a:solidFill>
+                          <a:effectLst/>
+                          <a:latin typeface="+mn-lt"/>
+                          <a:ea typeface="+mn-ea"/>
+                          <a:cs typeface="+mn-cs"/>
+                        </a:rPr>
+                        <a:t>TLS_Change_Cipher_Spec</a:t>
+                      </a:r>
+                      <a:endParaRPr lang="en-US" sz="1100" dirty="0"/>
+                    </a:p>
                     <a:p>
                       <a:pPr marL="0" marR="0" lvl="0" indent="0" algn="l" defTabSz="914400" rtl="0" eaLnBrk="1" fontAlgn="auto" latinLnBrk="0" hangingPunct="1">
                         <a:lnSpc>
@@ -6608,17 +6979,138 @@
                         <a:tabLst/>
                         <a:defRPr/>
                       </a:pPr>
-                      <a:r>
-                        <a:rPr lang="en-US" sz="900" b="0" i="0" u="none" strike="noStrike" dirty="0">
-                          <a:solidFill>
-                            <a:srgbClr val="000000"/>
-                          </a:solidFill>
-                          <a:effectLst/>
-                          <a:latin typeface="+mn-lt"/>
-                        </a:rPr>
-                        <a:t>TLS Client Key Exchange, TLS Encrypted Handshake Message</a:t>
-                      </a:r>
-                    </a:p>
+                      <a:endParaRPr lang="en-US" sz="1100" dirty="0"/>
+                    </a:p>
+                  </a:txBody>
+                  <a:tcPr/>
+                </a:tc>
+                <a:extLst>
+                  <a:ext uri="{0D108BD9-81ED-4DB2-BD59-A6C34878D82A}">
+                    <a16:rowId xmlns:a16="http://schemas.microsoft.com/office/drawing/2014/main" val="997370008"/>
+                  </a:ext>
+                </a:extLst>
+              </a:tr>
+              <a:tr h="370840">
+                <a:tc>
+                  <a:txBody>
+                    <a:bodyPr/>
+                    <a:lstStyle/>
+                    <a:p>
+                      <a:r>
+                        <a:rPr lang="en-US" sz="1100" kern="1200" dirty="0">
+                          <a:solidFill>
+                            <a:schemeClr val="dk1"/>
+                          </a:solidFill>
+                          <a:effectLst/>
+                          <a:latin typeface="+mn-lt"/>
+                          <a:ea typeface="+mn-ea"/>
+                          <a:cs typeface="+mn-cs"/>
+                        </a:rPr>
+                        <a:t>TLS_Application_Data</a:t>
+                      </a:r>
+                      <a:endParaRPr lang="en-US" sz="1100" dirty="0"/>
+                    </a:p>
+                  </a:txBody>
+                  <a:tcPr/>
+                </a:tc>
+                <a:tc>
+                  <a:txBody>
+                    <a:bodyPr/>
+                    <a:lstStyle/>
+                    <a:p>
+                      <a:r>
+                        <a:rPr lang="en-US" sz="1100" kern="1200" dirty="0">
+                          <a:solidFill>
+                            <a:schemeClr val="dk1"/>
+                          </a:solidFill>
+                          <a:effectLst/>
+                          <a:latin typeface="+mn-lt"/>
+                          <a:ea typeface="+mn-ea"/>
+                          <a:cs typeface="+mn-cs"/>
+                        </a:rPr>
+                        <a:t>TLS_Application_Data, </a:t>
+                      </a:r>
+                      <a:r>
+                        <a:rPr lang="en-US" sz="1100" kern="1200" dirty="0" err="1">
+                          <a:solidFill>
+                            <a:schemeClr val="dk1"/>
+                          </a:solidFill>
+                          <a:effectLst/>
+                          <a:latin typeface="+mn-lt"/>
+                          <a:ea typeface="+mn-ea"/>
+                          <a:cs typeface="+mn-cs"/>
+                        </a:rPr>
+                        <a:t>TLS_Encrypted_Alert</a:t>
+                      </a:r>
+                      <a:r>
+                        <a:rPr lang="en-US" sz="1100" kern="1200" dirty="0">
+                          <a:solidFill>
+                            <a:schemeClr val="dk1"/>
+                          </a:solidFill>
+                          <a:effectLst/>
+                          <a:latin typeface="+mn-lt"/>
+                          <a:ea typeface="+mn-ea"/>
+                          <a:cs typeface="+mn-cs"/>
+                        </a:rPr>
+                        <a:t>, </a:t>
+                      </a:r>
+                      <a:r>
+                        <a:rPr lang="en-US" sz="1100" kern="1200" dirty="0" err="1">
+                          <a:solidFill>
+                            <a:schemeClr val="dk1"/>
+                          </a:solidFill>
+                          <a:effectLst/>
+                          <a:latin typeface="+mn-lt"/>
+                          <a:ea typeface="+mn-ea"/>
+                          <a:cs typeface="+mn-cs"/>
+                        </a:rPr>
+                        <a:t>TLS_Uncaptured</a:t>
+                      </a:r>
+                      <a:r>
+                        <a:rPr lang="en-US" sz="1100" kern="1200" dirty="0">
+                          <a:solidFill>
+                            <a:schemeClr val="dk1"/>
+                          </a:solidFill>
+                          <a:effectLst/>
+                          <a:latin typeface="+mn-lt"/>
+                          <a:ea typeface="+mn-ea"/>
+                          <a:cs typeface="+mn-cs"/>
+                        </a:rPr>
+                        <a:t>, </a:t>
+                      </a:r>
+                      <a:r>
+                        <a:rPr lang="en-US" sz="1100" kern="1200" dirty="0" err="1">
+                          <a:solidFill>
+                            <a:schemeClr val="dk1"/>
+                          </a:solidFill>
+                          <a:effectLst/>
+                          <a:latin typeface="+mn-lt"/>
+                          <a:ea typeface="+mn-ea"/>
+                          <a:cs typeface="+mn-cs"/>
+                        </a:rPr>
+                        <a:t>TLS_Window_full</a:t>
+                      </a:r>
+                      <a:r>
+                        <a:rPr lang="en-US" sz="1100" kern="1200" dirty="0">
+                          <a:solidFill>
+                            <a:schemeClr val="dk1"/>
+                          </a:solidFill>
+                          <a:effectLst/>
+                          <a:latin typeface="+mn-lt"/>
+                          <a:ea typeface="+mn-ea"/>
+                          <a:cs typeface="+mn-cs"/>
+                        </a:rPr>
+                        <a:t>, TLS_Retransmit, TCP_CAM_ACK, TCP_DOM_ACK</a:t>
+                      </a:r>
+                      <a:endParaRPr lang="en-US" sz="1100" dirty="0"/>
+                    </a:p>
+                  </a:txBody>
+                  <a:tcPr/>
+                </a:tc>
+                <a:tc>
+                  <a:txBody>
+                    <a:bodyPr/>
+                    <a:lstStyle/>
                     <a:p>
                       <a:pPr marL="0" marR="0" lvl="0" indent="0" algn="l" defTabSz="914400" rtl="0" eaLnBrk="1" fontAlgn="auto" latinLnBrk="0" hangingPunct="1">
                         <a:lnSpc>
@@ -6637,43 +7129,73 @@
                         <a:tabLst/>
                         <a:defRPr/>
                       </a:pPr>
-                      <a:endParaRPr lang="en-US" sz="900" b="0" i="0" u="none" strike="noStrike" dirty="0">
-                        <a:solidFill>
-                          <a:srgbClr val="000000"/>
-                        </a:solidFill>
-                        <a:effectLst/>
-                        <a:latin typeface="+mn-lt"/>
-                      </a:endParaRPr>
+                      <a:r>
+                        <a:rPr lang="en-US" sz="1100" kern="1200" dirty="0" err="1">
+                          <a:solidFill>
+                            <a:schemeClr val="dk1"/>
+                          </a:solidFill>
+                          <a:effectLst/>
+                          <a:latin typeface="+mn-lt"/>
+                          <a:ea typeface="+mn-ea"/>
+                          <a:cs typeface="+mn-cs"/>
+                        </a:rPr>
+                        <a:t>TLS_Encrypted_Handshake_Message</a:t>
+                      </a:r>
+                      <a:endParaRPr lang="en-US" sz="1100" dirty="0"/>
                     </a:p>
                   </a:txBody>
                   <a:tcPr/>
                 </a:tc>
                 <a:extLst>
                   <a:ext uri="{0D108BD9-81ED-4DB2-BD59-A6C34878D82A}">
-                    <a16:rowId xmlns:a16="http://schemas.microsoft.com/office/drawing/2014/main" val="3104532964"/>
+                    <a16:rowId xmlns:a16="http://schemas.microsoft.com/office/drawing/2014/main" val="907730547"/>
                   </a:ext>
                 </a:extLst>
               </a:tr>
-              <a:tr h="340018">
-                <a:tc>
-                  <a:txBody>
-                    <a:bodyPr/>
-                    <a:lstStyle/>
-                    <a:p>
-                      <a:pPr algn="l" fontAlgn="b"/>
-                      <a:r>
-                        <a:rPr lang="en-US" sz="900" b="0" i="0" u="none" strike="noStrike" dirty="0">
-                          <a:solidFill>
-                            <a:srgbClr val="000000"/>
-                          </a:solidFill>
-                          <a:effectLst/>
-                          <a:latin typeface="+mn-lt"/>
-                        </a:rPr>
-                        <a:t>TLS Client Hello</a:t>
-                      </a:r>
-                    </a:p>
-                  </a:txBody>
-                  <a:tcPr marL="9525" marR="9525" marT="9525" marB="0" anchor="b"/>
+              <a:tr h="370840">
+                <a:tc>
+                  <a:txBody>
+                    <a:bodyPr/>
+                    <a:lstStyle/>
+                    <a:p>
+                      <a:r>
+                        <a:rPr lang="en-US" sz="1100" kern="1200" dirty="0" err="1">
+                          <a:solidFill>
+                            <a:schemeClr val="dk1"/>
+                          </a:solidFill>
+                          <a:effectLst/>
+                          <a:latin typeface="+mn-lt"/>
+                          <a:ea typeface="+mn-ea"/>
+                          <a:cs typeface="+mn-cs"/>
+                        </a:rPr>
+                        <a:t>TLS_Encrypted_Alert</a:t>
+                      </a:r>
+                      <a:endParaRPr lang="en-US" sz="1100" dirty="0"/>
+                    </a:p>
+                  </a:txBody>
+                  <a:tcPr/>
+                </a:tc>
+                <a:tc>
+                  <a:txBody>
+                    <a:bodyPr/>
+                    <a:lstStyle/>
+                    <a:p>
+                      <a:r>
+                        <a:rPr lang="en-US" sz="1100" kern="1200" dirty="0">
+                          <a:solidFill>
+                            <a:schemeClr val="dk1"/>
+                          </a:solidFill>
+                          <a:effectLst/>
+                          <a:latin typeface="+mn-lt"/>
+                          <a:ea typeface="+mn-ea"/>
+                          <a:cs typeface="+mn-cs"/>
+                        </a:rPr>
+                        <a:t>TCP_FIN</a:t>
+                      </a:r>
+                      <a:endParaRPr lang="en-US" sz="1100" dirty="0"/>
+                    </a:p>
+                  </a:txBody>
+                  <a:tcPr/>
                 </a:tc>
                 <a:tc>
                   <a:txBody>
@@ -6698,60 +7220,50 @@
                         <a:defRPr/>
                       </a:pPr>
                       <a:r>
-                        <a:rPr lang="en-US" sz="900" b="0" i="0" u="none" strike="noStrike" dirty="0">
-                          <a:solidFill>
-                            <a:srgbClr val="000000"/>
-                          </a:solidFill>
-                          <a:effectLst/>
-                          <a:latin typeface="+mn-lt"/>
-                        </a:rPr>
-                        <a:t>TLS Server Hello, TLS Retransmit</a:t>
-                      </a:r>
-                    </a:p>
-                  </a:txBody>
-                  <a:tcPr/>
-                </a:tc>
-                <a:tc>
-                  <a:txBody>
-                    <a:bodyPr/>
-                    <a:lstStyle/>
-                    <a:p>
-                      <a:r>
-                        <a:rPr lang="en-US" sz="900" dirty="0">
-                          <a:latin typeface="+mn-lt"/>
-                        </a:rPr>
-                        <a:t>TCP CAM ACK</a:t>
-                      </a:r>
+                        <a:rPr lang="en-US" sz="1100" kern="1200" dirty="0">
+                          <a:solidFill>
+                            <a:schemeClr val="dk1"/>
+                          </a:solidFill>
+                          <a:effectLst/>
+                          <a:latin typeface="+mn-lt"/>
+                          <a:ea typeface="+mn-ea"/>
+                          <a:cs typeface="+mn-cs"/>
+                        </a:rPr>
+                        <a:t>TLS_Application_Data</a:t>
+                      </a:r>
+                      <a:endParaRPr lang="en-US" sz="1100" dirty="0"/>
                     </a:p>
                   </a:txBody>
                   <a:tcPr/>
                 </a:tc>
                 <a:extLst>
                   <a:ext uri="{0D108BD9-81ED-4DB2-BD59-A6C34878D82A}">
-                    <a16:rowId xmlns:a16="http://schemas.microsoft.com/office/drawing/2014/main" val="4171608295"/>
+                    <a16:rowId xmlns:a16="http://schemas.microsoft.com/office/drawing/2014/main" val="1997600834"/>
                   </a:ext>
                 </a:extLst>
               </a:tr>
-              <a:tr h="358934">
-                <a:tc>
-                  <a:txBody>
-                    <a:bodyPr/>
-                    <a:lstStyle/>
-                    <a:p>
-                      <a:pPr algn="l" fontAlgn="b"/>
-                      <a:r>
-                        <a:rPr lang="en-US" sz="900" b="0" i="0" u="none" strike="noStrike" dirty="0">
-                          <a:solidFill>
-                            <a:srgbClr val="000000"/>
-                          </a:solidFill>
-                          <a:effectLst/>
-                          <a:latin typeface="+mn-lt"/>
-                        </a:rPr>
-                        <a:t>TLS Client Key Exchange</a:t>
-                      </a:r>
-                    </a:p>
-                  </a:txBody>
-                  <a:tcPr marL="9525" marR="9525" marT="9525" marB="0" anchor="b"/>
+              <a:tr h="370840">
+                <a:tc>
+                  <a:txBody>
+                    <a:bodyPr/>
+                    <a:lstStyle/>
+                    <a:p>
+                      <a:r>
+                        <a:rPr lang="en-US" sz="1100" kern="1200" dirty="0">
+                          <a:solidFill>
+                            <a:schemeClr val="dk1"/>
+                          </a:solidFill>
+                          <a:effectLst/>
+                          <a:latin typeface="+mn-lt"/>
+                          <a:ea typeface="+mn-ea"/>
+                          <a:cs typeface="+mn-cs"/>
+                        </a:rPr>
+                        <a:t>TLS_Retransmit</a:t>
+                      </a:r>
+                      <a:endParaRPr lang="en-US" sz="1100" dirty="0"/>
+                    </a:p>
+                  </a:txBody>
+                  <a:tcPr/>
                 </a:tc>
                 <a:tc>
                   <a:txBody>
@@ -6776,15 +7288,78 @@
                         <a:defRPr/>
                       </a:pPr>
                       <a:r>
-                        <a:rPr lang="en-US" sz="900" b="0" i="0" u="none" strike="noStrike" dirty="0">
-                          <a:solidFill>
-                            <a:srgbClr val="000000"/>
-                          </a:solidFill>
-                          <a:effectLst/>
-                          <a:latin typeface="+mn-lt"/>
-                        </a:rPr>
-                        <a:t>TLS Change Cipher Spec</a:t>
-                      </a:r>
+                        <a:rPr lang="en-US" sz="1100" kern="1200" dirty="0" err="1">
+                          <a:solidFill>
+                            <a:schemeClr val="dk1"/>
+                          </a:solidFill>
+                          <a:effectLst/>
+                          <a:latin typeface="+mn-lt"/>
+                          <a:ea typeface="+mn-ea"/>
+                          <a:cs typeface="+mn-cs"/>
+                        </a:rPr>
+                        <a:t>TLS_Client_Hello</a:t>
+                      </a:r>
+                      <a:r>
+                        <a:rPr lang="en-US" sz="1100" kern="1200" dirty="0">
+                          <a:solidFill>
+                            <a:schemeClr val="dk1"/>
+                          </a:solidFill>
+                          <a:effectLst/>
+                          <a:latin typeface="+mn-lt"/>
+                          <a:ea typeface="+mn-ea"/>
+                          <a:cs typeface="+mn-cs"/>
+                        </a:rPr>
+                        <a:t>, </a:t>
+                      </a:r>
+                      <a:r>
+                        <a:rPr lang="en-US" sz="1100" kern="1200" dirty="0" err="1">
+                          <a:solidFill>
+                            <a:schemeClr val="dk1"/>
+                          </a:solidFill>
+                          <a:effectLst/>
+                          <a:latin typeface="+mn-lt"/>
+                          <a:ea typeface="+mn-ea"/>
+                          <a:cs typeface="+mn-cs"/>
+                        </a:rPr>
+                        <a:t>TLS_Server_Hello</a:t>
+                      </a:r>
+                      <a:r>
+                        <a:rPr lang="en-US" sz="1100" kern="1200" dirty="0">
+                          <a:solidFill>
+                            <a:schemeClr val="dk1"/>
+                          </a:solidFill>
+                          <a:effectLst/>
+                          <a:latin typeface="+mn-lt"/>
+                          <a:ea typeface="+mn-ea"/>
+                          <a:cs typeface="+mn-cs"/>
+                        </a:rPr>
+                        <a:t>, </a:t>
+                      </a:r>
+                      <a:r>
+                        <a:rPr lang="en-US" sz="1100" kern="1200" dirty="0" err="1">
+                          <a:solidFill>
+                            <a:schemeClr val="dk1"/>
+                          </a:solidFill>
+                          <a:effectLst/>
+                          <a:latin typeface="+mn-lt"/>
+                          <a:ea typeface="+mn-ea"/>
+                          <a:cs typeface="+mn-cs"/>
+                        </a:rPr>
+                        <a:t>TLS_Certificate</a:t>
+                      </a:r>
+                      <a:r>
+                        <a:rPr lang="en-US" sz="1100" kern="1200" dirty="0">
+                          <a:solidFill>
+                            <a:schemeClr val="dk1"/>
+                          </a:solidFill>
+                          <a:effectLst/>
+                          <a:latin typeface="+mn-lt"/>
+                          <a:ea typeface="+mn-ea"/>
+                          <a:cs typeface="+mn-cs"/>
+                        </a:rPr>
+                        <a:t>, TLS_Application_Data</a:t>
+                      </a:r>
+                      <a:endParaRPr lang="en-US" sz="1100" dirty="0"/>
                     </a:p>
                   </a:txBody>
                   <a:tcPr/>
@@ -6811,728 +7386,14 @@
                         <a:tabLst/>
                         <a:defRPr/>
                       </a:pPr>
-                      <a:r>
-                        <a:rPr lang="en-US" sz="900" b="0" i="0" u="none" strike="noStrike" dirty="0">
-                          <a:solidFill>
-                            <a:srgbClr val="000000"/>
-                          </a:solidFill>
-                          <a:effectLst/>
-                          <a:latin typeface="+mn-lt"/>
-                        </a:rPr>
-                        <a:t>TLS Server Hello Done</a:t>
-                      </a:r>
+                      <a:endParaRPr lang="en-US" sz="1100" dirty="0"/>
                     </a:p>
                   </a:txBody>
                   <a:tcPr/>
                 </a:tc>
                 <a:extLst>
                   <a:ext uri="{0D108BD9-81ED-4DB2-BD59-A6C34878D82A}">
-                    <a16:rowId xmlns:a16="http://schemas.microsoft.com/office/drawing/2014/main" val="2559011584"/>
-                  </a:ext>
-                </a:extLst>
-              </a:tr>
-              <a:tr h="358934">
-                <a:tc>
-                  <a:txBody>
-                    <a:bodyPr/>
-                    <a:lstStyle/>
-                    <a:p>
-                      <a:pPr algn="l" fontAlgn="b"/>
-                      <a:r>
-                        <a:rPr lang="en-US" sz="900" b="0" i="0" u="none" strike="noStrike" dirty="0">
-                          <a:solidFill>
-                            <a:srgbClr val="000000"/>
-                          </a:solidFill>
-                          <a:effectLst/>
-                          <a:latin typeface="+mn-lt"/>
-                        </a:rPr>
-                        <a:t>TLS Encrypted Alert</a:t>
-                      </a:r>
-                    </a:p>
-                  </a:txBody>
-                  <a:tcPr marL="9525" marR="9525" marT="9525" marB="0" anchor="b"/>
-                </a:tc>
-                <a:tc>
-                  <a:txBody>
-                    <a:bodyPr/>
-                    <a:lstStyle/>
-                    <a:p>
-                      <a:pPr marL="0" marR="0" lvl="0" indent="0" algn="l" defTabSz="914400" rtl="0" eaLnBrk="1" fontAlgn="auto" latinLnBrk="0" hangingPunct="1">
-                        <a:lnSpc>
-                          <a:spcPct val="100000"/>
-                        </a:lnSpc>
-                        <a:spcBef>
-                          <a:spcPts val="0"/>
-                        </a:spcBef>
-                        <a:spcAft>
-                          <a:spcPts val="0"/>
-                        </a:spcAft>
-                        <a:buClrTx/>
-                        <a:buSzTx/>
-                        <a:buFontTx/>
-                        <a:buNone/>
-                        <a:tabLst/>
-                        <a:defRPr/>
-                      </a:pPr>
-                      <a:r>
-                        <a:rPr lang="en-US" sz="900" b="0" i="0" u="none" strike="noStrike" dirty="0">
-                          <a:solidFill>
-                            <a:srgbClr val="000000"/>
-                          </a:solidFill>
-                          <a:effectLst/>
-                          <a:latin typeface="+mn-lt"/>
-                        </a:rPr>
-                        <a:t>TCP FIN</a:t>
-                      </a:r>
-                    </a:p>
-                  </a:txBody>
-                  <a:tcPr/>
-                </a:tc>
-                <a:tc>
-                  <a:txBody>
-                    <a:bodyPr/>
-                    <a:lstStyle/>
-                    <a:p>
-                      <a:pPr marL="0" marR="0" lvl="0" indent="0" algn="l" defTabSz="914400" rtl="0" eaLnBrk="1" fontAlgn="auto" latinLnBrk="0" hangingPunct="1">
-                        <a:lnSpc>
-                          <a:spcPct val="100000"/>
-                        </a:lnSpc>
-                        <a:spcBef>
-                          <a:spcPts val="0"/>
-                        </a:spcBef>
-                        <a:spcAft>
-                          <a:spcPts val="0"/>
-                        </a:spcAft>
-                        <a:buClrTx/>
-                        <a:buSzTx/>
-                        <a:buFontTx/>
-                        <a:buNone/>
-                        <a:tabLst/>
-                        <a:defRPr/>
-                      </a:pPr>
-                      <a:r>
-                        <a:rPr lang="en-US" sz="900" b="0" i="0" u="none" strike="noStrike" dirty="0">
-                          <a:solidFill>
-                            <a:srgbClr val="000000"/>
-                          </a:solidFill>
-                          <a:effectLst/>
-                          <a:latin typeface="+mn-lt"/>
-                        </a:rPr>
-                        <a:t>TLS Application Data</a:t>
-                      </a:r>
-                    </a:p>
-                  </a:txBody>
-                  <a:tcPr/>
-                </a:tc>
-                <a:extLst>
-                  <a:ext uri="{0D108BD9-81ED-4DB2-BD59-A6C34878D82A}">
-                    <a16:rowId xmlns:a16="http://schemas.microsoft.com/office/drawing/2014/main" val="2266478946"/>
-                  </a:ext>
-                </a:extLst>
-              </a:tr>
-              <a:tr h="358934">
-                <a:tc>
-                  <a:txBody>
-                    <a:bodyPr/>
-                    <a:lstStyle/>
-                    <a:p>
-                      <a:pPr algn="l" fontAlgn="b"/>
-                      <a:r>
-                        <a:rPr lang="en-US" sz="900" b="0" i="0" u="none" strike="noStrike" dirty="0">
-                          <a:solidFill>
-                            <a:srgbClr val="000000"/>
-                          </a:solidFill>
-                          <a:effectLst/>
-                          <a:latin typeface="+mn-lt"/>
-                        </a:rPr>
-                        <a:t>TLS Encrypted Handshake Message</a:t>
-                      </a:r>
-                    </a:p>
-                  </a:txBody>
-                  <a:tcPr marL="9525" marR="9525" marT="9525" marB="0" anchor="b"/>
-                </a:tc>
-                <a:tc>
-                  <a:txBody>
-                    <a:bodyPr/>
-                    <a:lstStyle/>
-                    <a:p>
-                      <a:pPr marL="0" marR="0" lvl="0" indent="0" algn="l" defTabSz="914400" rtl="0" eaLnBrk="1" fontAlgn="auto" latinLnBrk="0" hangingPunct="1">
-                        <a:lnSpc>
-                          <a:spcPct val="100000"/>
-                        </a:lnSpc>
-                        <a:spcBef>
-                          <a:spcPts val="0"/>
-                        </a:spcBef>
-                        <a:spcAft>
-                          <a:spcPts val="0"/>
-                        </a:spcAft>
-                        <a:buClrTx/>
-                        <a:buSzTx/>
-                        <a:buFontTx/>
-                        <a:buNone/>
-                        <a:tabLst/>
-                        <a:defRPr/>
-                      </a:pPr>
-                      <a:r>
-                        <a:rPr lang="en-US" sz="900" b="0" i="0" u="none" strike="noStrike" dirty="0">
-                          <a:solidFill>
-                            <a:srgbClr val="000000"/>
-                          </a:solidFill>
-                          <a:effectLst/>
-                          <a:latin typeface="+mn-lt"/>
-                        </a:rPr>
-                        <a:t>TLS Application Data</a:t>
-                      </a:r>
-                    </a:p>
-                  </a:txBody>
-                  <a:tcPr/>
-                </a:tc>
-                <a:tc>
-                  <a:txBody>
-                    <a:bodyPr/>
-                    <a:lstStyle/>
-                    <a:p>
-                      <a:pPr marL="0" marR="0" lvl="0" indent="0" algn="l" defTabSz="914400" rtl="0" eaLnBrk="1" fontAlgn="auto" latinLnBrk="0" hangingPunct="1">
-                        <a:lnSpc>
-                          <a:spcPct val="100000"/>
-                        </a:lnSpc>
-                        <a:spcBef>
-                          <a:spcPts val="0"/>
-                        </a:spcBef>
-                        <a:spcAft>
-                          <a:spcPts val="0"/>
-                        </a:spcAft>
-                        <a:buClrTx/>
-                        <a:buSzTx/>
-                        <a:buFontTx/>
-                        <a:buNone/>
-                        <a:tabLst/>
-                        <a:defRPr/>
-                      </a:pPr>
-                      <a:r>
-                        <a:rPr lang="en-US" sz="900" b="0" i="0" u="none" strike="noStrike" dirty="0">
-                          <a:solidFill>
-                            <a:srgbClr val="000000"/>
-                          </a:solidFill>
-                          <a:effectLst/>
-                          <a:latin typeface="+mn-lt"/>
-                        </a:rPr>
-                        <a:t>TLS Change Cipher Spec</a:t>
-                      </a:r>
-                    </a:p>
-                  </a:txBody>
-                  <a:tcPr/>
-                </a:tc>
-                <a:extLst>
-                  <a:ext uri="{0D108BD9-81ED-4DB2-BD59-A6C34878D82A}">
-                    <a16:rowId xmlns:a16="http://schemas.microsoft.com/office/drawing/2014/main" val="3740213498"/>
-                  </a:ext>
-                </a:extLst>
-              </a:tr>
-              <a:tr h="358934">
-                <a:tc>
-                  <a:txBody>
-                    <a:bodyPr/>
-                    <a:lstStyle/>
-                    <a:p>
-                      <a:pPr algn="l" fontAlgn="b"/>
-                      <a:r>
-                        <a:rPr lang="en-US" sz="900" b="0" i="0" u="none" strike="noStrike" dirty="0">
-                          <a:solidFill>
-                            <a:srgbClr val="000000"/>
-                          </a:solidFill>
-                          <a:effectLst/>
-                          <a:latin typeface="+mn-lt"/>
-                        </a:rPr>
-                        <a:t>TLS Retransmit</a:t>
-                      </a:r>
-                    </a:p>
-                  </a:txBody>
-                  <a:tcPr marL="9525" marR="9525" marT="9525" marB="0" anchor="b"/>
-                </a:tc>
-                <a:tc>
-                  <a:txBody>
-                    <a:bodyPr/>
-                    <a:lstStyle/>
-                    <a:p>
-                      <a:endParaRPr lang="en-US" sz="900" dirty="0">
-                        <a:latin typeface="+mn-lt"/>
-                      </a:endParaRPr>
-                    </a:p>
-                  </a:txBody>
-                  <a:tcPr/>
-                </a:tc>
-                <a:tc>
-                  <a:txBody>
-                    <a:bodyPr/>
-                    <a:lstStyle/>
-                    <a:p>
-                      <a:pPr marL="0" marR="0" lvl="0" indent="0" algn="l" defTabSz="914400" rtl="0" eaLnBrk="1" fontAlgn="b" latinLnBrk="0" hangingPunct="1">
-                        <a:lnSpc>
-                          <a:spcPct val="100000"/>
-                        </a:lnSpc>
-                        <a:spcBef>
-                          <a:spcPts val="0"/>
-                        </a:spcBef>
-                        <a:spcAft>
-                          <a:spcPts val="0"/>
-                        </a:spcAft>
-                        <a:buClrTx/>
-                        <a:buSzTx/>
-                        <a:buFontTx/>
-                        <a:buNone/>
-                        <a:tabLst/>
-                        <a:defRPr/>
-                      </a:pPr>
-                      <a:r>
-                        <a:rPr lang="en-US" sz="900" b="0" i="0" u="none" strike="noStrike" dirty="0">
-                          <a:solidFill>
-                            <a:srgbClr val="000000"/>
-                          </a:solidFill>
-                          <a:effectLst/>
-                          <a:latin typeface="+mn-lt"/>
-                        </a:rPr>
-                        <a:t>TLS Client Hello, TLS SERVER Hello, TLS Application Data</a:t>
-                      </a:r>
-                    </a:p>
-                  </a:txBody>
-                  <a:tcPr/>
-                </a:tc>
-                <a:extLst>
-                  <a:ext uri="{0D108BD9-81ED-4DB2-BD59-A6C34878D82A}">
-                    <a16:rowId xmlns:a16="http://schemas.microsoft.com/office/drawing/2014/main" val="885766046"/>
-                  </a:ext>
-                </a:extLst>
-              </a:tr>
-              <a:tr h="358934">
-                <a:tc>
-                  <a:txBody>
-                    <a:bodyPr/>
-                    <a:lstStyle/>
-                    <a:p>
-                      <a:pPr algn="l" fontAlgn="b"/>
-                      <a:r>
-                        <a:rPr lang="en-US" sz="900" b="0" i="0" u="none" strike="noStrike" dirty="0">
-                          <a:solidFill>
-                            <a:srgbClr val="000000"/>
-                          </a:solidFill>
-                          <a:effectLst/>
-                          <a:latin typeface="+mn-lt"/>
-                        </a:rPr>
-                        <a:t>TLS Server Hello</a:t>
-                      </a:r>
-                    </a:p>
-                  </a:txBody>
-                  <a:tcPr marL="9525" marR="9525" marT="9525" marB="0" anchor="b"/>
-                </a:tc>
-                <a:tc>
-                  <a:txBody>
-                    <a:bodyPr/>
-                    <a:lstStyle/>
-                    <a:p>
-                      <a:pPr marL="0" marR="0" lvl="0" indent="0" algn="l" defTabSz="914400" rtl="0" eaLnBrk="1" fontAlgn="auto" latinLnBrk="0" hangingPunct="1">
-                        <a:lnSpc>
-                          <a:spcPct val="100000"/>
-                        </a:lnSpc>
-                        <a:spcBef>
-                          <a:spcPts val="0"/>
-                        </a:spcBef>
-                        <a:spcAft>
-                          <a:spcPts val="0"/>
-                        </a:spcAft>
-                        <a:buClrTx/>
-                        <a:buSzTx/>
-                        <a:buFontTx/>
-                        <a:buNone/>
-                        <a:tabLst/>
-                        <a:defRPr/>
-                      </a:pPr>
-                      <a:r>
-                        <a:rPr lang="en-US" sz="900" b="0" i="0" u="none" strike="noStrike" dirty="0">
-                          <a:solidFill>
-                            <a:srgbClr val="000000"/>
-                          </a:solidFill>
-                          <a:effectLst/>
-                          <a:latin typeface="+mn-lt"/>
-                        </a:rPr>
-                        <a:t>TLS Certificate, TLS Retransmit</a:t>
-                      </a:r>
-                    </a:p>
-                  </a:txBody>
-                  <a:tcPr/>
-                </a:tc>
-                <a:tc>
-                  <a:txBody>
-                    <a:bodyPr/>
-                    <a:lstStyle/>
-                    <a:p>
-                      <a:pPr marL="0" marR="0" lvl="0" indent="0" algn="l" defTabSz="914400" rtl="0" eaLnBrk="1" fontAlgn="auto" latinLnBrk="0" hangingPunct="1">
-                        <a:lnSpc>
-                          <a:spcPct val="100000"/>
-                        </a:lnSpc>
-                        <a:spcBef>
-                          <a:spcPts val="0"/>
-                        </a:spcBef>
-                        <a:spcAft>
-                          <a:spcPts val="0"/>
-                        </a:spcAft>
-                        <a:buClrTx/>
-                        <a:buSzTx/>
-                        <a:buFontTx/>
-                        <a:buNone/>
-                        <a:tabLst/>
-                        <a:defRPr/>
-                      </a:pPr>
-                      <a:r>
-                        <a:rPr lang="en-US" sz="900" b="0" i="0" u="none" strike="noStrike" dirty="0">
-                          <a:solidFill>
-                            <a:srgbClr val="000000"/>
-                          </a:solidFill>
-                          <a:effectLst/>
-                          <a:latin typeface="+mn-lt"/>
-                        </a:rPr>
-                        <a:t>TLS Client Hello</a:t>
-                      </a:r>
-                    </a:p>
-                  </a:txBody>
-                  <a:tcPr/>
-                </a:tc>
-                <a:extLst>
-                  <a:ext uri="{0D108BD9-81ED-4DB2-BD59-A6C34878D82A}">
-                    <a16:rowId xmlns:a16="http://schemas.microsoft.com/office/drawing/2014/main" val="3503169134"/>
-                  </a:ext>
-                </a:extLst>
-              </a:tr>
-              <a:tr h="358934">
-                <a:tc>
-                  <a:txBody>
-                    <a:bodyPr/>
-                    <a:lstStyle/>
-                    <a:p>
-                      <a:pPr algn="l" fontAlgn="b"/>
-                      <a:r>
-                        <a:rPr lang="en-US" sz="900" b="0" i="0" u="none" strike="noStrike" dirty="0">
-                          <a:solidFill>
-                            <a:srgbClr val="000000"/>
-                          </a:solidFill>
-                          <a:effectLst/>
-                          <a:latin typeface="+mn-lt"/>
-                        </a:rPr>
-                        <a:t>TLS Server Hello Done</a:t>
-                      </a:r>
-                    </a:p>
-                  </a:txBody>
-                  <a:tcPr marL="9525" marR="9525" marT="9525" marB="0" anchor="b"/>
-                </a:tc>
-                <a:tc>
-                  <a:txBody>
-                    <a:bodyPr/>
-                    <a:lstStyle/>
-                    <a:p>
-                      <a:pPr marL="0" marR="0" lvl="0" indent="0" algn="l" defTabSz="914400" rtl="0" eaLnBrk="1" fontAlgn="auto" latinLnBrk="0" hangingPunct="1">
-                        <a:lnSpc>
-                          <a:spcPct val="100000"/>
-                        </a:lnSpc>
-                        <a:spcBef>
-                          <a:spcPts val="0"/>
-                        </a:spcBef>
-                        <a:spcAft>
-                          <a:spcPts val="0"/>
-                        </a:spcAft>
-                        <a:buClrTx/>
-                        <a:buSzTx/>
-                        <a:buFontTx/>
-                        <a:buNone/>
-                        <a:tabLst/>
-                        <a:defRPr/>
-                      </a:pPr>
-                      <a:r>
-                        <a:rPr lang="en-US" sz="900" b="0" i="0" u="none" strike="noStrike" dirty="0">
-                          <a:solidFill>
-                            <a:srgbClr val="000000"/>
-                          </a:solidFill>
-                          <a:effectLst/>
-                          <a:latin typeface="+mn-lt"/>
-                        </a:rPr>
-                        <a:t>TLS Client Key Exchange</a:t>
-                      </a:r>
-                    </a:p>
-                  </a:txBody>
-                  <a:tcPr/>
-                </a:tc>
-                <a:tc>
-                  <a:txBody>
-                    <a:bodyPr/>
-                    <a:lstStyle/>
-                    <a:p>
-                      <a:pPr marL="0" marR="0" lvl="0" indent="0" algn="l" defTabSz="914400" rtl="0" eaLnBrk="1" fontAlgn="auto" latinLnBrk="0" hangingPunct="1">
-                        <a:lnSpc>
-                          <a:spcPct val="100000"/>
-                        </a:lnSpc>
-                        <a:spcBef>
-                          <a:spcPts val="0"/>
-                        </a:spcBef>
-                        <a:spcAft>
-                          <a:spcPts val="0"/>
-                        </a:spcAft>
-                        <a:buClrTx/>
-                        <a:buSzTx/>
-                        <a:buFontTx/>
-                        <a:buNone/>
-                        <a:tabLst/>
-                        <a:defRPr/>
-                      </a:pPr>
-                      <a:r>
-                        <a:rPr lang="en-US" sz="900" b="0" i="0" u="none" strike="noStrike" dirty="0">
-                          <a:solidFill>
-                            <a:srgbClr val="000000"/>
-                          </a:solidFill>
-                          <a:effectLst/>
-                          <a:latin typeface="+mn-lt"/>
-                        </a:rPr>
-                        <a:t>TLS Server Key Exchange</a:t>
-                      </a:r>
-                    </a:p>
-                  </a:txBody>
-                  <a:tcPr/>
-                </a:tc>
-                <a:extLst>
-                  <a:ext uri="{0D108BD9-81ED-4DB2-BD59-A6C34878D82A}">
-                    <a16:rowId xmlns:a16="http://schemas.microsoft.com/office/drawing/2014/main" val="1868664448"/>
-                  </a:ext>
-                </a:extLst>
-              </a:tr>
-              <a:tr h="358934">
-                <a:tc>
-                  <a:txBody>
-                    <a:bodyPr/>
-                    <a:lstStyle/>
-                    <a:p>
-                      <a:pPr algn="l" fontAlgn="b"/>
-                      <a:r>
-                        <a:rPr lang="en-US" sz="900" b="0" i="0" u="none" strike="noStrike" dirty="0">
-                          <a:solidFill>
-                            <a:srgbClr val="000000"/>
-                          </a:solidFill>
-                          <a:effectLst/>
-                          <a:latin typeface="+mn-lt"/>
-                        </a:rPr>
-                        <a:t>TLS Server Key Exchange</a:t>
-                      </a:r>
-                    </a:p>
-                  </a:txBody>
-                  <a:tcPr marL="9525" marR="9525" marT="9525" marB="0" anchor="b"/>
-                </a:tc>
-                <a:tc>
-                  <a:txBody>
-                    <a:bodyPr/>
-                    <a:lstStyle/>
-                    <a:p>
-                      <a:pPr marL="0" marR="0" lvl="0" indent="0" algn="l" defTabSz="914400" rtl="0" eaLnBrk="1" fontAlgn="auto" latinLnBrk="0" hangingPunct="1">
-                        <a:lnSpc>
-                          <a:spcPct val="100000"/>
-                        </a:lnSpc>
-                        <a:spcBef>
-                          <a:spcPts val="0"/>
-                        </a:spcBef>
-                        <a:spcAft>
-                          <a:spcPts val="0"/>
-                        </a:spcAft>
-                        <a:buClrTx/>
-                        <a:buSzTx/>
-                        <a:buFontTx/>
-                        <a:buNone/>
-                        <a:tabLst/>
-                        <a:defRPr/>
-                      </a:pPr>
-                      <a:r>
-                        <a:rPr lang="en-US" sz="900" b="0" i="0" u="none" strike="noStrike" dirty="0">
-                          <a:solidFill>
-                            <a:srgbClr val="000000"/>
-                          </a:solidFill>
-                          <a:effectLst/>
-                          <a:latin typeface="+mn-lt"/>
-                        </a:rPr>
-                        <a:t>TLS Server Hello Done</a:t>
-                      </a:r>
-                    </a:p>
-                  </a:txBody>
-                  <a:tcPr/>
-                </a:tc>
-                <a:tc>
-                  <a:txBody>
-                    <a:bodyPr/>
-                    <a:lstStyle/>
-                    <a:p>
-                      <a:pPr marL="0" marR="0" lvl="0" indent="0" algn="l" defTabSz="914400" rtl="0" eaLnBrk="1" fontAlgn="auto" latinLnBrk="0" hangingPunct="1">
-                        <a:lnSpc>
-                          <a:spcPct val="100000"/>
-                        </a:lnSpc>
-                        <a:spcBef>
-                          <a:spcPts val="0"/>
-                        </a:spcBef>
-                        <a:spcAft>
-                          <a:spcPts val="0"/>
-                        </a:spcAft>
-                        <a:buClrTx/>
-                        <a:buSzTx/>
-                        <a:buFontTx/>
-                        <a:buNone/>
-                        <a:tabLst/>
-                        <a:defRPr/>
-                      </a:pPr>
-                      <a:r>
-                        <a:rPr lang="en-US" sz="900" b="0" i="0" u="none" strike="noStrike" dirty="0">
-                          <a:solidFill>
-                            <a:srgbClr val="000000"/>
-                          </a:solidFill>
-                          <a:effectLst/>
-                          <a:latin typeface="+mn-lt"/>
-                        </a:rPr>
-                        <a:t>TLS Certificate</a:t>
-                      </a:r>
-                    </a:p>
-                  </a:txBody>
-                  <a:tcPr/>
-                </a:tc>
-                <a:extLst>
-                  <a:ext uri="{0D108BD9-81ED-4DB2-BD59-A6C34878D82A}">
-                    <a16:rowId xmlns:a16="http://schemas.microsoft.com/office/drawing/2014/main" val="3650951982"/>
-                  </a:ext>
-                </a:extLst>
-              </a:tr>
-              <a:tr h="358934">
-                <a:tc>
-                  <a:txBody>
-                    <a:bodyPr/>
-                    <a:lstStyle/>
-                    <a:p>
-                      <a:pPr algn="l" fontAlgn="b"/>
-                      <a:r>
-                        <a:rPr lang="en-US" sz="900" b="0" i="0" u="none" strike="noStrike" dirty="0">
-                          <a:solidFill>
-                            <a:srgbClr val="000000"/>
-                          </a:solidFill>
-                          <a:effectLst/>
-                          <a:latin typeface="+mn-lt"/>
-                        </a:rPr>
-                        <a:t>TLS Uncaptured</a:t>
-                      </a:r>
-                    </a:p>
-                  </a:txBody>
-                  <a:tcPr marL="9525" marR="9525" marT="9525" marB="0" anchor="b"/>
-                </a:tc>
-                <a:tc>
-                  <a:txBody>
-                    <a:bodyPr/>
-                    <a:lstStyle/>
-                    <a:p>
-                      <a:endParaRPr lang="en-US" sz="900">
-                        <a:latin typeface="+mn-lt"/>
-                      </a:endParaRPr>
-                    </a:p>
-                  </a:txBody>
-                  <a:tcPr/>
-                </a:tc>
-                <a:tc>
-                  <a:txBody>
-                    <a:bodyPr/>
-                    <a:lstStyle/>
-                    <a:p>
-                      <a:pPr algn="l" fontAlgn="b"/>
-                      <a:r>
-                        <a:rPr lang="en-US" sz="900" b="0" i="0" u="none" strike="noStrike" dirty="0">
-                          <a:solidFill>
-                            <a:srgbClr val="000000"/>
-                          </a:solidFill>
-                          <a:effectLst/>
-                          <a:latin typeface="+mn-lt"/>
-                        </a:rPr>
-                        <a:t>TLS Application Data</a:t>
-                      </a:r>
-                    </a:p>
-                  </a:txBody>
-                  <a:tcPr/>
-                </a:tc>
-                <a:extLst>
-                  <a:ext uri="{0D108BD9-81ED-4DB2-BD59-A6C34878D82A}">
-                    <a16:rowId xmlns:a16="http://schemas.microsoft.com/office/drawing/2014/main" val="2777197553"/>
-                  </a:ext>
-                </a:extLst>
-              </a:tr>
-              <a:tr h="358934">
-                <a:tc>
-                  <a:txBody>
-                    <a:bodyPr/>
-                    <a:lstStyle/>
-                    <a:p>
-                      <a:pPr algn="l" fontAlgn="b"/>
-                      <a:r>
-                        <a:rPr lang="en-US" sz="900" b="0" i="0" u="none" strike="noStrike" dirty="0">
-                          <a:solidFill>
-                            <a:srgbClr val="000000"/>
-                          </a:solidFill>
-                          <a:effectLst/>
-                          <a:latin typeface="+mn-lt"/>
-                        </a:rPr>
-                        <a:t>TLS </a:t>
-                      </a:r>
-                      <a:r>
-                        <a:rPr lang="en-US" sz="900" b="0" i="0" u="none" strike="noStrike" dirty="0" err="1">
-                          <a:solidFill>
-                            <a:srgbClr val="000000"/>
-                          </a:solidFill>
-                          <a:effectLst/>
-                          <a:latin typeface="+mn-lt"/>
-                        </a:rPr>
-                        <a:t>Window_full</a:t>
-                      </a:r>
-                      <a:endParaRPr lang="en-US" sz="900" b="0" i="0" u="none" strike="noStrike" dirty="0">
-                        <a:solidFill>
-                          <a:srgbClr val="000000"/>
-                        </a:solidFill>
-                        <a:effectLst/>
-                        <a:latin typeface="+mn-lt"/>
-                      </a:endParaRPr>
-                    </a:p>
-                  </a:txBody>
-                  <a:tcPr marL="9525" marR="9525" marT="9525" marB="0" anchor="b"/>
-                </a:tc>
-                <a:tc>
-                  <a:txBody>
-                    <a:bodyPr/>
-                    <a:lstStyle/>
-                    <a:p>
-                      <a:endParaRPr lang="en-US" sz="900">
-                        <a:latin typeface="+mn-lt"/>
-                      </a:endParaRPr>
-                    </a:p>
-                  </a:txBody>
-                  <a:tcPr/>
-                </a:tc>
-                <a:tc>
-                  <a:txBody>
-                    <a:bodyPr/>
-                    <a:lstStyle/>
-                    <a:p>
-                      <a:pPr algn="l" fontAlgn="b"/>
-                      <a:r>
-                        <a:rPr lang="en-US" sz="900" b="0" i="0" u="none" strike="noStrike" dirty="0">
-                          <a:solidFill>
-                            <a:srgbClr val="000000"/>
-                          </a:solidFill>
-                          <a:effectLst/>
-                          <a:latin typeface="+mn-lt"/>
-                        </a:rPr>
-                        <a:t>TLS Application Data</a:t>
-                      </a:r>
-                    </a:p>
-                  </a:txBody>
-                  <a:tcPr/>
-                </a:tc>
-                <a:extLst>
-                  <a:ext uri="{0D108BD9-81ED-4DB2-BD59-A6C34878D82A}">
-                    <a16:rowId xmlns:a16="http://schemas.microsoft.com/office/drawing/2014/main" val="2926019202"/>
+                    <a16:rowId xmlns:a16="http://schemas.microsoft.com/office/drawing/2014/main" val="2358754044"/>
                   </a:ext>
                 </a:extLst>
               </a:tr>
@@ -7543,7 +7404,7 @@
     </p:spTree>
     <p:extLst>
       <p:ext uri="{BB962C8B-B14F-4D97-AF65-F5344CB8AC3E}">
-        <p14:creationId xmlns:p14="http://schemas.microsoft.com/office/powerpoint/2010/main" val="3962766581"/>
+        <p14:creationId xmlns:p14="http://schemas.microsoft.com/office/powerpoint/2010/main" val="3836450021"/>
       </p:ext>
     </p:extLst>
   </p:cSld>
